--- a/Presentation.pptx
+++ b/Presentation.pptx
@@ -6,9 +6,10 @@
   </p:sldMasterIdLst>
   <p:sldIdLst>
     <p:sldId id="256" r:id="rId2"/>
+    <p:sldId id="257" r:id="rId3"/>
   </p:sldIdLst>
   <p:notesMasterIdLst>
-    <p:notesMasterId r:id="rId3"/>
+    <p:notesMasterId r:id="rId4"/>
   </p:notesMasterIdLst>
   <p:sldSz cx="9144000" cy="5143500"/>
   <p:notesSz cx="5143500" cy="9144000"/>
@@ -526,6 +527,94 @@
             <a:fld id="{F7021451-1387-4CA6-816F-3879F97B5CBC}" type="slidenum">
               <a:rPr lang="en-US"/>
               <a:t>1</a:t>
+            </a:fld>
+            <a:endParaRPr lang="en-US"/>
+          </a:p>
+        </p:txBody>
+      </p:sp>
+    </p:spTree>
+    <p:extLst>
+      <p:ext uri="{BB962C8B-B14F-4D97-AF65-F5344CB8AC3E}">
+        <p14:creationId xmlns:p14="http://schemas.microsoft.com/office/powerpoint/2010/main" val="1024086991"/>
+      </p:ext>
+    </p:extLst>
+  </p:cSld>
+  <p:clrMapOvr>
+    <a:masterClrMapping/>
+  </p:clrMapOvr>
+</p:notes>
+</file>
+
+<file path=ppt/notesSlides/notesSlide2.xml><?xml version="1.0" encoding="utf-8"?>
+<p:notes xmlns:a="http://schemas.openxmlformats.org/drawingml/2006/main" xmlns:r="http://schemas.openxmlformats.org/officeDocument/2006/relationships" xmlns:p="http://schemas.openxmlformats.org/presentationml/2006/main">
+  <p:cSld>
+    <p:spTree>
+      <p:nvGrpSpPr>
+        <p:cNvPr id="1" name=""/>
+        <p:cNvGrpSpPr/>
+        <p:nvPr/>
+      </p:nvGrpSpPr>
+      <p:grpSpPr>
+        <a:xfrm>
+          <a:off x="0" y="0"/>
+          <a:ext cx="0" cy="0"/>
+          <a:chOff x="0" y="0"/>
+          <a:chExt cx="0" cy="0"/>
+        </a:xfrm>
+      </p:grpSpPr>
+      <p:sp>
+        <p:nvSpPr>
+          <p:cNvPr id="2" name="Slide Image Placeholder 1"/>
+          <p:cNvSpPr>
+            <a:spLocks noGrp="1" noRot="1" noChangeAspect="1"/>
+          </p:cNvSpPr>
+          <p:nvPr>
+            <p:ph type="sldImg"/>
+          </p:nvPr>
+        </p:nvSpPr>
+        <p:spPr/>
+      </p:sp>
+      <p:sp>
+        <p:nvSpPr>
+          <p:cNvPr id="3" name="Notes Placeholder 2"/>
+          <p:cNvSpPr>
+            <a:spLocks noGrp="1"/>
+          </p:cNvSpPr>
+          <p:nvPr>
+            <p:ph type="body" idx="1"/>
+          </p:nvPr>
+        </p:nvSpPr>
+        <p:spPr/>
+        <p:txBody>
+          <a:bodyPr/>
+          <a:lstStyle/>
+          <a:p>
+            <a:r>
+              <a:rPr lang="en-US" dirty="0"/>
+              <a:t/>
+            </a:r>
+            <a:endParaRPr lang="en-US" dirty="0"/>
+          </a:p>
+        </p:txBody>
+      </p:sp>
+      <p:sp>
+        <p:nvSpPr>
+          <p:cNvPr id="4" name="Slide Number Placeholder 3"/>
+          <p:cNvSpPr>
+            <a:spLocks noGrp="1"/>
+          </p:cNvSpPr>
+          <p:nvPr>
+            <p:ph type="sldNum" sz="quarter" idx="10"/>
+          </p:nvPr>
+        </p:nvSpPr>
+        <p:spPr/>
+        <p:txBody>
+          <a:bodyPr/>
+          <a:lstStyle/>
+          <a:p>
+            <a:fld id="{F7021451-1387-4CA6-816F-3879F97B5CBC}" type="slidenum">
+              <a:rPr lang="en-US"/>
+              <a:t>2</a:t>
             </a:fld>
             <a:endParaRPr lang="en-US"/>
           </a:p>
@@ -574,6 +663,121 @@
 </p:sldLayout>
 </file>
 
+<file path=ppt/slideLayouts/slideLayout2.xml><?xml version="1.0" encoding="utf-8"?>
+<p:sldLayout xmlns:a="http://schemas.openxmlformats.org/drawingml/2006/main" xmlns:r="http://schemas.openxmlformats.org/officeDocument/2006/relationships" xmlns:p="http://schemas.openxmlformats.org/presentationml/2006/main" preserve="1">
+  <p:cSld name="MASTER_SLIDE1">
+    <p:bg>
+      <p:bgPr>
+        <a:solidFill>
+          <a:srgbClr val="FFFFFF"/>
+        </a:solidFill>
+      </p:bgPr>
+    </p:bg>
+    <p:spTree>
+      <p:nvGrpSpPr>
+        <p:cNvPr id="1" name=""/>
+        <p:cNvGrpSpPr/>
+        <p:nvPr/>
+      </p:nvGrpSpPr>
+      <p:grpSpPr>
+        <a:xfrm>
+          <a:off x="0" y="0"/>
+          <a:ext cx="0" cy="0"/>
+          <a:chOff x="0" y="0"/>
+          <a:chExt cx="0" cy="0"/>
+        </a:xfrm>
+      </p:grpSpPr>
+      <p:sp>
+        <p:nvSpPr>
+          <p:cNvPr id="2" name="Object1"/>
+          <p:cNvSpPr/>
+          <p:nvPr/>
+        </p:nvSpPr>
+        <p:spPr>
+          <a:xfrm>
+            <a:off x="0" y="0"/>
+            <a:ext cx="9144000" cy="685800"/>
+          </a:xfrm>
+          <a:prstGeom prst="rect">
+            <a:avLst/>
+          </a:prstGeom>
+          <a:solidFill>
+            <a:srgbClr val="0088CC"/>
+          </a:solidFill>
+          <a:ln/>
+        </p:spPr>
+      </p:sp>
+      <p:pic>
+        <p:nvPicPr>
+          <p:cNvPr id="3" name="Object 2" descr="https://images.pexels.com/photos/1337380/pexels-photo-1337380.jpeg?auto=compress&amp;cs=tinysrgb&amp;dpr=2&amp;h=650&amp;w=940">    </p:cNvPr>
+          <p:cNvPicPr>
+            <a:picLocks noChangeAspect="1"/>
+          </p:cNvPicPr>
+          <p:nvPr/>
+        </p:nvPicPr>
+        <p:blipFill>
+          <a:blip r:embed="rId1"/>
+          <a:stretch>
+            <a:fillRect/>
+          </a:stretch>
+        </p:blipFill>
+        <p:spPr>
+          <a:xfrm>
+            <a:off x="6400800" y="0"/>
+            <a:ext cx="1527048" cy="685800"/>
+          </a:xfrm>
+          <a:prstGeom prst="rect">
+            <a:avLst/>
+          </a:prstGeom>
+        </p:spPr>
+      </p:pic>
+      <p:sp>
+        <p:nvSpPr>
+          <p:cNvPr id="25" name="Slide Number Placeholder 24"/>
+          <p:cNvSpPr>
+            <a:spLocks noGrp="1"/>
+          </p:cNvSpPr>
+          <p:nvPr>
+            <p:ph type="sldNum" sz="quarter" idx="4294967295"/>
+          </p:nvPr>
+        </p:nvSpPr>
+        <p:spPr>
+          <a:xfrm>
+            <a:off x="4572000" y="4629150"/>
+            <a:ext cx="800000" cy="300000"/>
+          </a:xfrm>
+          <a:prstGeom prst="rect">
+            <a:avLst/>
+          </a:prstGeom>
+          <a:extLst>
+            <a:ext uri="{C572A759-6A51-4108-AA02-DFA0A04FC94B}">
+              <ma14:wrappingTextBoxFlag xmlns:ma14="http://schemas.microsoft.com/office/mac/drawingml/2011/main" val="0"/>
+            </a:ext>
+          </a:extLst>
+        </p:spPr>
+        <p:txBody>
+          <a:bodyPr/>
+          <a:lstStyle>
+            <a:lvl1pPr/>
+          </a:lstStyle>
+          <a:p>
+            <a:pPr algn="l"/>
+            <a:fld id="{F7021451-1387-4CA6-816F-3879F97B5CBC}" type="slidenum">
+              <a:rPr b="0" lang="en-US"/>
+              <a:t>1002</a:t>
+            </a:fld>
+            <a:endParaRPr lang="en-US"/>
+          </a:p>
+        </p:txBody>
+      </p:sp>
+    </p:spTree>
+  </p:cSld>
+  <p:clrMapOvr>
+    <a:masterClrMapping/>
+  </p:clrMapOvr>
+</p:sldLayout>
+</file>
+
 <file path=ppt/slideMasters/slideMaster1.xml><?xml version="1.0" encoding="utf-8"?>
 <p:sldMaster xmlns:a="http://schemas.openxmlformats.org/drawingml/2006/main" xmlns:r="http://schemas.openxmlformats.org/officeDocument/2006/relationships" xmlns:p="http://schemas.openxmlformats.org/presentationml/2006/main">
   <p:cSld>
@@ -591,11 +795,51 @@
           <a:chExt cx="0" cy="0"/>
         </a:xfrm>
       </p:grpSpPr>
+      <p:sp>
+        <p:nvSpPr>
+          <p:cNvPr id="25" name="Slide Number Placeholder 24"/>
+          <p:cNvSpPr>
+            <a:spLocks noGrp="1"/>
+          </p:cNvSpPr>
+          <p:nvPr>
+            <p:ph type="sldNum" sz="quarter" idx="4294967295"/>
+          </p:nvPr>
+        </p:nvSpPr>
+        <p:spPr>
+          <a:xfrm>
+            <a:off x="4572000" y="4629150"/>
+            <a:ext cx="800000" cy="300000"/>
+          </a:xfrm>
+          <a:prstGeom prst="rect">
+            <a:avLst/>
+          </a:prstGeom>
+          <a:extLst>
+            <a:ext uri="{C572A759-6A51-4108-AA02-DFA0A04FC94B}">
+              <ma14:wrappingTextBoxFlag xmlns:ma14="http://schemas.microsoft.com/office/mac/drawingml/2011/main" val="0"/>
+            </a:ext>
+          </a:extLst>
+        </p:spPr>
+        <p:txBody>
+          <a:bodyPr/>
+          <a:lstStyle>
+            <a:lvl1pPr/>
+          </a:lstStyle>
+          <a:p>
+            <a:pPr algn="l"/>
+            <a:fld id="{F7021451-1387-4CA6-816F-3879F97B5CBC}" type="slidenum">
+              <a:rPr b="0" lang="en-US"/>
+              <a:t>null</a:t>
+            </a:fld>
+            <a:endParaRPr lang="en-US"/>
+          </a:p>
+        </p:txBody>
+      </p:sp>
     </p:spTree>
   </p:cSld>
   <p:clrMap bg1="lt1" tx1="dk1" bg2="lt2" tx2="dk2" accent1="accent1" accent2="accent2" accent3="accent3" accent4="accent4" accent5="accent5" accent6="accent6" hlink="hlink" folHlink="folHlink"/>
   <p:sldLayoutIdLst>
     <p:sldLayoutId id="2147483649" r:id="rId1"/>
+    <p:sldLayoutId id="2147483650" r:id="rId2"/>
   </p:sldLayoutIdLst>
   <p:hf sldNum="0" hdr="0" ftr="0" dt="0"/>
   <p:txStyles>
@@ -895,9 +1139,238 @@
                   <a:srgbClr val="363636"/>
                 </a:solidFill>
               </a:rPr>
-              <a:t>Hello World!</a:t>
+              <a:t>Hello World! How are you ?</a:t>
             </a:r>
             <a:endParaRPr lang="en-US" dirty="0"/>
+          </a:p>
+        </p:txBody>
+      </p:sp>
+      <p:sp>
+        <p:nvSpPr>
+          <p:cNvPr id="25" name="Slide Number Placeholder 24"/>
+          <p:cNvSpPr>
+            <a:spLocks noGrp="1"/>
+          </p:cNvSpPr>
+          <p:nvPr>
+            <p:ph type="sldNum" sz="quarter" idx="4294967295"/>
+          </p:nvPr>
+        </p:nvSpPr>
+        <p:spPr>
+          <a:xfrm>
+            <a:off x="4572000" y="4629150"/>
+            <a:ext cx="800000" cy="300000"/>
+          </a:xfrm>
+          <a:prstGeom prst="rect">
+            <a:avLst/>
+          </a:prstGeom>
+          <a:extLst>
+            <a:ext uri="{C572A759-6A51-4108-AA02-DFA0A04FC94B}">
+              <ma14:wrappingTextBoxFlag xmlns:ma14="http://schemas.microsoft.com/office/mac/drawingml/2011/main" val="0"/>
+            </a:ext>
+          </a:extLst>
+        </p:spPr>
+        <p:txBody>
+          <a:bodyPr/>
+          <a:lstStyle>
+            <a:lvl1pPr/>
+          </a:lstStyle>
+          <a:p>
+            <a:pPr algn="l"/>
+            <a:fld id="{F7021451-1387-4CA6-816F-3879F97B5CBC}" type="slidenum">
+              <a:rPr b="0" lang="en-US"/>
+              <a:t>1</a:t>
+            </a:fld>
+            <a:endParaRPr lang="en-US"/>
+          </a:p>
+        </p:txBody>
+      </p:sp>
+    </p:spTree>
+  </p:cSld>
+  <p:clrMapOvr>
+    <a:masterClrMapping/>
+  </p:clrMapOvr>
+</p:sld>
+</file>
+
+<file path=ppt/slides/slide2.xml><?xml version="1.0" encoding="utf-8"?>
+<p:sld xmlns:a="http://schemas.openxmlformats.org/drawingml/2006/main" xmlns:r="http://schemas.openxmlformats.org/officeDocument/2006/relationships" xmlns:p="http://schemas.openxmlformats.org/presentationml/2006/main">
+  <p:cSld name="Slide 2">
+    <p:spTree>
+      <p:nvGrpSpPr>
+        <p:cNvPr id="1" name=""/>
+        <p:cNvGrpSpPr/>
+        <p:nvPr/>
+      </p:nvGrpSpPr>
+      <p:grpSpPr>
+        <a:xfrm>
+          <a:off x="0" y="0"/>
+          <a:ext cx="0" cy="0"/>
+          <a:chOff x="0" y="0"/>
+          <a:chExt cx="0" cy="0"/>
+        </a:xfrm>
+      </p:grpSpPr>
+      <p:graphicFrame>
+        <p:nvGraphicFramePr>
+          <p:cNvPr id="3" name="Table 2"/>
+          <p:cNvGraphicFramePr>
+            <a:graphicFrameLocks noGrp="1"/>
+          </p:cNvGraphicFramePr>
+          <p:nvPr>
+            <p:extLst>
+              <p:ext uri="{D42A27DB-BD31-4B8C-83A1-F6EECF244321}">
+                <p14:modId xmlns:p14="http://schemas.microsoft.com/office/powerpoint/2010/main" val="1579011935"/>
+              </p:ext>
+            </p:extLst>
+          </p:nvPr>
+        </p:nvGraphicFramePr>
+        <p:xfrm>
+          <a:off x="914400" y="914400"/>
+          <a:ext cx="8229600" cy="914400"/>
+        </p:xfrm>
+        <a:graphic>
+          <a:graphicData uri="http://schemas.openxmlformats.org/drawingml/2006/table">
+            <a:tbl>
+              <a:tblPr/>
+              <a:tblGrid>
+                <a:gridCol w="2743200"/>
+                <a:gridCol w="2743200"/>
+                <a:gridCol w="2743200"/>
+              </a:tblGrid>
+              <a:tr h="0">
+                <a:tc>
+                  <a:txBody>
+                    <a:bodyPr/>
+                    <a:lstStyle/>
+                    <a:p>
+                      <a:r>
+                        <a:rPr lang="en-US" sz="1200" dirty="0">
+                          <a:solidFill>
+                            <a:srgbClr val="000000"/>
+                          </a:solidFill>
+                        </a:rPr>
+                        <a:t>Cell 1</a:t>
+                      </a:r>
+                      <a:endParaRPr lang="en-US" sz="1200" dirty="0"/>
+                    </a:p>
+                  </a:txBody>
+                  <a:tcPr marL="91440" marR="91440" marT="45720" marB="45720">
+                    <a:lnL w="0" cap="flat" cmpd="sng" algn="ctr">
+                      <a:noFill/>
+                    </a:lnL>
+                    <a:lnR w="0" cap="flat" cmpd="sng" algn="ctr">
+                      <a:noFill/>
+                    </a:lnR>
+                    <a:lnT w="0" cap="flat" cmpd="sng" algn="ctr">
+                      <a:noFill/>
+                    </a:lnT>
+                    <a:lnB w="0" cap="flat" cmpd="sng" algn="ctr">
+                      <a:noFill/>
+                    </a:lnB>
+                  </a:tcPr>
+                </a:tc>
+                <a:tc>
+                  <a:txBody>
+                    <a:bodyPr/>
+                    <a:lstStyle/>
+                    <a:p>
+                      <a:r>
+                        <a:rPr lang="en-US" sz="1200" dirty="0">
+                          <a:solidFill>
+                            <a:srgbClr val="000000"/>
+                          </a:solidFill>
+                        </a:rPr>
+                        <a:t>Cell 2</a:t>
+                      </a:r>
+                      <a:endParaRPr lang="en-US" sz="1200" dirty="0"/>
+                    </a:p>
+                  </a:txBody>
+                  <a:tcPr marL="91440" marR="91440" marT="45720" marB="45720">
+                    <a:lnL w="0" cap="flat" cmpd="sng" algn="ctr">
+                      <a:noFill/>
+                    </a:lnL>
+                    <a:lnR w="0" cap="flat" cmpd="sng" algn="ctr">
+                      <a:noFill/>
+                    </a:lnR>
+                    <a:lnT w="0" cap="flat" cmpd="sng" algn="ctr">
+                      <a:noFill/>
+                    </a:lnT>
+                    <a:lnB w="0" cap="flat" cmpd="sng" algn="ctr">
+                      <a:noFill/>
+                    </a:lnB>
+                  </a:tcPr>
+                </a:tc>
+                <a:tc>
+                  <a:txBody>
+                    <a:bodyPr/>
+                    <a:lstStyle/>
+                    <a:p>
+                      <a:r>
+                        <a:rPr lang="en-US" sz="1200" dirty="0">
+                          <a:solidFill>
+                            <a:srgbClr val="000000"/>
+                          </a:solidFill>
+                        </a:rPr>
+                        <a:t>Cell 3</a:t>
+                      </a:r>
+                      <a:endParaRPr lang="en-US" sz="1200" dirty="0"/>
+                    </a:p>
+                  </a:txBody>
+                  <a:tcPr marL="91440" marR="91440" marT="45720" marB="45720">
+                    <a:lnL w="0" cap="flat" cmpd="sng" algn="ctr">
+                      <a:noFill/>
+                    </a:lnL>
+                    <a:lnR w="0" cap="flat" cmpd="sng" algn="ctr">
+                      <a:noFill/>
+                    </a:lnR>
+                    <a:lnT w="0" cap="flat" cmpd="sng" algn="ctr">
+                      <a:noFill/>
+                    </a:lnT>
+                    <a:lnB w="0" cap="flat" cmpd="sng" algn="ctr">
+                      <a:noFill/>
+                    </a:lnB>
+                  </a:tcPr>
+                </a:tc>
+              </a:tr>
+            </a:tbl>
+          </a:graphicData>
+        </a:graphic>
+      </p:graphicFrame>
+      <p:sp>
+        <p:nvSpPr>
+          <p:cNvPr id="25" name="Slide Number Placeholder 24"/>
+          <p:cNvSpPr>
+            <a:spLocks noGrp="1"/>
+          </p:cNvSpPr>
+          <p:nvPr>
+            <p:ph type="sldNum" sz="quarter" idx="4294967295"/>
+          </p:nvPr>
+        </p:nvSpPr>
+        <p:spPr>
+          <a:xfrm>
+            <a:off x="4572000" y="4629150"/>
+            <a:ext cx="800000" cy="300000"/>
+          </a:xfrm>
+          <a:prstGeom prst="rect">
+            <a:avLst/>
+          </a:prstGeom>
+          <a:extLst>
+            <a:ext uri="{C572A759-6A51-4108-AA02-DFA0A04FC94B}">
+              <ma14:wrappingTextBoxFlag xmlns:ma14="http://schemas.microsoft.com/office/mac/drawingml/2011/main" val="0"/>
+            </a:ext>
+          </a:extLst>
+        </p:spPr>
+        <p:txBody>
+          <a:bodyPr/>
+          <a:lstStyle>
+            <a:lvl1pPr/>
+          </a:lstStyle>
+          <a:p>
+            <a:pPr algn="l"/>
+            <a:fld id="{F7021451-1387-4CA6-816F-3879F97B5CBC}" type="slidenum">
+              <a:rPr b="0" lang="en-US"/>
+              <a:t>2</a:t>
+            </a:fld>
+            <a:endParaRPr lang="en-US"/>
           </a:p>
         </p:txBody>
       </p:sp>

--- a/Presentation.pptx
+++ b/Presentation.pptx
@@ -7,9 +7,14 @@
   <p:sldIdLst>
     <p:sldId id="256" r:id="rId2"/>
     <p:sldId id="257" r:id="rId3"/>
+    <p:sldId id="258" r:id="rId4"/>
+    <p:sldId id="259" r:id="rId5"/>
+    <p:sldId id="260" r:id="rId6"/>
+    <p:sldId id="261" r:id="rId7"/>
+    <p:sldId id="262" r:id="rId8"/>
   </p:sldIdLst>
   <p:notesMasterIdLst>
-    <p:notesMasterId r:id="rId4"/>
+    <p:notesMasterId r:id="rId9"/>
   </p:notesMasterIdLst>
   <p:sldSz cx="9144000" cy="5143500"/>
   <p:notesSz cx="5143500" cy="9144000"/>
@@ -106,6 +111,433 @@
     </a:lvl9pPr>
   </p:defaultTextStyle>
 </p:presentation>
+</file>
+
+<file path=ppt/charts/chart1.xml><?xml version="1.0" encoding="utf-8"?>
+<c:chartSpace xmlns:c="http://schemas.openxmlformats.org/drawingml/2006/chart" xmlns:a="http://schemas.openxmlformats.org/drawingml/2006/main" xmlns:r="http://schemas.openxmlformats.org/officeDocument/2006/relationships">
+  <c:date1904 val="0"/>
+  <c:chart>
+    <c:autoTitleDeleted val="1"/>
+    <c:plotArea>
+      <c:layout/>
+      <c:barChart>
+        <c:barDir val="col"/>
+        <c:grouping val="clustered"/>
+        <c:varyColors val="0"/>
+        <c:ser>
+          <c:idx val="0"/>
+          <c:order val="0"/>
+          <c:tx>
+            <c:strRef>
+              <c:f>Sheet1!$B$1</c:f>
+              <c:strCache>
+                <c:ptCount val="1"/>
+                <c:pt idx="0">
+                  <c:v>Actual Sales</c:v>
+                </c:pt>
+              </c:strCache>
+            </c:strRef>
+          </c:tx>
+          <c:invertIfNegative val="0"/>
+          <c:spPr>
+            <a:solidFill>
+              <a:srgbClr val="C0504D"/>
+            </a:solidFill>
+            <a:effectLst/>
+          </c:spPr>
+          <c:dLbls>
+            <c:numFmt formatCode="#,##0" sourceLinked="0"/>
+            <c:txPr>
+              <a:bodyPr/>
+              <a:lstStyle/>
+              <a:p>
+                <a:pPr>
+                  <a:defRPr b="0" i="0" strike="noStrike" sz="1200" u="none">
+                    <a:solidFill>
+                      <a:srgbClr val="000000"/>
+                    </a:solidFill>
+                    <a:latin typeface="Arial"/>
+                  </a:defRPr>
+                </a:pPr>
+              </a:p>
+            </c:txPr>
+            <c:showLegendKey val="0"/>
+            <c:showVal val="0"/>
+            <c:showCatName val="0"/>
+            <c:showSerName val="0"/>
+            <c:showPercent val="0"/>
+            <c:showBubbleSize val="0"/>
+            <c:showLeaderLines val="0"/>
+          </c:dLbls>
+          <c:cat>
+            <c:strRef>
+              <c:f>Sheet1!$A$2:$A$13</c:f>
+              <c:strCache>
+                <c:ptCount val="12"/>
+                <c:pt idx="0">
+                  <c:v>Jan</c:v>
+                </c:pt>
+                <c:pt idx="1">
+                  <c:v>Feb</c:v>
+                </c:pt>
+                <c:pt idx="2">
+                  <c:v>Mar</c:v>
+                </c:pt>
+                <c:pt idx="3">
+                  <c:v>Apr</c:v>
+                </c:pt>
+                <c:pt idx="4">
+                  <c:v>May</c:v>
+                </c:pt>
+                <c:pt idx="5">
+                  <c:v>Jun</c:v>
+                </c:pt>
+                <c:pt idx="6">
+                  <c:v>Jul</c:v>
+                </c:pt>
+                <c:pt idx="7">
+                  <c:v>Aug</c:v>
+                </c:pt>
+                <c:pt idx="8">
+                  <c:v>Sep</c:v>
+                </c:pt>
+                <c:pt idx="9">
+                  <c:v>Oct</c:v>
+                </c:pt>
+                <c:pt idx="10">
+                  <c:v>Nov</c:v>
+                </c:pt>
+                <c:pt idx="11">
+                  <c:v>Dec</c:v>
+                </c:pt>
+              </c:strCache>
+            </c:strRef>
+          </c:cat>
+          <c:val>
+            <c:numRef>
+              <c:f>Sheet1!$B$2:$B$13</c:f>
+              <c:numCache>
+                <c:formatCode>General</c:formatCode>
+                <c:ptCount val="12"/>
+                <c:pt idx="0">
+                  <c:v>1500</c:v>
+                </c:pt>
+                <c:pt idx="1">
+                  <c:v>4600</c:v>
+                </c:pt>
+                <c:pt idx="2">
+                  <c:v>5156</c:v>
+                </c:pt>
+                <c:pt idx="3">
+                  <c:v>3167</c:v>
+                </c:pt>
+                <c:pt idx="4">
+                  <c:v>8510</c:v>
+                </c:pt>
+                <c:pt idx="5">
+                  <c:v>8009</c:v>
+                </c:pt>
+                <c:pt idx="6">
+                  <c:v>6006</c:v>
+                </c:pt>
+                <c:pt idx="7">
+                  <c:v>7855</c:v>
+                </c:pt>
+                <c:pt idx="8">
+                  <c:v>12102</c:v>
+                </c:pt>
+                <c:pt idx="9">
+                  <c:v>127102</c:v>
+                </c:pt>
+                <c:pt idx="10">
+                  <c:v>12789</c:v>
+                </c:pt>
+                <c:pt idx="11">
+                  <c:v>10123</c:v>
+                </c:pt>
+              </c:numCache>
+            </c:numRef>
+          </c:val>
+        </c:ser>
+        <c:ser>
+          <c:idx val="1"/>
+          <c:order val="1"/>
+          <c:tx>
+            <c:strRef>
+              <c:f>Sheet1!$C$1</c:f>
+              <c:strCache>
+                <c:ptCount val="1"/>
+                <c:pt idx="0">
+                  <c:v>Projected Sales</c:v>
+                </c:pt>
+              </c:strCache>
+            </c:strRef>
+          </c:tx>
+          <c:invertIfNegative val="0"/>
+          <c:spPr>
+            <a:solidFill>
+              <a:srgbClr val="4F81BD"/>
+            </a:solidFill>
+            <a:effectLst/>
+          </c:spPr>
+          <c:dLbls>
+            <c:numFmt formatCode="#,##0" sourceLinked="0"/>
+            <c:txPr>
+              <a:bodyPr/>
+              <a:lstStyle/>
+              <a:p>
+                <a:pPr>
+                  <a:defRPr b="0" i="0" strike="noStrike" sz="1200" u="none">
+                    <a:solidFill>
+                      <a:srgbClr val="000000"/>
+                    </a:solidFill>
+                    <a:latin typeface="Arial"/>
+                  </a:defRPr>
+                </a:pPr>
+              </a:p>
+            </c:txPr>
+            <c:showLegendKey val="0"/>
+            <c:showVal val="0"/>
+            <c:showCatName val="0"/>
+            <c:showSerName val="0"/>
+            <c:showPercent val="0"/>
+            <c:showBubbleSize val="0"/>
+            <c:showLeaderLines val="0"/>
+          </c:dLbls>
+          <c:cat>
+            <c:strRef>
+              <c:f>Sheet1!$A$2:$A$13</c:f>
+              <c:strCache>
+                <c:ptCount val="12"/>
+                <c:pt idx="0">
+                  <c:v>Jan</c:v>
+                </c:pt>
+                <c:pt idx="1">
+                  <c:v>Feb</c:v>
+                </c:pt>
+                <c:pt idx="2">
+                  <c:v>Mar</c:v>
+                </c:pt>
+                <c:pt idx="3">
+                  <c:v>Apr</c:v>
+                </c:pt>
+                <c:pt idx="4">
+                  <c:v>May</c:v>
+                </c:pt>
+                <c:pt idx="5">
+                  <c:v>Jun</c:v>
+                </c:pt>
+                <c:pt idx="6">
+                  <c:v>Jul</c:v>
+                </c:pt>
+                <c:pt idx="7">
+                  <c:v>Aug</c:v>
+                </c:pt>
+                <c:pt idx="8">
+                  <c:v>Sep</c:v>
+                </c:pt>
+                <c:pt idx="9">
+                  <c:v>Oct</c:v>
+                </c:pt>
+                <c:pt idx="10">
+                  <c:v>Nov</c:v>
+                </c:pt>
+                <c:pt idx="11">
+                  <c:v>Dec</c:v>
+                </c:pt>
+              </c:strCache>
+            </c:strRef>
+          </c:cat>
+          <c:val>
+            <c:numRef>
+              <c:f>Sheet1!$C$2:$C$13</c:f>
+              <c:numCache>
+                <c:formatCode>General</c:formatCode>
+                <c:ptCount val="12"/>
+                <c:pt idx="0">
+                  <c:v>1000</c:v>
+                </c:pt>
+                <c:pt idx="1">
+                  <c:v>2600</c:v>
+                </c:pt>
+                <c:pt idx="2">
+                  <c:v>3456</c:v>
+                </c:pt>
+                <c:pt idx="3">
+                  <c:v>4567</c:v>
+                </c:pt>
+                <c:pt idx="4">
+                  <c:v>5010</c:v>
+                </c:pt>
+                <c:pt idx="5">
+                  <c:v>6009</c:v>
+                </c:pt>
+                <c:pt idx="6">
+                  <c:v>7006</c:v>
+                </c:pt>
+                <c:pt idx="7">
+                  <c:v>8855</c:v>
+                </c:pt>
+                <c:pt idx="8">
+                  <c:v>9102</c:v>
+                </c:pt>
+                <c:pt idx="9">
+                  <c:v>10789</c:v>
+                </c:pt>
+                <c:pt idx="10">
+                  <c:v>11123</c:v>
+                </c:pt>
+                <c:pt idx="11">
+                  <c:v>12121</c:v>
+                </c:pt>
+              </c:numCache>
+            </c:numRef>
+          </c:val>
+        </c:ser>
+        <c:dLbls>
+          <c:numFmt formatCode="#,##0" sourceLinked="0"/>
+          <c:txPr>
+            <a:bodyPr/>
+            <a:lstStyle/>
+            <a:p>
+              <a:pPr>
+                <a:defRPr b="0" i="0" strike="noStrike" sz="1200" u="none">
+                  <a:solidFill>
+                    <a:srgbClr val="000000"/>
+                  </a:solidFill>
+                  <a:latin typeface="Arial"/>
+                </a:defRPr>
+              </a:pPr>
+            </a:p>
+          </c:txPr>
+          <c:showLegendKey val="0"/>
+          <c:showVal val="0"/>
+          <c:showCatName val="0"/>
+          <c:showSerName val="0"/>
+          <c:showPercent val="0"/>
+          <c:showBubbleSize val="0"/>
+          <c:showLeaderLines val="0"/>
+        </c:dLbls>
+        <c:gapWidth val="150"/>
+        <c:overlap val="0"/>
+        <c:axId val="2094734554"/>
+        <c:axId val="2094734552"/>
+        <c:axId val="2094734556"/>
+      </c:barChart>
+      <c:catAx>
+        <c:axId val="2094734554"/>
+        <c:scaling>
+          <c:orientation val="minMax"/>
+        </c:scaling>
+        <c:delete val="0"/>
+        <c:axPos val="b"/>
+        <c:numFmt formatCode="General" sourceLinked="0"/>
+        <c:majorTickMark val="out"/>
+        <c:minorTickMark val="none"/>
+        <c:tickLblPos val="low"/>
+        <c:spPr>
+          <a:ln w="12700" cap="flat">
+            <a:solidFill>
+              <a:srgbClr val="888888"/>
+            </a:solidFill>
+            <a:prstDash val="solid"/>
+            <a:round/>
+          </a:ln>
+        </c:spPr>
+        <c:txPr>
+          <a:bodyPr/>
+          <a:lstStyle/>
+          <a:p>
+            <a:pPr>
+              <a:defRPr sz="1200" b="0" i="0" u="none" strike="noStrike">
+                <a:solidFill>
+                  <a:srgbClr val="000000"/>
+                </a:solidFill>
+                <a:latin typeface="Arial"/>
+              </a:defRPr>
+            </a:pPr>
+            <a:endParaRPr lang="en-US"/>
+          </a:p>
+        </c:txPr>
+        <c:crossAx val="2094734552"/>
+        <c:crosses val="autoZero"/>
+        <c:auto val="1"/>
+        <c:lblAlgn val="ctr"/>
+        <c:noMultiLvlLbl val="1"/>
+      </c:catAx>
+      <c:valAx>
+        <c:axId val="2094734552"/>
+        <c:scaling>
+          <c:orientation val="minMax"/>
+        </c:scaling>
+        <c:delete val="0"/>
+        <c:axPos val="l"/>
+        <c:majorGridlines>
+          <c:spPr>
+            <a:ln w="12700" cap="flat">
+              <a:solidFill>
+                <a:srgbClr val="888888"/>
+              </a:solidFill>
+              <a:prstDash val="solid"/>
+              <a:round/>
+            </a:ln>
+          </c:spPr>
+        </c:majorGridlines>
+        <c:numFmt formatCode="General" sourceLinked="0"/>
+        <c:majorTickMark val="out"/>
+        <c:minorTickMark val="none"/>
+        <c:tickLblPos val="nextTo"/>
+        <c:spPr>
+          <a:ln w="12700" cap="flat">
+            <a:solidFill>
+              <a:srgbClr val="888888"/>
+            </a:solidFill>
+            <a:prstDash val="solid"/>
+            <a:round/>
+          </a:ln>
+        </c:spPr>
+        <c:txPr>
+          <a:bodyPr/>
+          <a:lstStyle/>
+          <a:p>
+            <a:pPr>
+              <a:defRPr sz="1200" b="0" i="0" u="none" strike="noStrike">
+                <a:solidFill>
+                  <a:srgbClr val="000000"/>
+                </a:solidFill>
+                <a:latin typeface="Arial"/>
+              </a:defRPr>
+            </a:pPr>
+            <a:endParaRPr lang="en-US"/>
+          </a:p>
+        </c:txPr>
+        <c:crossAx val="2094734554"/>
+        <c:crosses val="autoZero"/>
+        <c:crossBetween val="between"/>
+      </c:valAx>
+      <c:spPr>
+        <a:noFill/>
+        <a:ln>
+          <a:noFill/>
+        </a:ln>
+        <a:effectLst/>
+      </c:spPr>
+    </c:plotArea>
+    <c:plotVisOnly val="1"/>
+    <c:dispBlanksAs val="span"/>
+  </c:chart>
+  <c:spPr>
+    <a:noFill/>
+    <a:ln w="12700" cap="flat">
+      <a:noFill/>
+      <a:miter lim="400000"/>
+    </a:ln>
+    <a:effectLst/>
+  </c:spPr>
+  <c:externalData r:id="rId1">
+    <c:autoUpdate val="0"/>
+  </c:externalData>
+</c:chartSpace>
 </file>
 
 <file path=ppt/notesMasters/notesMaster1.xml><?xml version="1.0" encoding="utf-8"?>
@@ -615,6 +1047,446 @@
             <a:fld id="{F7021451-1387-4CA6-816F-3879F97B5CBC}" type="slidenum">
               <a:rPr lang="en-US"/>
               <a:t>2</a:t>
+            </a:fld>
+            <a:endParaRPr lang="en-US"/>
+          </a:p>
+        </p:txBody>
+      </p:sp>
+    </p:spTree>
+    <p:extLst>
+      <p:ext uri="{BB962C8B-B14F-4D97-AF65-F5344CB8AC3E}">
+        <p14:creationId xmlns:p14="http://schemas.microsoft.com/office/powerpoint/2010/main" val="1024086991"/>
+      </p:ext>
+    </p:extLst>
+  </p:cSld>
+  <p:clrMapOvr>
+    <a:masterClrMapping/>
+  </p:clrMapOvr>
+</p:notes>
+</file>
+
+<file path=ppt/notesSlides/notesSlide3.xml><?xml version="1.0" encoding="utf-8"?>
+<p:notes xmlns:a="http://schemas.openxmlformats.org/drawingml/2006/main" xmlns:r="http://schemas.openxmlformats.org/officeDocument/2006/relationships" xmlns:p="http://schemas.openxmlformats.org/presentationml/2006/main">
+  <p:cSld>
+    <p:spTree>
+      <p:nvGrpSpPr>
+        <p:cNvPr id="1" name=""/>
+        <p:cNvGrpSpPr/>
+        <p:nvPr/>
+      </p:nvGrpSpPr>
+      <p:grpSpPr>
+        <a:xfrm>
+          <a:off x="0" y="0"/>
+          <a:ext cx="0" cy="0"/>
+          <a:chOff x="0" y="0"/>
+          <a:chExt cx="0" cy="0"/>
+        </a:xfrm>
+      </p:grpSpPr>
+      <p:sp>
+        <p:nvSpPr>
+          <p:cNvPr id="2" name="Slide Image Placeholder 1"/>
+          <p:cNvSpPr>
+            <a:spLocks noGrp="1" noRot="1" noChangeAspect="1"/>
+          </p:cNvSpPr>
+          <p:nvPr>
+            <p:ph type="sldImg"/>
+          </p:nvPr>
+        </p:nvSpPr>
+        <p:spPr/>
+      </p:sp>
+      <p:sp>
+        <p:nvSpPr>
+          <p:cNvPr id="3" name="Notes Placeholder 2"/>
+          <p:cNvSpPr>
+            <a:spLocks noGrp="1"/>
+          </p:cNvSpPr>
+          <p:nvPr>
+            <p:ph type="body" idx="1"/>
+          </p:nvPr>
+        </p:nvSpPr>
+        <p:spPr/>
+        <p:txBody>
+          <a:bodyPr/>
+          <a:lstStyle/>
+          <a:p>
+            <a:r>
+              <a:rPr lang="en-US" dirty="0"/>
+              <a:t/>
+            </a:r>
+            <a:endParaRPr lang="en-US" dirty="0"/>
+          </a:p>
+        </p:txBody>
+      </p:sp>
+      <p:sp>
+        <p:nvSpPr>
+          <p:cNvPr id="4" name="Slide Number Placeholder 3"/>
+          <p:cNvSpPr>
+            <a:spLocks noGrp="1"/>
+          </p:cNvSpPr>
+          <p:nvPr>
+            <p:ph type="sldNum" sz="quarter" idx="10"/>
+          </p:nvPr>
+        </p:nvSpPr>
+        <p:spPr/>
+        <p:txBody>
+          <a:bodyPr/>
+          <a:lstStyle/>
+          <a:p>
+            <a:fld id="{F7021451-1387-4CA6-816F-3879F97B5CBC}" type="slidenum">
+              <a:rPr lang="en-US"/>
+              <a:t>3</a:t>
+            </a:fld>
+            <a:endParaRPr lang="en-US"/>
+          </a:p>
+        </p:txBody>
+      </p:sp>
+    </p:spTree>
+    <p:extLst>
+      <p:ext uri="{BB962C8B-B14F-4D97-AF65-F5344CB8AC3E}">
+        <p14:creationId xmlns:p14="http://schemas.microsoft.com/office/powerpoint/2010/main" val="1024086991"/>
+      </p:ext>
+    </p:extLst>
+  </p:cSld>
+  <p:clrMapOvr>
+    <a:masterClrMapping/>
+  </p:clrMapOvr>
+</p:notes>
+</file>
+
+<file path=ppt/notesSlides/notesSlide4.xml><?xml version="1.0" encoding="utf-8"?>
+<p:notes xmlns:a="http://schemas.openxmlformats.org/drawingml/2006/main" xmlns:r="http://schemas.openxmlformats.org/officeDocument/2006/relationships" xmlns:p="http://schemas.openxmlformats.org/presentationml/2006/main">
+  <p:cSld>
+    <p:spTree>
+      <p:nvGrpSpPr>
+        <p:cNvPr id="1" name=""/>
+        <p:cNvGrpSpPr/>
+        <p:nvPr/>
+      </p:nvGrpSpPr>
+      <p:grpSpPr>
+        <a:xfrm>
+          <a:off x="0" y="0"/>
+          <a:ext cx="0" cy="0"/>
+          <a:chOff x="0" y="0"/>
+          <a:chExt cx="0" cy="0"/>
+        </a:xfrm>
+      </p:grpSpPr>
+      <p:sp>
+        <p:nvSpPr>
+          <p:cNvPr id="2" name="Slide Image Placeholder 1"/>
+          <p:cNvSpPr>
+            <a:spLocks noGrp="1" noRot="1" noChangeAspect="1"/>
+          </p:cNvSpPr>
+          <p:nvPr>
+            <p:ph type="sldImg"/>
+          </p:nvPr>
+        </p:nvSpPr>
+        <p:spPr/>
+      </p:sp>
+      <p:sp>
+        <p:nvSpPr>
+          <p:cNvPr id="3" name="Notes Placeholder 2"/>
+          <p:cNvSpPr>
+            <a:spLocks noGrp="1"/>
+          </p:cNvSpPr>
+          <p:nvPr>
+            <p:ph type="body" idx="1"/>
+          </p:nvPr>
+        </p:nvSpPr>
+        <p:spPr/>
+        <p:txBody>
+          <a:bodyPr/>
+          <a:lstStyle/>
+          <a:p>
+            <a:r>
+              <a:rPr lang="en-US" dirty="0"/>
+              <a:t/>
+            </a:r>
+            <a:endParaRPr lang="en-US" dirty="0"/>
+          </a:p>
+        </p:txBody>
+      </p:sp>
+      <p:sp>
+        <p:nvSpPr>
+          <p:cNvPr id="4" name="Slide Number Placeholder 3"/>
+          <p:cNvSpPr>
+            <a:spLocks noGrp="1"/>
+          </p:cNvSpPr>
+          <p:nvPr>
+            <p:ph type="sldNum" sz="quarter" idx="10"/>
+          </p:nvPr>
+        </p:nvSpPr>
+        <p:spPr/>
+        <p:txBody>
+          <a:bodyPr/>
+          <a:lstStyle/>
+          <a:p>
+            <a:fld id="{F7021451-1387-4CA6-816F-3879F97B5CBC}" type="slidenum">
+              <a:rPr lang="en-US"/>
+              <a:t>4</a:t>
+            </a:fld>
+            <a:endParaRPr lang="en-US"/>
+          </a:p>
+        </p:txBody>
+      </p:sp>
+    </p:spTree>
+    <p:extLst>
+      <p:ext uri="{BB962C8B-B14F-4D97-AF65-F5344CB8AC3E}">
+        <p14:creationId xmlns:p14="http://schemas.microsoft.com/office/powerpoint/2010/main" val="1024086991"/>
+      </p:ext>
+    </p:extLst>
+  </p:cSld>
+  <p:clrMapOvr>
+    <a:masterClrMapping/>
+  </p:clrMapOvr>
+</p:notes>
+</file>
+
+<file path=ppt/notesSlides/notesSlide5.xml><?xml version="1.0" encoding="utf-8"?>
+<p:notes xmlns:a="http://schemas.openxmlformats.org/drawingml/2006/main" xmlns:r="http://schemas.openxmlformats.org/officeDocument/2006/relationships" xmlns:p="http://schemas.openxmlformats.org/presentationml/2006/main">
+  <p:cSld>
+    <p:spTree>
+      <p:nvGrpSpPr>
+        <p:cNvPr id="1" name=""/>
+        <p:cNvGrpSpPr/>
+        <p:nvPr/>
+      </p:nvGrpSpPr>
+      <p:grpSpPr>
+        <a:xfrm>
+          <a:off x="0" y="0"/>
+          <a:ext cx="0" cy="0"/>
+          <a:chOff x="0" y="0"/>
+          <a:chExt cx="0" cy="0"/>
+        </a:xfrm>
+      </p:grpSpPr>
+      <p:sp>
+        <p:nvSpPr>
+          <p:cNvPr id="2" name="Slide Image Placeholder 1"/>
+          <p:cNvSpPr>
+            <a:spLocks noGrp="1" noRot="1" noChangeAspect="1"/>
+          </p:cNvSpPr>
+          <p:nvPr>
+            <p:ph type="sldImg"/>
+          </p:nvPr>
+        </p:nvSpPr>
+        <p:spPr/>
+      </p:sp>
+      <p:sp>
+        <p:nvSpPr>
+          <p:cNvPr id="3" name="Notes Placeholder 2"/>
+          <p:cNvSpPr>
+            <a:spLocks noGrp="1"/>
+          </p:cNvSpPr>
+          <p:nvPr>
+            <p:ph type="body" idx="1"/>
+          </p:nvPr>
+        </p:nvSpPr>
+        <p:spPr/>
+        <p:txBody>
+          <a:bodyPr/>
+          <a:lstStyle/>
+          <a:p>
+            <a:r>
+              <a:rPr lang="en-US" dirty="0"/>
+              <a:t/>
+            </a:r>
+            <a:endParaRPr lang="en-US" dirty="0"/>
+          </a:p>
+        </p:txBody>
+      </p:sp>
+      <p:sp>
+        <p:nvSpPr>
+          <p:cNvPr id="4" name="Slide Number Placeholder 3"/>
+          <p:cNvSpPr>
+            <a:spLocks noGrp="1"/>
+          </p:cNvSpPr>
+          <p:nvPr>
+            <p:ph type="sldNum" sz="quarter" idx="10"/>
+          </p:nvPr>
+        </p:nvSpPr>
+        <p:spPr/>
+        <p:txBody>
+          <a:bodyPr/>
+          <a:lstStyle/>
+          <a:p>
+            <a:fld id="{F7021451-1387-4CA6-816F-3879F97B5CBC}" type="slidenum">
+              <a:rPr lang="en-US"/>
+              <a:t>5</a:t>
+            </a:fld>
+            <a:endParaRPr lang="en-US"/>
+          </a:p>
+        </p:txBody>
+      </p:sp>
+    </p:spTree>
+    <p:extLst>
+      <p:ext uri="{BB962C8B-B14F-4D97-AF65-F5344CB8AC3E}">
+        <p14:creationId xmlns:p14="http://schemas.microsoft.com/office/powerpoint/2010/main" val="1024086991"/>
+      </p:ext>
+    </p:extLst>
+  </p:cSld>
+  <p:clrMapOvr>
+    <a:masterClrMapping/>
+  </p:clrMapOvr>
+</p:notes>
+</file>
+
+<file path=ppt/notesSlides/notesSlide6.xml><?xml version="1.0" encoding="utf-8"?>
+<p:notes xmlns:a="http://schemas.openxmlformats.org/drawingml/2006/main" xmlns:r="http://schemas.openxmlformats.org/officeDocument/2006/relationships" xmlns:p="http://schemas.openxmlformats.org/presentationml/2006/main">
+  <p:cSld>
+    <p:spTree>
+      <p:nvGrpSpPr>
+        <p:cNvPr id="1" name=""/>
+        <p:cNvGrpSpPr/>
+        <p:nvPr/>
+      </p:nvGrpSpPr>
+      <p:grpSpPr>
+        <a:xfrm>
+          <a:off x="0" y="0"/>
+          <a:ext cx="0" cy="0"/>
+          <a:chOff x="0" y="0"/>
+          <a:chExt cx="0" cy="0"/>
+        </a:xfrm>
+      </p:grpSpPr>
+      <p:sp>
+        <p:nvSpPr>
+          <p:cNvPr id="2" name="Slide Image Placeholder 1"/>
+          <p:cNvSpPr>
+            <a:spLocks noGrp="1" noRot="1" noChangeAspect="1"/>
+          </p:cNvSpPr>
+          <p:nvPr>
+            <p:ph type="sldImg"/>
+          </p:nvPr>
+        </p:nvSpPr>
+        <p:spPr/>
+      </p:sp>
+      <p:sp>
+        <p:nvSpPr>
+          <p:cNvPr id="3" name="Notes Placeholder 2"/>
+          <p:cNvSpPr>
+            <a:spLocks noGrp="1"/>
+          </p:cNvSpPr>
+          <p:nvPr>
+            <p:ph type="body" idx="1"/>
+          </p:nvPr>
+        </p:nvSpPr>
+        <p:spPr/>
+        <p:txBody>
+          <a:bodyPr/>
+          <a:lstStyle/>
+          <a:p>
+            <a:r>
+              <a:rPr lang="en-US" dirty="0"/>
+              <a:t/>
+            </a:r>
+            <a:endParaRPr lang="en-US" dirty="0"/>
+          </a:p>
+        </p:txBody>
+      </p:sp>
+      <p:sp>
+        <p:nvSpPr>
+          <p:cNvPr id="4" name="Slide Number Placeholder 3"/>
+          <p:cNvSpPr>
+            <a:spLocks noGrp="1"/>
+          </p:cNvSpPr>
+          <p:nvPr>
+            <p:ph type="sldNum" sz="quarter" idx="10"/>
+          </p:nvPr>
+        </p:nvSpPr>
+        <p:spPr/>
+        <p:txBody>
+          <a:bodyPr/>
+          <a:lstStyle/>
+          <a:p>
+            <a:fld id="{F7021451-1387-4CA6-816F-3879F97B5CBC}" type="slidenum">
+              <a:rPr lang="en-US"/>
+              <a:t>6</a:t>
+            </a:fld>
+            <a:endParaRPr lang="en-US"/>
+          </a:p>
+        </p:txBody>
+      </p:sp>
+    </p:spTree>
+    <p:extLst>
+      <p:ext uri="{BB962C8B-B14F-4D97-AF65-F5344CB8AC3E}">
+        <p14:creationId xmlns:p14="http://schemas.microsoft.com/office/powerpoint/2010/main" val="1024086991"/>
+      </p:ext>
+    </p:extLst>
+  </p:cSld>
+  <p:clrMapOvr>
+    <a:masterClrMapping/>
+  </p:clrMapOvr>
+</p:notes>
+</file>
+
+<file path=ppt/notesSlides/notesSlide7.xml><?xml version="1.0" encoding="utf-8"?>
+<p:notes xmlns:a="http://schemas.openxmlformats.org/drawingml/2006/main" xmlns:r="http://schemas.openxmlformats.org/officeDocument/2006/relationships" xmlns:p="http://schemas.openxmlformats.org/presentationml/2006/main">
+  <p:cSld>
+    <p:spTree>
+      <p:nvGrpSpPr>
+        <p:cNvPr id="1" name=""/>
+        <p:cNvGrpSpPr/>
+        <p:nvPr/>
+      </p:nvGrpSpPr>
+      <p:grpSpPr>
+        <a:xfrm>
+          <a:off x="0" y="0"/>
+          <a:ext cx="0" cy="0"/>
+          <a:chOff x="0" y="0"/>
+          <a:chExt cx="0" cy="0"/>
+        </a:xfrm>
+      </p:grpSpPr>
+      <p:sp>
+        <p:nvSpPr>
+          <p:cNvPr id="2" name="Slide Image Placeholder 1"/>
+          <p:cNvSpPr>
+            <a:spLocks noGrp="1" noRot="1" noChangeAspect="1"/>
+          </p:cNvSpPr>
+          <p:nvPr>
+            <p:ph type="sldImg"/>
+          </p:nvPr>
+        </p:nvSpPr>
+        <p:spPr/>
+      </p:sp>
+      <p:sp>
+        <p:nvSpPr>
+          <p:cNvPr id="3" name="Notes Placeholder 2"/>
+          <p:cNvSpPr>
+            <a:spLocks noGrp="1"/>
+          </p:cNvSpPr>
+          <p:nvPr>
+            <p:ph type="body" idx="1"/>
+          </p:nvPr>
+        </p:nvSpPr>
+        <p:spPr/>
+        <p:txBody>
+          <a:bodyPr/>
+          <a:lstStyle/>
+          <a:p>
+            <a:r>
+              <a:rPr lang="en-US" dirty="0"/>
+              <a:t/>
+            </a:r>
+            <a:endParaRPr lang="en-US" dirty="0"/>
+          </a:p>
+        </p:txBody>
+      </p:sp>
+      <p:sp>
+        <p:nvSpPr>
+          <p:cNvPr id="4" name="Slide Number Placeholder 3"/>
+          <p:cNvSpPr>
+            <a:spLocks noGrp="1"/>
+          </p:cNvSpPr>
+          <p:nvPr>
+            <p:ph type="sldNum" sz="quarter" idx="10"/>
+          </p:nvPr>
+        </p:nvSpPr>
+        <p:spPr/>
+        <p:txBody>
+          <a:bodyPr/>
+          <a:lstStyle/>
+          <a:p>
+            <a:fld id="{F7021451-1387-4CA6-816F-3879F97B5CBC}" type="slidenum">
+              <a:rPr lang="en-US"/>
+              <a:t>7</a:t>
             </a:fld>
             <a:endParaRPr lang="en-US"/>
           </a:p>
@@ -1245,11 +2117,107 @@
                       <a:r>
                         <a:rPr lang="en-US" sz="1200" dirty="0">
                           <a:solidFill>
-                            <a:srgbClr val="000000"/>
-                          </a:solidFill>
-                        </a:rPr>
-                        <a:t>Cell 1</a:t>
-                      </a:r>
+                            <a:srgbClr val="FFFFFF"/>
+                          </a:solidFill>
+                        </a:rPr>
+                        <a:t>TH1</a:t>
+                      </a:r>
+                      <a:endParaRPr lang="en-US" sz="1200" dirty="0"/>
+                    </a:p>
+                  </a:txBody>
+                  <a:tcPr marL="91440" marR="91440" marT="45720" marB="45720" anchor="ctr">
+                    <a:lnL w="0" cap="flat" cmpd="sng" algn="ctr">
+                      <a:noFill/>
+                    </a:lnL>
+                    <a:lnR w="0" cap="flat" cmpd="sng" algn="ctr">
+                      <a:noFill/>
+                    </a:lnR>
+                    <a:lnT w="0" cap="flat" cmpd="sng" algn="ctr">
+                      <a:noFill/>
+                    </a:lnT>
+                    <a:lnB w="0" cap="flat" cmpd="sng" algn="ctr">
+                      <a:noFill/>
+                    </a:lnB>
+                    <a:solidFill>
+                      <a:srgbClr val="0088CC"/>
+                    </a:solidFill>
+                  </a:tcPr>
+                </a:tc>
+                <a:tc>
+                  <a:txBody>
+                    <a:bodyPr/>
+                    <a:lstStyle/>
+                    <a:p>
+                      <a:r>
+                        <a:rPr lang="en-US" sz="1200" dirty="0">
+                          <a:solidFill>
+                            <a:srgbClr val="FFFFFF"/>
+                          </a:solidFill>
+                        </a:rPr>
+                        <a:t>TH2</a:t>
+                      </a:r>
+                      <a:endParaRPr lang="en-US" sz="1200" dirty="0"/>
+                    </a:p>
+                  </a:txBody>
+                  <a:tcPr marL="91440" marR="91440" marT="45720" marB="45720" anchor="ctr">
+                    <a:lnL w="0" cap="flat" cmpd="sng" algn="ctr">
+                      <a:noFill/>
+                    </a:lnL>
+                    <a:lnR w="0" cap="flat" cmpd="sng" algn="ctr">
+                      <a:noFill/>
+                    </a:lnR>
+                    <a:lnT w="0" cap="flat" cmpd="sng" algn="ctr">
+                      <a:noFill/>
+                    </a:lnT>
+                    <a:lnB w="0" cap="flat" cmpd="sng" algn="ctr">
+                      <a:noFill/>
+                    </a:lnB>
+                    <a:solidFill>
+                      <a:srgbClr val="0088CC"/>
+                    </a:solidFill>
+                  </a:tcPr>
+                </a:tc>
+                <a:tc>
+                  <a:txBody>
+                    <a:bodyPr/>
+                    <a:lstStyle/>
+                    <a:p>
+                      <a:r>
+                        <a:rPr lang="en-US" sz="1200" dirty="0">
+                          <a:solidFill>
+                            <a:srgbClr val="FFFFFF"/>
+                          </a:solidFill>
+                        </a:rPr>
+                        <a:t>TH3</a:t>
+                      </a:r>
+                      <a:endParaRPr lang="en-US" sz="1200" dirty="0"/>
+                    </a:p>
+                  </a:txBody>
+                  <a:tcPr marL="91440" marR="91440" marT="45720" marB="45720" anchor="ctr">
+                    <a:lnL w="0" cap="flat" cmpd="sng" algn="ctr">
+                      <a:noFill/>
+                    </a:lnL>
+                    <a:lnR w="0" cap="flat" cmpd="sng" algn="ctr">
+                      <a:noFill/>
+                    </a:lnR>
+                    <a:lnT w="0" cap="flat" cmpd="sng" algn="ctr">
+                      <a:noFill/>
+                    </a:lnT>
+                    <a:lnB w="0" cap="flat" cmpd="sng" algn="ctr">
+                      <a:noFill/>
+                    </a:lnB>
+                    <a:solidFill>
+                      <a:srgbClr val="0088CC"/>
+                    </a:solidFill>
+                  </a:tcPr>
+                </a:tc>
+              </a:tr>
+              <a:tr h="0">
+                <a:tc>
+                  <a:txBody>
+                    <a:bodyPr/>
+                    <a:lstStyle/>
+                    <a:p>
                       <a:endParaRPr lang="en-US" sz="1200" dirty="0"/>
                     </a:p>
                   </a:txBody>
@@ -1273,14 +2241,6 @@
                     <a:bodyPr/>
                     <a:lstStyle/>
                     <a:p>
-                      <a:r>
-                        <a:rPr lang="en-US" sz="1200" dirty="0">
-                          <a:solidFill>
-                            <a:srgbClr val="000000"/>
-                          </a:solidFill>
-                        </a:rPr>
-                        <a:t>Cell 2</a:t>
-                      </a:r>
                       <a:endParaRPr lang="en-US" sz="1200" dirty="0"/>
                     </a:p>
                   </a:txBody>
@@ -1305,12 +2265,651 @@
                     <a:lstStyle/>
                     <a:p>
                       <a:r>
-                        <a:rPr lang="en-US" sz="1200" dirty="0">
-                          <a:solidFill>
-                            <a:srgbClr val="000000"/>
-                          </a:solidFill>
-                        </a:rPr>
-                        <a:t>Cell 3</a:t>
+                        <a:rPr lang="en-US" sz="1200" b="1" dirty="0">
+                          <a:solidFill>
+                            <a:srgbClr val="000000"/>
+                          </a:solidFill>
+                        </a:rPr>
+                        <a:t>Complex-Title</a:t>
+                      </a:r>
+                      <a:endParaRPr lang="en-US" sz="1200" dirty="0"/>
+                    </a:p>
+                    <a:p>
+                      <a:r>
+                        <a:rPr lang="en-US" sz="1200" b="1" dirty="0">
+                          <a:solidFill>
+                            <a:srgbClr val="000000"/>
+                          </a:solidFill>
+                        </a:rPr>
+                        <a:t>This </a:t>
+                      </a:r>
+                      <a:r>
+                        <a:rPr lang="en-US" sz="1200" b="1" dirty="0">
+                          <a:solidFill>
+                            <a:srgbClr val="000000"/>
+                          </a:solidFill>
+                        </a:rPr>
+                        <a:t>is </a:t>
+                      </a:r>
+                      <a:r>
+                        <a:rPr lang="en-US" sz="1200" b="1" dirty="0">
+                          <a:solidFill>
+                            <a:srgbClr val="000000"/>
+                          </a:solidFill>
+                        </a:rPr>
+                        <a:t>ROW#:1 </a:t>
+                      </a:r>
+                      <a:r>
+                        <a:rPr lang="en-US" sz="1200" b="1" dirty="0">
+                          <a:solidFill>
+                            <a:srgbClr val="000000"/>
+                          </a:solidFill>
+                        </a:rPr>
+                        <a:t>LNE#:1</a:t>
+                      </a:r>
+                      <a:endParaRPr lang="en-US" sz="1200" dirty="0"/>
+                    </a:p>
+                    <a:p>
+                      <a:r>
+                        <a:rPr lang="en-US" sz="1200" b="1" dirty="0">
+                          <a:solidFill>
+                            <a:srgbClr val="000000"/>
+                          </a:solidFill>
+                        </a:rPr>
+                        <a:t>This </a:t>
+                      </a:r>
+                      <a:r>
+                        <a:rPr lang="en-US" sz="1200" b="1" dirty="0">
+                          <a:solidFill>
+                            <a:srgbClr val="000000"/>
+                          </a:solidFill>
+                        </a:rPr>
+                        <a:t>is </a:t>
+                      </a:r>
+                      <a:r>
+                        <a:rPr lang="en-US" sz="1200" b="1" dirty="0">
+                          <a:solidFill>
+                            <a:srgbClr val="000000"/>
+                          </a:solidFill>
+                        </a:rPr>
+                        <a:t>ROW#:1 </a:t>
+                      </a:r>
+                      <a:r>
+                        <a:rPr lang="en-US" sz="1200" b="1" dirty="0">
+                          <a:solidFill>
+                            <a:srgbClr val="000000"/>
+                          </a:solidFill>
+                        </a:rPr>
+                        <a:t>LNE#:2</a:t>
+                      </a:r>
+                      <a:endParaRPr lang="en-US" sz="1200" dirty="0"/>
+                    </a:p>
+                    <a:p>
+                      <a:r>
+                        <a:rPr lang="en-US" sz="1200" b="1" dirty="0">
+                          <a:solidFill>
+                            <a:srgbClr val="000000"/>
+                          </a:solidFill>
+                        </a:rPr>
+                        <a:t>This </a:t>
+                      </a:r>
+                      <a:r>
+                        <a:rPr lang="en-US" sz="1200" b="1" dirty="0">
+                          <a:solidFill>
+                            <a:srgbClr val="000000"/>
+                          </a:solidFill>
+                        </a:rPr>
+                        <a:t>is </a:t>
+                      </a:r>
+                      <a:r>
+                        <a:rPr lang="en-US" sz="1200" b="1" dirty="0">
+                          <a:solidFill>
+                            <a:srgbClr val="000000"/>
+                          </a:solidFill>
+                        </a:rPr>
+                        <a:t>ROW#:1 </a:t>
+                      </a:r>
+                      <a:r>
+                        <a:rPr lang="en-US" sz="1200" b="1" dirty="0">
+                          <a:solidFill>
+                            <a:srgbClr val="000000"/>
+                          </a:solidFill>
+                        </a:rPr>
+                        <a:t>LNE#:3</a:t>
+                      </a:r>
+                      <a:endParaRPr lang="en-US" sz="1200" dirty="0"/>
+                    </a:p>
+                    <a:p>
+                      <a:r>
+                        <a:rPr lang="en-US" sz="1200" b="1" dirty="0">
+                          <a:solidFill>
+                            <a:srgbClr val="000000"/>
+                          </a:solidFill>
+                        </a:rPr>
+                        <a:t>This </a:t>
+                      </a:r>
+                      <a:r>
+                        <a:rPr lang="en-US" sz="1200" b="1" dirty="0">
+                          <a:solidFill>
+                            <a:srgbClr val="000000"/>
+                          </a:solidFill>
+                        </a:rPr>
+                        <a:t>is </a:t>
+                      </a:r>
+                      <a:r>
+                        <a:rPr lang="en-US" sz="1200" b="1" dirty="0">
+                          <a:solidFill>
+                            <a:srgbClr val="000000"/>
+                          </a:solidFill>
+                        </a:rPr>
+                        <a:t>ROW#:1 </a:t>
+                      </a:r>
+                      <a:r>
+                        <a:rPr lang="en-US" sz="1200" b="1" dirty="0">
+                          <a:solidFill>
+                            <a:srgbClr val="000000"/>
+                          </a:solidFill>
+                        </a:rPr>
+                        <a:t>LNE#:4</a:t>
+                      </a:r>
+                      <a:endParaRPr lang="en-US" sz="1200" dirty="0"/>
+                    </a:p>
+                    <a:p>
+                      <a:r>
+                        <a:rPr lang="en-US" sz="1200" b="1" dirty="0">
+                          <a:solidFill>
+                            <a:srgbClr val="000000"/>
+                          </a:solidFill>
+                        </a:rPr>
+                        <a:t>This </a:t>
+                      </a:r>
+                      <a:r>
+                        <a:rPr lang="en-US" sz="1200" b="1" dirty="0">
+                          <a:solidFill>
+                            <a:srgbClr val="000000"/>
+                          </a:solidFill>
+                        </a:rPr>
+                        <a:t>is </a:t>
+                      </a:r>
+                      <a:r>
+                        <a:rPr lang="en-US" sz="1200" b="1" dirty="0">
+                          <a:solidFill>
+                            <a:srgbClr val="000000"/>
+                          </a:solidFill>
+                        </a:rPr>
+                        <a:t>ROW#:1 </a:t>
+                      </a:r>
+                      <a:r>
+                        <a:rPr lang="en-US" sz="1200" b="1" dirty="0">
+                          <a:solidFill>
+                            <a:srgbClr val="000000"/>
+                          </a:solidFill>
+                        </a:rPr>
+                        <a:t>LNE#:5</a:t>
+                      </a:r>
+                      <a:endParaRPr lang="en-US" sz="1200" dirty="0"/>
+                    </a:p>
+                    <a:p>
+                      <a:r>
+                        <a:rPr lang="en-US" sz="1200" b="1" dirty="0">
+                          <a:solidFill>
+                            <a:srgbClr val="000000"/>
+                          </a:solidFill>
+                        </a:rPr>
+                        <a:t>This </a:t>
+                      </a:r>
+                      <a:r>
+                        <a:rPr lang="en-US" sz="1200" b="1" dirty="0">
+                          <a:solidFill>
+                            <a:srgbClr val="000000"/>
+                          </a:solidFill>
+                        </a:rPr>
+                        <a:t>is </a:t>
+                      </a:r>
+                      <a:r>
+                        <a:rPr lang="en-US" sz="1200" b="1" dirty="0">
+                          <a:solidFill>
+                            <a:srgbClr val="000000"/>
+                          </a:solidFill>
+                        </a:rPr>
+                        <a:t>ROW#:1 </a:t>
+                      </a:r>
+                      <a:r>
+                        <a:rPr lang="en-US" sz="1200" b="1" dirty="0">
+                          <a:solidFill>
+                            <a:srgbClr val="000000"/>
+                          </a:solidFill>
+                        </a:rPr>
+                        <a:t>LNE#:6</a:t>
+                      </a:r>
+                      <a:endParaRPr lang="en-US" sz="1200" dirty="0"/>
+                    </a:p>
+                    <a:p>
+                      <a:r>
+                        <a:rPr lang="en-US" sz="1200" b="1" dirty="0">
+                          <a:solidFill>
+                            <a:srgbClr val="000000"/>
+                          </a:solidFill>
+                        </a:rPr>
+                        <a:t>This </a:t>
+                      </a:r>
+                      <a:r>
+                        <a:rPr lang="en-US" sz="1200" b="1" dirty="0">
+                          <a:solidFill>
+                            <a:srgbClr val="000000"/>
+                          </a:solidFill>
+                        </a:rPr>
+                        <a:t>is </a:t>
+                      </a:r>
+                      <a:r>
+                        <a:rPr lang="en-US" sz="1200" b="1" dirty="0">
+                          <a:solidFill>
+                            <a:srgbClr val="000000"/>
+                          </a:solidFill>
+                        </a:rPr>
+                        <a:t>ROW#:1 </a:t>
+                      </a:r>
+                      <a:r>
+                        <a:rPr lang="en-US" sz="1200" b="1" dirty="0">
+                          <a:solidFill>
+                            <a:srgbClr val="000000"/>
+                          </a:solidFill>
+                        </a:rPr>
+                        <a:t>LNE#:7</a:t>
+                      </a:r>
+                      <a:endParaRPr lang="en-US" sz="1200" dirty="0"/>
+                    </a:p>
+                    <a:p>
+                      <a:r>
+                        <a:rPr lang="en-US" sz="1200" b="1" dirty="0">
+                          <a:solidFill>
+                            <a:srgbClr val="000000"/>
+                          </a:solidFill>
+                        </a:rPr>
+                        <a:t>This </a:t>
+                      </a:r>
+                      <a:r>
+                        <a:rPr lang="en-US" sz="1200" b="1" dirty="0">
+                          <a:solidFill>
+                            <a:srgbClr val="000000"/>
+                          </a:solidFill>
+                        </a:rPr>
+                        <a:t>is </a:t>
+                      </a:r>
+                      <a:r>
+                        <a:rPr lang="en-US" sz="1200" b="1" dirty="0">
+                          <a:solidFill>
+                            <a:srgbClr val="000000"/>
+                          </a:solidFill>
+                        </a:rPr>
+                        <a:t>ROW#:1 </a:t>
+                      </a:r>
+                      <a:r>
+                        <a:rPr lang="en-US" sz="1200" b="1" dirty="0">
+                          <a:solidFill>
+                            <a:srgbClr val="000000"/>
+                          </a:solidFill>
+                        </a:rPr>
+                        <a:t>LNE#:8</a:t>
+                      </a:r>
+                      <a:endParaRPr lang="en-US" sz="1200" dirty="0"/>
+                    </a:p>
+                    <a:p>
+                      <a:r>
+                        <a:rPr lang="en-US" sz="1200" b="1" dirty="0">
+                          <a:solidFill>
+                            <a:srgbClr val="000000"/>
+                          </a:solidFill>
+                        </a:rPr>
+                        <a:t>This </a:t>
+                      </a:r>
+                      <a:r>
+                        <a:rPr lang="en-US" sz="1200" b="1" dirty="0">
+                          <a:solidFill>
+                            <a:srgbClr val="000000"/>
+                          </a:solidFill>
+                        </a:rPr>
+                        <a:t>is </a:t>
+                      </a:r>
+                      <a:r>
+                        <a:rPr lang="en-US" sz="1200" b="1" dirty="0">
+                          <a:solidFill>
+                            <a:srgbClr val="000000"/>
+                          </a:solidFill>
+                        </a:rPr>
+                        <a:t>ROW#:1 </a:t>
+                      </a:r>
+                      <a:r>
+                        <a:rPr lang="en-US" sz="1200" b="1" dirty="0">
+                          <a:solidFill>
+                            <a:srgbClr val="000000"/>
+                          </a:solidFill>
+                        </a:rPr>
+                        <a:t>LNE#:9</a:t>
+                      </a:r>
+                      <a:endParaRPr lang="en-US" sz="1200" dirty="0"/>
+                    </a:p>
+                  </a:txBody>
+                  <a:tcPr marL="91440" marR="91440" marT="45720" marB="45720">
+                    <a:lnL w="0" cap="flat" cmpd="sng" algn="ctr">
+                      <a:noFill/>
+                    </a:lnL>
+                    <a:lnR w="0" cap="flat" cmpd="sng" algn="ctr">
+                      <a:noFill/>
+                    </a:lnR>
+                    <a:lnT w="0" cap="flat" cmpd="sng" algn="ctr">
+                      <a:noFill/>
+                    </a:lnT>
+                    <a:lnB w="0" cap="flat" cmpd="sng" algn="ctr">
+                      <a:noFill/>
+                    </a:lnB>
+                  </a:tcPr>
+                </a:tc>
+              </a:tr>
+              <a:tr h="0">
+                <a:tc>
+                  <a:txBody>
+                    <a:bodyPr/>
+                    <a:lstStyle/>
+                    <a:p>
+                      <a:endParaRPr lang="en-US" sz="1200" dirty="0"/>
+                    </a:p>
+                  </a:txBody>
+                  <a:tcPr marL="91440" marR="91440" marT="45720" marB="45720">
+                    <a:lnL w="0" cap="flat" cmpd="sng" algn="ctr">
+                      <a:noFill/>
+                    </a:lnL>
+                    <a:lnR w="0" cap="flat" cmpd="sng" algn="ctr">
+                      <a:noFill/>
+                    </a:lnR>
+                    <a:lnT w="0" cap="flat" cmpd="sng" algn="ctr">
+                      <a:noFill/>
+                    </a:lnT>
+                    <a:lnB w="0" cap="flat" cmpd="sng" algn="ctr">
+                      <a:noFill/>
+                    </a:lnB>
+                  </a:tcPr>
+                </a:tc>
+                <a:tc>
+                  <a:txBody>
+                    <a:bodyPr/>
+                    <a:lstStyle/>
+                    <a:p>
+                      <a:endParaRPr lang="en-US" sz="1200" dirty="0"/>
+                    </a:p>
+                  </a:txBody>
+                  <a:tcPr marL="91440" marR="91440" marT="45720" marB="45720">
+                    <a:lnL w="0" cap="flat" cmpd="sng" algn="ctr">
+                      <a:noFill/>
+                    </a:lnL>
+                    <a:lnR w="0" cap="flat" cmpd="sng" algn="ctr">
+                      <a:noFill/>
+                    </a:lnR>
+                    <a:lnT w="0" cap="flat" cmpd="sng" algn="ctr">
+                      <a:noFill/>
+                    </a:lnT>
+                    <a:lnB w="0" cap="flat" cmpd="sng" algn="ctr">
+                      <a:noFill/>
+                    </a:lnB>
+                  </a:tcPr>
+                </a:tc>
+                <a:tc>
+                  <a:txBody>
+                    <a:bodyPr/>
+                    <a:lstStyle/>
+                    <a:p>
+                      <a:r>
+                        <a:rPr lang="en-US" sz="1200" b="1" dirty="0">
+                          <a:solidFill>
+                            <a:srgbClr val="000000"/>
+                          </a:solidFill>
+                        </a:rPr>
+                        <a:t>Complex-Title</a:t>
+                      </a:r>
+                      <a:endParaRPr lang="en-US" sz="1200" dirty="0"/>
+                    </a:p>
+                    <a:p>
+                      <a:r>
+                        <a:rPr lang="en-US" sz="1200" b="1" dirty="0">
+                          <a:solidFill>
+                            <a:srgbClr val="000000"/>
+                          </a:solidFill>
+                        </a:rPr>
+                        <a:t>This </a:t>
+                      </a:r>
+                      <a:r>
+                        <a:rPr lang="en-US" sz="1200" b="1" dirty="0">
+                          <a:solidFill>
+                            <a:srgbClr val="000000"/>
+                          </a:solidFill>
+                        </a:rPr>
+                        <a:t>is </a:t>
+                      </a:r>
+                      <a:r>
+                        <a:rPr lang="en-US" sz="1200" b="1" dirty="0">
+                          <a:solidFill>
+                            <a:srgbClr val="000000"/>
+                          </a:solidFill>
+                        </a:rPr>
+                        <a:t>ROW#:2 </a:t>
+                      </a:r>
+                      <a:r>
+                        <a:rPr lang="en-US" sz="1200" b="1" dirty="0">
+                          <a:solidFill>
+                            <a:srgbClr val="000000"/>
+                          </a:solidFill>
+                        </a:rPr>
+                        <a:t>LNE#:1</a:t>
+                      </a:r>
+                      <a:endParaRPr lang="en-US" sz="1200" dirty="0"/>
+                    </a:p>
+                    <a:p>
+                      <a:r>
+                        <a:rPr lang="en-US" sz="1200" b="1" dirty="0">
+                          <a:solidFill>
+                            <a:srgbClr val="000000"/>
+                          </a:solidFill>
+                        </a:rPr>
+                        <a:t>This </a:t>
+                      </a:r>
+                      <a:r>
+                        <a:rPr lang="en-US" sz="1200" b="1" dirty="0">
+                          <a:solidFill>
+                            <a:srgbClr val="000000"/>
+                          </a:solidFill>
+                        </a:rPr>
+                        <a:t>is </a:t>
+                      </a:r>
+                      <a:r>
+                        <a:rPr lang="en-US" sz="1200" b="1" dirty="0">
+                          <a:solidFill>
+                            <a:srgbClr val="000000"/>
+                          </a:solidFill>
+                        </a:rPr>
+                        <a:t>ROW#:2 </a:t>
+                      </a:r>
+                      <a:r>
+                        <a:rPr lang="en-US" sz="1200" b="1" dirty="0">
+                          <a:solidFill>
+                            <a:srgbClr val="000000"/>
+                          </a:solidFill>
+                        </a:rPr>
+                        <a:t>LNE#:2</a:t>
+                      </a:r>
+                      <a:endParaRPr lang="en-US" sz="1200" dirty="0"/>
+                    </a:p>
+                    <a:p>
+                      <a:r>
+                        <a:rPr lang="en-US" sz="1200" b="1" dirty="0">
+                          <a:solidFill>
+                            <a:srgbClr val="000000"/>
+                          </a:solidFill>
+                        </a:rPr>
+                        <a:t>This </a:t>
+                      </a:r>
+                      <a:r>
+                        <a:rPr lang="en-US" sz="1200" b="1" dirty="0">
+                          <a:solidFill>
+                            <a:srgbClr val="000000"/>
+                          </a:solidFill>
+                        </a:rPr>
+                        <a:t>is </a:t>
+                      </a:r>
+                      <a:r>
+                        <a:rPr lang="en-US" sz="1200" b="1" dirty="0">
+                          <a:solidFill>
+                            <a:srgbClr val="000000"/>
+                          </a:solidFill>
+                        </a:rPr>
+                        <a:t>ROW#:2 </a:t>
+                      </a:r>
+                      <a:r>
+                        <a:rPr lang="en-US" sz="1200" b="1" dirty="0">
+                          <a:solidFill>
+                            <a:srgbClr val="000000"/>
+                          </a:solidFill>
+                        </a:rPr>
+                        <a:t>LNE#:3</a:t>
+                      </a:r>
+                      <a:endParaRPr lang="en-US" sz="1200" dirty="0"/>
+                    </a:p>
+                    <a:p>
+                      <a:r>
+                        <a:rPr lang="en-US" sz="1200" b="1" dirty="0">
+                          <a:solidFill>
+                            <a:srgbClr val="000000"/>
+                          </a:solidFill>
+                        </a:rPr>
+                        <a:t>This </a:t>
+                      </a:r>
+                      <a:r>
+                        <a:rPr lang="en-US" sz="1200" b="1" dirty="0">
+                          <a:solidFill>
+                            <a:srgbClr val="000000"/>
+                          </a:solidFill>
+                        </a:rPr>
+                        <a:t>is </a:t>
+                      </a:r>
+                      <a:r>
+                        <a:rPr lang="en-US" sz="1200" b="1" dirty="0">
+                          <a:solidFill>
+                            <a:srgbClr val="000000"/>
+                          </a:solidFill>
+                        </a:rPr>
+                        <a:t>ROW#:2 </a:t>
+                      </a:r>
+                      <a:r>
+                        <a:rPr lang="en-US" sz="1200" b="1" dirty="0">
+                          <a:solidFill>
+                            <a:srgbClr val="000000"/>
+                          </a:solidFill>
+                        </a:rPr>
+                        <a:t>LNE#:4</a:t>
+                      </a:r>
+                      <a:endParaRPr lang="en-US" sz="1200" dirty="0"/>
+                    </a:p>
+                    <a:p>
+                      <a:r>
+                        <a:rPr lang="en-US" sz="1200" b="1" dirty="0">
+                          <a:solidFill>
+                            <a:srgbClr val="000000"/>
+                          </a:solidFill>
+                        </a:rPr>
+                        <a:t>This </a:t>
+                      </a:r>
+                      <a:r>
+                        <a:rPr lang="en-US" sz="1200" b="1" dirty="0">
+                          <a:solidFill>
+                            <a:srgbClr val="000000"/>
+                          </a:solidFill>
+                        </a:rPr>
+                        <a:t>is </a:t>
+                      </a:r>
+                      <a:r>
+                        <a:rPr lang="en-US" sz="1200" b="1" dirty="0">
+                          <a:solidFill>
+                            <a:srgbClr val="000000"/>
+                          </a:solidFill>
+                        </a:rPr>
+                        <a:t>ROW#:2 </a:t>
+                      </a:r>
+                      <a:r>
+                        <a:rPr lang="en-US" sz="1200" b="1" dirty="0">
+                          <a:solidFill>
+                            <a:srgbClr val="000000"/>
+                          </a:solidFill>
+                        </a:rPr>
+                        <a:t>LNE#:5</a:t>
+                      </a:r>
+                      <a:endParaRPr lang="en-US" sz="1200" dirty="0"/>
+                    </a:p>
+                    <a:p>
+                      <a:r>
+                        <a:rPr lang="en-US" sz="1200" b="1" dirty="0">
+                          <a:solidFill>
+                            <a:srgbClr val="000000"/>
+                          </a:solidFill>
+                        </a:rPr>
+                        <a:t>This </a:t>
+                      </a:r>
+                      <a:r>
+                        <a:rPr lang="en-US" sz="1200" b="1" dirty="0">
+                          <a:solidFill>
+                            <a:srgbClr val="000000"/>
+                          </a:solidFill>
+                        </a:rPr>
+                        <a:t>is </a:t>
+                      </a:r>
+                      <a:r>
+                        <a:rPr lang="en-US" sz="1200" b="1" dirty="0">
+                          <a:solidFill>
+                            <a:srgbClr val="000000"/>
+                          </a:solidFill>
+                        </a:rPr>
+                        <a:t>ROW#:2 </a:t>
+                      </a:r>
+                      <a:r>
+                        <a:rPr lang="en-US" sz="1200" b="1" dirty="0">
+                          <a:solidFill>
+                            <a:srgbClr val="000000"/>
+                          </a:solidFill>
+                        </a:rPr>
+                        <a:t>LNE#:6</a:t>
+                      </a:r>
+                      <a:endParaRPr lang="en-US" sz="1200" dirty="0"/>
+                    </a:p>
+                    <a:p>
+                      <a:r>
+                        <a:rPr lang="en-US" sz="1200" b="1" dirty="0">
+                          <a:solidFill>
+                            <a:srgbClr val="000000"/>
+                          </a:solidFill>
+                        </a:rPr>
+                        <a:t>This </a:t>
+                      </a:r>
+                      <a:r>
+                        <a:rPr lang="en-US" sz="1200" b="1" dirty="0">
+                          <a:solidFill>
+                            <a:srgbClr val="000000"/>
+                          </a:solidFill>
+                        </a:rPr>
+                        <a:t>is </a:t>
+                      </a:r>
+                      <a:r>
+                        <a:rPr lang="en-US" sz="1200" b="1" dirty="0">
+                          <a:solidFill>
+                            <a:srgbClr val="000000"/>
+                          </a:solidFill>
+                        </a:rPr>
+                        <a:t>ROW#:2 </a:t>
+                      </a:r>
+                      <a:r>
+                        <a:rPr lang="en-US" sz="1200" b="1" dirty="0">
+                          <a:solidFill>
+                            <a:srgbClr val="000000"/>
+                          </a:solidFill>
+                        </a:rPr>
+                        <a:t>LNE#:7</a:t>
                       </a:r>
                       <a:endParaRPr lang="en-US" sz="1200" dirty="0"/>
                     </a:p>
@@ -1369,6 +2968,3914 @@
             <a:fld id="{F7021451-1387-4CA6-816F-3879F97B5CBC}" type="slidenum">
               <a:rPr b="0" lang="en-US"/>
               <a:t>2</a:t>
+            </a:fld>
+            <a:endParaRPr lang="en-US"/>
+          </a:p>
+        </p:txBody>
+      </p:sp>
+    </p:spTree>
+  </p:cSld>
+  <p:clrMapOvr>
+    <a:masterClrMapping/>
+  </p:clrMapOvr>
+</p:sld>
+</file>
+
+<file path=ppt/slides/slide3.xml><?xml version="1.0" encoding="utf-8"?>
+<p:sld xmlns:a="http://schemas.openxmlformats.org/drawingml/2006/main" xmlns:r="http://schemas.openxmlformats.org/officeDocument/2006/relationships" xmlns:p="http://schemas.openxmlformats.org/presentationml/2006/main">
+  <p:cSld name="Slide 3">
+    <p:spTree>
+      <p:nvGrpSpPr>
+        <p:cNvPr id="1" name=""/>
+        <p:cNvGrpSpPr/>
+        <p:nvPr/>
+      </p:nvGrpSpPr>
+      <p:grpSpPr>
+        <a:xfrm>
+          <a:off x="0" y="0"/>
+          <a:ext cx="0" cy="0"/>
+          <a:chOff x="0" y="0"/>
+          <a:chExt cx="0" cy="0"/>
+        </a:xfrm>
+      </p:grpSpPr>
+      <p:graphicFrame>
+        <p:nvGraphicFramePr>
+          <p:cNvPr id="4" name="Table 3"/>
+          <p:cNvGraphicFramePr>
+            <a:graphicFrameLocks noGrp="1"/>
+          </p:cNvGraphicFramePr>
+          <p:nvPr>
+            <p:extLst>
+              <p:ext uri="{D42A27DB-BD31-4B8C-83A1-F6EECF244321}">
+                <p14:modId xmlns:p14="http://schemas.microsoft.com/office/powerpoint/2010/main" val="1579011935"/>
+              </p:ext>
+            </p:extLst>
+          </p:nvPr>
+        </p:nvGraphicFramePr>
+        <p:xfrm>
+          <a:off x="914400" y="457200"/>
+          <a:ext cx="8229600" cy="914400"/>
+        </p:xfrm>
+        <a:graphic>
+          <a:graphicData uri="http://schemas.openxmlformats.org/drawingml/2006/table">
+            <a:tbl>
+              <a:tblPr/>
+              <a:tblGrid>
+                <a:gridCol w="2743200"/>
+                <a:gridCol w="2743200"/>
+                <a:gridCol w="2743200"/>
+              </a:tblGrid>
+              <a:tr h="0">
+                <a:tc>
+                  <a:txBody>
+                    <a:bodyPr/>
+                    <a:lstStyle/>
+                    <a:p>
+                      <a:r>
+                        <a:rPr lang="en-US" sz="1200" dirty="0">
+                          <a:solidFill>
+                            <a:srgbClr val="FFFFFF"/>
+                          </a:solidFill>
+                        </a:rPr>
+                        <a:t>TH1</a:t>
+                      </a:r>
+                      <a:endParaRPr lang="en-US" sz="1200" dirty="0"/>
+                    </a:p>
+                  </a:txBody>
+                  <a:tcPr marL="91440" marR="91440" marT="45720" marB="45720" anchor="ctr">
+                    <a:lnL w="0" cap="flat" cmpd="sng" algn="ctr">
+                      <a:noFill/>
+                    </a:lnL>
+                    <a:lnR w="0" cap="flat" cmpd="sng" algn="ctr">
+                      <a:noFill/>
+                    </a:lnR>
+                    <a:lnT w="0" cap="flat" cmpd="sng" algn="ctr">
+                      <a:noFill/>
+                    </a:lnT>
+                    <a:lnB w="0" cap="flat" cmpd="sng" algn="ctr">
+                      <a:noFill/>
+                    </a:lnB>
+                    <a:solidFill>
+                      <a:srgbClr val="0088CC"/>
+                    </a:solidFill>
+                  </a:tcPr>
+                </a:tc>
+                <a:tc>
+                  <a:txBody>
+                    <a:bodyPr/>
+                    <a:lstStyle/>
+                    <a:p>
+                      <a:r>
+                        <a:rPr lang="en-US" sz="1200" dirty="0">
+                          <a:solidFill>
+                            <a:srgbClr val="FFFFFF"/>
+                          </a:solidFill>
+                        </a:rPr>
+                        <a:t>TH2</a:t>
+                      </a:r>
+                      <a:endParaRPr lang="en-US" sz="1200" dirty="0"/>
+                    </a:p>
+                  </a:txBody>
+                  <a:tcPr marL="91440" marR="91440" marT="45720" marB="45720" anchor="ctr">
+                    <a:lnL w="0" cap="flat" cmpd="sng" algn="ctr">
+                      <a:noFill/>
+                    </a:lnL>
+                    <a:lnR w="0" cap="flat" cmpd="sng" algn="ctr">
+                      <a:noFill/>
+                    </a:lnR>
+                    <a:lnT w="0" cap="flat" cmpd="sng" algn="ctr">
+                      <a:noFill/>
+                    </a:lnT>
+                    <a:lnB w="0" cap="flat" cmpd="sng" algn="ctr">
+                      <a:noFill/>
+                    </a:lnB>
+                    <a:solidFill>
+                      <a:srgbClr val="0088CC"/>
+                    </a:solidFill>
+                  </a:tcPr>
+                </a:tc>
+                <a:tc>
+                  <a:txBody>
+                    <a:bodyPr/>
+                    <a:lstStyle/>
+                    <a:p>
+                      <a:r>
+                        <a:rPr lang="en-US" sz="1200" dirty="0">
+                          <a:solidFill>
+                            <a:srgbClr val="FFFFFF"/>
+                          </a:solidFill>
+                        </a:rPr>
+                        <a:t>TH3</a:t>
+                      </a:r>
+                      <a:endParaRPr lang="en-US" sz="1200" dirty="0"/>
+                    </a:p>
+                  </a:txBody>
+                  <a:tcPr marL="91440" marR="91440" marT="45720" marB="45720" anchor="ctr">
+                    <a:lnL w="0" cap="flat" cmpd="sng" algn="ctr">
+                      <a:noFill/>
+                    </a:lnL>
+                    <a:lnR w="0" cap="flat" cmpd="sng" algn="ctr">
+                      <a:noFill/>
+                    </a:lnR>
+                    <a:lnT w="0" cap="flat" cmpd="sng" algn="ctr">
+                      <a:noFill/>
+                    </a:lnT>
+                    <a:lnB w="0" cap="flat" cmpd="sng" algn="ctr">
+                      <a:noFill/>
+                    </a:lnB>
+                    <a:solidFill>
+                      <a:srgbClr val="0088CC"/>
+                    </a:solidFill>
+                  </a:tcPr>
+                </a:tc>
+              </a:tr>
+              <a:tr h="0">
+                <a:tc>
+                  <a:txBody>
+                    <a:bodyPr/>
+                    <a:lstStyle/>
+                    <a:p>
+                      <a:endParaRPr lang="en-US" sz="1200" dirty="0"/>
+                    </a:p>
+                  </a:txBody>
+                  <a:tcPr marL="91440" marR="91440" marT="45720" marB="45720">
+                    <a:lnL w="0" cap="flat" cmpd="sng" algn="ctr">
+                      <a:noFill/>
+                    </a:lnL>
+                    <a:lnR w="0" cap="flat" cmpd="sng" algn="ctr">
+                      <a:noFill/>
+                    </a:lnR>
+                    <a:lnT w="0" cap="flat" cmpd="sng" algn="ctr">
+                      <a:noFill/>
+                    </a:lnT>
+                    <a:lnB w="0" cap="flat" cmpd="sng" algn="ctr">
+                      <a:noFill/>
+                    </a:lnB>
+                  </a:tcPr>
+                </a:tc>
+                <a:tc>
+                  <a:txBody>
+                    <a:bodyPr/>
+                    <a:lstStyle/>
+                    <a:p>
+                      <a:endParaRPr lang="en-US" sz="1200" dirty="0"/>
+                    </a:p>
+                  </a:txBody>
+                  <a:tcPr marL="91440" marR="91440" marT="45720" marB="45720">
+                    <a:lnL w="0" cap="flat" cmpd="sng" algn="ctr">
+                      <a:noFill/>
+                    </a:lnL>
+                    <a:lnR w="0" cap="flat" cmpd="sng" algn="ctr">
+                      <a:noFill/>
+                    </a:lnR>
+                    <a:lnT w="0" cap="flat" cmpd="sng" algn="ctr">
+                      <a:noFill/>
+                    </a:lnT>
+                    <a:lnB w="0" cap="flat" cmpd="sng" algn="ctr">
+                      <a:noFill/>
+                    </a:lnB>
+                  </a:tcPr>
+                </a:tc>
+                <a:tc>
+                  <a:txBody>
+                    <a:bodyPr/>
+                    <a:lstStyle/>
+                    <a:p>
+                      <a:r>
+                        <a:rPr lang="en-US" sz="1200" b="1" dirty="0">
+                          <a:solidFill>
+                            <a:srgbClr val="000000"/>
+                          </a:solidFill>
+                        </a:rPr>
+                        <a:t>This </a:t>
+                      </a:r>
+                      <a:r>
+                        <a:rPr lang="en-US" sz="1200" b="1" dirty="0">
+                          <a:solidFill>
+                            <a:srgbClr val="000000"/>
+                          </a:solidFill>
+                        </a:rPr>
+                        <a:t>is </a:t>
+                      </a:r>
+                      <a:r>
+                        <a:rPr lang="en-US" sz="1200" b="1" dirty="0">
+                          <a:solidFill>
+                            <a:srgbClr val="000000"/>
+                          </a:solidFill>
+                        </a:rPr>
+                        <a:t>ROW#:2 </a:t>
+                      </a:r>
+                      <a:r>
+                        <a:rPr lang="en-US" sz="1200" b="1" dirty="0">
+                          <a:solidFill>
+                            <a:srgbClr val="000000"/>
+                          </a:solidFill>
+                        </a:rPr>
+                        <a:t>LNE#:8</a:t>
+                      </a:r>
+                      <a:endParaRPr lang="en-US" sz="1200" dirty="0"/>
+                    </a:p>
+                    <a:p>
+                      <a:r>
+                        <a:rPr lang="en-US" sz="1200" b="1" dirty="0">
+                          <a:solidFill>
+                            <a:srgbClr val="000000"/>
+                          </a:solidFill>
+                        </a:rPr>
+                        <a:t>This </a:t>
+                      </a:r>
+                      <a:r>
+                        <a:rPr lang="en-US" sz="1200" b="1" dirty="0">
+                          <a:solidFill>
+                            <a:srgbClr val="000000"/>
+                          </a:solidFill>
+                        </a:rPr>
+                        <a:t>is </a:t>
+                      </a:r>
+                      <a:r>
+                        <a:rPr lang="en-US" sz="1200" b="1" dirty="0">
+                          <a:solidFill>
+                            <a:srgbClr val="000000"/>
+                          </a:solidFill>
+                        </a:rPr>
+                        <a:t>ROW#:2 </a:t>
+                      </a:r>
+                      <a:r>
+                        <a:rPr lang="en-US" sz="1200" b="1" dirty="0">
+                          <a:solidFill>
+                            <a:srgbClr val="000000"/>
+                          </a:solidFill>
+                        </a:rPr>
+                        <a:t>LNE#:9</a:t>
+                      </a:r>
+                      <a:endParaRPr lang="en-US" sz="1200" dirty="0"/>
+                    </a:p>
+                  </a:txBody>
+                  <a:tcPr marL="91440" marR="91440" marT="45720" marB="45720">
+                    <a:lnL w="0" cap="flat" cmpd="sng" algn="ctr">
+                      <a:noFill/>
+                    </a:lnL>
+                    <a:lnR w="0" cap="flat" cmpd="sng" algn="ctr">
+                      <a:noFill/>
+                    </a:lnR>
+                    <a:lnT w="0" cap="flat" cmpd="sng" algn="ctr">
+                      <a:noFill/>
+                    </a:lnT>
+                    <a:lnB w="0" cap="flat" cmpd="sng" algn="ctr">
+                      <a:noFill/>
+                    </a:lnB>
+                  </a:tcPr>
+                </a:tc>
+              </a:tr>
+              <a:tr h="0">
+                <a:tc>
+                  <a:txBody>
+                    <a:bodyPr/>
+                    <a:lstStyle/>
+                    <a:p>
+                      <a:endParaRPr lang="en-US" sz="1200" dirty="0"/>
+                    </a:p>
+                  </a:txBody>
+                  <a:tcPr marL="91440" marR="91440" marT="45720" marB="45720">
+                    <a:lnL w="0" cap="flat" cmpd="sng" algn="ctr">
+                      <a:noFill/>
+                    </a:lnL>
+                    <a:lnR w="0" cap="flat" cmpd="sng" algn="ctr">
+                      <a:noFill/>
+                    </a:lnR>
+                    <a:lnT w="0" cap="flat" cmpd="sng" algn="ctr">
+                      <a:noFill/>
+                    </a:lnT>
+                    <a:lnB w="0" cap="flat" cmpd="sng" algn="ctr">
+                      <a:noFill/>
+                    </a:lnB>
+                  </a:tcPr>
+                </a:tc>
+                <a:tc>
+                  <a:txBody>
+                    <a:bodyPr/>
+                    <a:lstStyle/>
+                    <a:p>
+                      <a:endParaRPr lang="en-US" sz="1200" dirty="0"/>
+                    </a:p>
+                  </a:txBody>
+                  <a:tcPr marL="91440" marR="91440" marT="45720" marB="45720">
+                    <a:lnL w="0" cap="flat" cmpd="sng" algn="ctr">
+                      <a:noFill/>
+                    </a:lnL>
+                    <a:lnR w="0" cap="flat" cmpd="sng" algn="ctr">
+                      <a:noFill/>
+                    </a:lnR>
+                    <a:lnT w="0" cap="flat" cmpd="sng" algn="ctr">
+                      <a:noFill/>
+                    </a:lnT>
+                    <a:lnB w="0" cap="flat" cmpd="sng" algn="ctr">
+                      <a:noFill/>
+                    </a:lnB>
+                  </a:tcPr>
+                </a:tc>
+                <a:tc>
+                  <a:txBody>
+                    <a:bodyPr/>
+                    <a:lstStyle/>
+                    <a:p>
+                      <a:r>
+                        <a:rPr lang="en-US" sz="1200" b="1" dirty="0">
+                          <a:solidFill>
+                            <a:srgbClr val="000000"/>
+                          </a:solidFill>
+                        </a:rPr>
+                        <a:t>Complex-Title</a:t>
+                      </a:r>
+                      <a:endParaRPr lang="en-US" sz="1200" dirty="0"/>
+                    </a:p>
+                    <a:p>
+                      <a:r>
+                        <a:rPr lang="en-US" sz="1200" b="1" dirty="0">
+                          <a:solidFill>
+                            <a:srgbClr val="000000"/>
+                          </a:solidFill>
+                        </a:rPr>
+                        <a:t>This </a:t>
+                      </a:r>
+                      <a:r>
+                        <a:rPr lang="en-US" sz="1200" b="1" dirty="0">
+                          <a:solidFill>
+                            <a:srgbClr val="000000"/>
+                          </a:solidFill>
+                        </a:rPr>
+                        <a:t>is </a:t>
+                      </a:r>
+                      <a:r>
+                        <a:rPr lang="en-US" sz="1200" b="1" dirty="0">
+                          <a:solidFill>
+                            <a:srgbClr val="000000"/>
+                          </a:solidFill>
+                        </a:rPr>
+                        <a:t>ROW#:3 </a:t>
+                      </a:r>
+                      <a:r>
+                        <a:rPr lang="en-US" sz="1200" b="1" dirty="0">
+                          <a:solidFill>
+                            <a:srgbClr val="000000"/>
+                          </a:solidFill>
+                        </a:rPr>
+                        <a:t>LNE#:1</a:t>
+                      </a:r>
+                      <a:endParaRPr lang="en-US" sz="1200" dirty="0"/>
+                    </a:p>
+                    <a:p>
+                      <a:r>
+                        <a:rPr lang="en-US" sz="1200" b="1" dirty="0">
+                          <a:solidFill>
+                            <a:srgbClr val="000000"/>
+                          </a:solidFill>
+                        </a:rPr>
+                        <a:t>This </a:t>
+                      </a:r>
+                      <a:r>
+                        <a:rPr lang="en-US" sz="1200" b="1" dirty="0">
+                          <a:solidFill>
+                            <a:srgbClr val="000000"/>
+                          </a:solidFill>
+                        </a:rPr>
+                        <a:t>is </a:t>
+                      </a:r>
+                      <a:r>
+                        <a:rPr lang="en-US" sz="1200" b="1" dirty="0">
+                          <a:solidFill>
+                            <a:srgbClr val="000000"/>
+                          </a:solidFill>
+                        </a:rPr>
+                        <a:t>ROW#:3 </a:t>
+                      </a:r>
+                      <a:r>
+                        <a:rPr lang="en-US" sz="1200" b="1" dirty="0">
+                          <a:solidFill>
+                            <a:srgbClr val="000000"/>
+                          </a:solidFill>
+                        </a:rPr>
+                        <a:t>LNE#:2</a:t>
+                      </a:r>
+                      <a:endParaRPr lang="en-US" sz="1200" dirty="0"/>
+                    </a:p>
+                    <a:p>
+                      <a:r>
+                        <a:rPr lang="en-US" sz="1200" b="1" dirty="0">
+                          <a:solidFill>
+                            <a:srgbClr val="000000"/>
+                          </a:solidFill>
+                        </a:rPr>
+                        <a:t>This </a:t>
+                      </a:r>
+                      <a:r>
+                        <a:rPr lang="en-US" sz="1200" b="1" dirty="0">
+                          <a:solidFill>
+                            <a:srgbClr val="000000"/>
+                          </a:solidFill>
+                        </a:rPr>
+                        <a:t>is </a:t>
+                      </a:r>
+                      <a:r>
+                        <a:rPr lang="en-US" sz="1200" b="1" dirty="0">
+                          <a:solidFill>
+                            <a:srgbClr val="000000"/>
+                          </a:solidFill>
+                        </a:rPr>
+                        <a:t>ROW#:3 </a:t>
+                      </a:r>
+                      <a:r>
+                        <a:rPr lang="en-US" sz="1200" b="1" dirty="0">
+                          <a:solidFill>
+                            <a:srgbClr val="000000"/>
+                          </a:solidFill>
+                        </a:rPr>
+                        <a:t>LNE#:3</a:t>
+                      </a:r>
+                      <a:endParaRPr lang="en-US" sz="1200" dirty="0"/>
+                    </a:p>
+                    <a:p>
+                      <a:r>
+                        <a:rPr lang="en-US" sz="1200" b="1" dirty="0">
+                          <a:solidFill>
+                            <a:srgbClr val="000000"/>
+                          </a:solidFill>
+                        </a:rPr>
+                        <a:t>This </a:t>
+                      </a:r>
+                      <a:r>
+                        <a:rPr lang="en-US" sz="1200" b="1" dirty="0">
+                          <a:solidFill>
+                            <a:srgbClr val="000000"/>
+                          </a:solidFill>
+                        </a:rPr>
+                        <a:t>is </a:t>
+                      </a:r>
+                      <a:r>
+                        <a:rPr lang="en-US" sz="1200" b="1" dirty="0">
+                          <a:solidFill>
+                            <a:srgbClr val="000000"/>
+                          </a:solidFill>
+                        </a:rPr>
+                        <a:t>ROW#:3 </a:t>
+                      </a:r>
+                      <a:r>
+                        <a:rPr lang="en-US" sz="1200" b="1" dirty="0">
+                          <a:solidFill>
+                            <a:srgbClr val="000000"/>
+                          </a:solidFill>
+                        </a:rPr>
+                        <a:t>LNE#:4</a:t>
+                      </a:r>
+                      <a:endParaRPr lang="en-US" sz="1200" dirty="0"/>
+                    </a:p>
+                    <a:p>
+                      <a:r>
+                        <a:rPr lang="en-US" sz="1200" b="1" dirty="0">
+                          <a:solidFill>
+                            <a:srgbClr val="000000"/>
+                          </a:solidFill>
+                        </a:rPr>
+                        <a:t>This </a:t>
+                      </a:r>
+                      <a:r>
+                        <a:rPr lang="en-US" sz="1200" b="1" dirty="0">
+                          <a:solidFill>
+                            <a:srgbClr val="000000"/>
+                          </a:solidFill>
+                        </a:rPr>
+                        <a:t>is </a:t>
+                      </a:r>
+                      <a:r>
+                        <a:rPr lang="en-US" sz="1200" b="1" dirty="0">
+                          <a:solidFill>
+                            <a:srgbClr val="000000"/>
+                          </a:solidFill>
+                        </a:rPr>
+                        <a:t>ROW#:3 </a:t>
+                      </a:r>
+                      <a:r>
+                        <a:rPr lang="en-US" sz="1200" b="1" dirty="0">
+                          <a:solidFill>
+                            <a:srgbClr val="000000"/>
+                          </a:solidFill>
+                        </a:rPr>
+                        <a:t>LNE#:5</a:t>
+                      </a:r>
+                      <a:endParaRPr lang="en-US" sz="1200" dirty="0"/>
+                    </a:p>
+                    <a:p>
+                      <a:r>
+                        <a:rPr lang="en-US" sz="1200" b="1" dirty="0">
+                          <a:solidFill>
+                            <a:srgbClr val="000000"/>
+                          </a:solidFill>
+                        </a:rPr>
+                        <a:t>This </a:t>
+                      </a:r>
+                      <a:r>
+                        <a:rPr lang="en-US" sz="1200" b="1" dirty="0">
+                          <a:solidFill>
+                            <a:srgbClr val="000000"/>
+                          </a:solidFill>
+                        </a:rPr>
+                        <a:t>is </a:t>
+                      </a:r>
+                      <a:r>
+                        <a:rPr lang="en-US" sz="1200" b="1" dirty="0">
+                          <a:solidFill>
+                            <a:srgbClr val="000000"/>
+                          </a:solidFill>
+                        </a:rPr>
+                        <a:t>ROW#:3 </a:t>
+                      </a:r>
+                      <a:r>
+                        <a:rPr lang="en-US" sz="1200" b="1" dirty="0">
+                          <a:solidFill>
+                            <a:srgbClr val="000000"/>
+                          </a:solidFill>
+                        </a:rPr>
+                        <a:t>LNE#:6</a:t>
+                      </a:r>
+                      <a:endParaRPr lang="en-US" sz="1200" dirty="0"/>
+                    </a:p>
+                    <a:p>
+                      <a:r>
+                        <a:rPr lang="en-US" sz="1200" b="1" dirty="0">
+                          <a:solidFill>
+                            <a:srgbClr val="000000"/>
+                          </a:solidFill>
+                        </a:rPr>
+                        <a:t>This </a:t>
+                      </a:r>
+                      <a:r>
+                        <a:rPr lang="en-US" sz="1200" b="1" dirty="0">
+                          <a:solidFill>
+                            <a:srgbClr val="000000"/>
+                          </a:solidFill>
+                        </a:rPr>
+                        <a:t>is </a:t>
+                      </a:r>
+                      <a:r>
+                        <a:rPr lang="en-US" sz="1200" b="1" dirty="0">
+                          <a:solidFill>
+                            <a:srgbClr val="000000"/>
+                          </a:solidFill>
+                        </a:rPr>
+                        <a:t>ROW#:3 </a:t>
+                      </a:r>
+                      <a:r>
+                        <a:rPr lang="en-US" sz="1200" b="1" dirty="0">
+                          <a:solidFill>
+                            <a:srgbClr val="000000"/>
+                          </a:solidFill>
+                        </a:rPr>
+                        <a:t>LNE#:7</a:t>
+                      </a:r>
+                      <a:endParaRPr lang="en-US" sz="1200" dirty="0"/>
+                    </a:p>
+                    <a:p>
+                      <a:r>
+                        <a:rPr lang="en-US" sz="1200" b="1" dirty="0">
+                          <a:solidFill>
+                            <a:srgbClr val="000000"/>
+                          </a:solidFill>
+                        </a:rPr>
+                        <a:t>This </a:t>
+                      </a:r>
+                      <a:r>
+                        <a:rPr lang="en-US" sz="1200" b="1" dirty="0">
+                          <a:solidFill>
+                            <a:srgbClr val="000000"/>
+                          </a:solidFill>
+                        </a:rPr>
+                        <a:t>is </a:t>
+                      </a:r>
+                      <a:r>
+                        <a:rPr lang="en-US" sz="1200" b="1" dirty="0">
+                          <a:solidFill>
+                            <a:srgbClr val="000000"/>
+                          </a:solidFill>
+                        </a:rPr>
+                        <a:t>ROW#:3 </a:t>
+                      </a:r>
+                      <a:r>
+                        <a:rPr lang="en-US" sz="1200" b="1" dirty="0">
+                          <a:solidFill>
+                            <a:srgbClr val="000000"/>
+                          </a:solidFill>
+                        </a:rPr>
+                        <a:t>LNE#:8</a:t>
+                      </a:r>
+                      <a:endParaRPr lang="en-US" sz="1200" dirty="0"/>
+                    </a:p>
+                    <a:p>
+                      <a:r>
+                        <a:rPr lang="en-US" sz="1200" b="1" dirty="0">
+                          <a:solidFill>
+                            <a:srgbClr val="000000"/>
+                          </a:solidFill>
+                        </a:rPr>
+                        <a:t>This </a:t>
+                      </a:r>
+                      <a:r>
+                        <a:rPr lang="en-US" sz="1200" b="1" dirty="0">
+                          <a:solidFill>
+                            <a:srgbClr val="000000"/>
+                          </a:solidFill>
+                        </a:rPr>
+                        <a:t>is </a:t>
+                      </a:r>
+                      <a:r>
+                        <a:rPr lang="en-US" sz="1200" b="1" dirty="0">
+                          <a:solidFill>
+                            <a:srgbClr val="000000"/>
+                          </a:solidFill>
+                        </a:rPr>
+                        <a:t>ROW#:3 </a:t>
+                      </a:r>
+                      <a:r>
+                        <a:rPr lang="en-US" sz="1200" b="1" dirty="0">
+                          <a:solidFill>
+                            <a:srgbClr val="000000"/>
+                          </a:solidFill>
+                        </a:rPr>
+                        <a:t>LNE#:9</a:t>
+                      </a:r>
+                      <a:endParaRPr lang="en-US" sz="1200" dirty="0"/>
+                    </a:p>
+                  </a:txBody>
+                  <a:tcPr marL="91440" marR="91440" marT="45720" marB="45720">
+                    <a:lnL w="0" cap="flat" cmpd="sng" algn="ctr">
+                      <a:noFill/>
+                    </a:lnL>
+                    <a:lnR w="0" cap="flat" cmpd="sng" algn="ctr">
+                      <a:noFill/>
+                    </a:lnR>
+                    <a:lnT w="0" cap="flat" cmpd="sng" algn="ctr">
+                      <a:noFill/>
+                    </a:lnT>
+                    <a:lnB w="0" cap="flat" cmpd="sng" algn="ctr">
+                      <a:noFill/>
+                    </a:lnB>
+                  </a:tcPr>
+                </a:tc>
+              </a:tr>
+              <a:tr h="0">
+                <a:tc>
+                  <a:txBody>
+                    <a:bodyPr/>
+                    <a:lstStyle/>
+                    <a:p>
+                      <a:endParaRPr lang="en-US" sz="1200" dirty="0"/>
+                    </a:p>
+                  </a:txBody>
+                  <a:tcPr marL="91440" marR="91440" marT="45720" marB="45720">
+                    <a:lnL w="0" cap="flat" cmpd="sng" algn="ctr">
+                      <a:noFill/>
+                    </a:lnL>
+                    <a:lnR w="0" cap="flat" cmpd="sng" algn="ctr">
+                      <a:noFill/>
+                    </a:lnR>
+                    <a:lnT w="0" cap="flat" cmpd="sng" algn="ctr">
+                      <a:noFill/>
+                    </a:lnT>
+                    <a:lnB w="0" cap="flat" cmpd="sng" algn="ctr">
+                      <a:noFill/>
+                    </a:lnB>
+                  </a:tcPr>
+                </a:tc>
+                <a:tc>
+                  <a:txBody>
+                    <a:bodyPr/>
+                    <a:lstStyle/>
+                    <a:p>
+                      <a:endParaRPr lang="en-US" sz="1200" dirty="0"/>
+                    </a:p>
+                  </a:txBody>
+                  <a:tcPr marL="91440" marR="91440" marT="45720" marB="45720">
+                    <a:lnL w="0" cap="flat" cmpd="sng" algn="ctr">
+                      <a:noFill/>
+                    </a:lnL>
+                    <a:lnR w="0" cap="flat" cmpd="sng" algn="ctr">
+                      <a:noFill/>
+                    </a:lnR>
+                    <a:lnT w="0" cap="flat" cmpd="sng" algn="ctr">
+                      <a:noFill/>
+                    </a:lnT>
+                    <a:lnB w="0" cap="flat" cmpd="sng" algn="ctr">
+                      <a:noFill/>
+                    </a:lnB>
+                  </a:tcPr>
+                </a:tc>
+                <a:tc>
+                  <a:txBody>
+                    <a:bodyPr/>
+                    <a:lstStyle/>
+                    <a:p>
+                      <a:r>
+                        <a:rPr lang="en-US" sz="1200" b="1" dirty="0">
+                          <a:solidFill>
+                            <a:srgbClr val="000000"/>
+                          </a:solidFill>
+                        </a:rPr>
+                        <a:t>Complex-Title</a:t>
+                      </a:r>
+                      <a:endParaRPr lang="en-US" sz="1200" dirty="0"/>
+                    </a:p>
+                    <a:p>
+                      <a:r>
+                        <a:rPr lang="en-US" sz="1200" b="1" dirty="0">
+                          <a:solidFill>
+                            <a:srgbClr val="000000"/>
+                          </a:solidFill>
+                        </a:rPr>
+                        <a:t>This </a:t>
+                      </a:r>
+                      <a:r>
+                        <a:rPr lang="en-US" sz="1200" b="1" dirty="0">
+                          <a:solidFill>
+                            <a:srgbClr val="000000"/>
+                          </a:solidFill>
+                        </a:rPr>
+                        <a:t>is </a:t>
+                      </a:r>
+                      <a:r>
+                        <a:rPr lang="en-US" sz="1200" b="1" dirty="0">
+                          <a:solidFill>
+                            <a:srgbClr val="000000"/>
+                          </a:solidFill>
+                        </a:rPr>
+                        <a:t>ROW#:4 </a:t>
+                      </a:r>
+                      <a:r>
+                        <a:rPr lang="en-US" sz="1200" b="1" dirty="0">
+                          <a:solidFill>
+                            <a:srgbClr val="000000"/>
+                          </a:solidFill>
+                        </a:rPr>
+                        <a:t>LNE#:1</a:t>
+                      </a:r>
+                      <a:endParaRPr lang="en-US" sz="1200" dirty="0"/>
+                    </a:p>
+                    <a:p>
+                      <a:r>
+                        <a:rPr lang="en-US" sz="1200" b="1" dirty="0">
+                          <a:solidFill>
+                            <a:srgbClr val="000000"/>
+                          </a:solidFill>
+                        </a:rPr>
+                        <a:t>This </a:t>
+                      </a:r>
+                      <a:r>
+                        <a:rPr lang="en-US" sz="1200" b="1" dirty="0">
+                          <a:solidFill>
+                            <a:srgbClr val="000000"/>
+                          </a:solidFill>
+                        </a:rPr>
+                        <a:t>is </a:t>
+                      </a:r>
+                      <a:r>
+                        <a:rPr lang="en-US" sz="1200" b="1" dirty="0">
+                          <a:solidFill>
+                            <a:srgbClr val="000000"/>
+                          </a:solidFill>
+                        </a:rPr>
+                        <a:t>ROW#:4 </a:t>
+                      </a:r>
+                      <a:r>
+                        <a:rPr lang="en-US" sz="1200" b="1" dirty="0">
+                          <a:solidFill>
+                            <a:srgbClr val="000000"/>
+                          </a:solidFill>
+                        </a:rPr>
+                        <a:t>LNE#:2</a:t>
+                      </a:r>
+                      <a:endParaRPr lang="en-US" sz="1200" dirty="0"/>
+                    </a:p>
+                    <a:p>
+                      <a:r>
+                        <a:rPr lang="en-US" sz="1200" b="1" dirty="0">
+                          <a:solidFill>
+                            <a:srgbClr val="000000"/>
+                          </a:solidFill>
+                        </a:rPr>
+                        <a:t>This </a:t>
+                      </a:r>
+                      <a:r>
+                        <a:rPr lang="en-US" sz="1200" b="1" dirty="0">
+                          <a:solidFill>
+                            <a:srgbClr val="000000"/>
+                          </a:solidFill>
+                        </a:rPr>
+                        <a:t>is </a:t>
+                      </a:r>
+                      <a:r>
+                        <a:rPr lang="en-US" sz="1200" b="1" dirty="0">
+                          <a:solidFill>
+                            <a:srgbClr val="000000"/>
+                          </a:solidFill>
+                        </a:rPr>
+                        <a:t>ROW#:4 </a:t>
+                      </a:r>
+                      <a:r>
+                        <a:rPr lang="en-US" sz="1200" b="1" dirty="0">
+                          <a:solidFill>
+                            <a:srgbClr val="000000"/>
+                          </a:solidFill>
+                        </a:rPr>
+                        <a:t>LNE#:3</a:t>
+                      </a:r>
+                      <a:endParaRPr lang="en-US" sz="1200" dirty="0"/>
+                    </a:p>
+                    <a:p>
+                      <a:r>
+                        <a:rPr lang="en-US" sz="1200" b="1" dirty="0">
+                          <a:solidFill>
+                            <a:srgbClr val="000000"/>
+                          </a:solidFill>
+                        </a:rPr>
+                        <a:t>This </a:t>
+                      </a:r>
+                      <a:r>
+                        <a:rPr lang="en-US" sz="1200" b="1" dirty="0">
+                          <a:solidFill>
+                            <a:srgbClr val="000000"/>
+                          </a:solidFill>
+                        </a:rPr>
+                        <a:t>is </a:t>
+                      </a:r>
+                      <a:r>
+                        <a:rPr lang="en-US" sz="1200" b="1" dirty="0">
+                          <a:solidFill>
+                            <a:srgbClr val="000000"/>
+                          </a:solidFill>
+                        </a:rPr>
+                        <a:t>ROW#:4 </a:t>
+                      </a:r>
+                      <a:r>
+                        <a:rPr lang="en-US" sz="1200" b="1" dirty="0">
+                          <a:solidFill>
+                            <a:srgbClr val="000000"/>
+                          </a:solidFill>
+                        </a:rPr>
+                        <a:t>LNE#:4</a:t>
+                      </a:r>
+                      <a:endParaRPr lang="en-US" sz="1200" dirty="0"/>
+                    </a:p>
+                    <a:p>
+                      <a:r>
+                        <a:rPr lang="en-US" sz="1200" b="1" dirty="0">
+                          <a:solidFill>
+                            <a:srgbClr val="000000"/>
+                          </a:solidFill>
+                        </a:rPr>
+                        <a:t>This </a:t>
+                      </a:r>
+                      <a:r>
+                        <a:rPr lang="en-US" sz="1200" b="1" dirty="0">
+                          <a:solidFill>
+                            <a:srgbClr val="000000"/>
+                          </a:solidFill>
+                        </a:rPr>
+                        <a:t>is </a:t>
+                      </a:r>
+                      <a:r>
+                        <a:rPr lang="en-US" sz="1200" b="1" dirty="0">
+                          <a:solidFill>
+                            <a:srgbClr val="000000"/>
+                          </a:solidFill>
+                        </a:rPr>
+                        <a:t>ROW#:4 </a:t>
+                      </a:r>
+                      <a:r>
+                        <a:rPr lang="en-US" sz="1200" b="1" dirty="0">
+                          <a:solidFill>
+                            <a:srgbClr val="000000"/>
+                          </a:solidFill>
+                        </a:rPr>
+                        <a:t>LNE#:5</a:t>
+                      </a:r>
+                      <a:endParaRPr lang="en-US" sz="1200" dirty="0"/>
+                    </a:p>
+                    <a:p>
+                      <a:r>
+                        <a:rPr lang="en-US" sz="1200" b="1" dirty="0">
+                          <a:solidFill>
+                            <a:srgbClr val="000000"/>
+                          </a:solidFill>
+                        </a:rPr>
+                        <a:t>This </a:t>
+                      </a:r>
+                      <a:r>
+                        <a:rPr lang="en-US" sz="1200" b="1" dirty="0">
+                          <a:solidFill>
+                            <a:srgbClr val="000000"/>
+                          </a:solidFill>
+                        </a:rPr>
+                        <a:t>is </a:t>
+                      </a:r>
+                      <a:r>
+                        <a:rPr lang="en-US" sz="1200" b="1" dirty="0">
+                          <a:solidFill>
+                            <a:srgbClr val="000000"/>
+                          </a:solidFill>
+                        </a:rPr>
+                        <a:t>ROW#:4 </a:t>
+                      </a:r>
+                      <a:r>
+                        <a:rPr lang="en-US" sz="1200" b="1" dirty="0">
+                          <a:solidFill>
+                            <a:srgbClr val="000000"/>
+                          </a:solidFill>
+                        </a:rPr>
+                        <a:t>LNE#:6</a:t>
+                      </a:r>
+                      <a:endParaRPr lang="en-US" sz="1200" dirty="0"/>
+                    </a:p>
+                    <a:p>
+                      <a:r>
+                        <a:rPr lang="en-US" sz="1200" b="1" dirty="0">
+                          <a:solidFill>
+                            <a:srgbClr val="000000"/>
+                          </a:solidFill>
+                        </a:rPr>
+                        <a:t>This </a:t>
+                      </a:r>
+                      <a:r>
+                        <a:rPr lang="en-US" sz="1200" b="1" dirty="0">
+                          <a:solidFill>
+                            <a:srgbClr val="000000"/>
+                          </a:solidFill>
+                        </a:rPr>
+                        <a:t>is </a:t>
+                      </a:r>
+                      <a:r>
+                        <a:rPr lang="en-US" sz="1200" b="1" dirty="0">
+                          <a:solidFill>
+                            <a:srgbClr val="000000"/>
+                          </a:solidFill>
+                        </a:rPr>
+                        <a:t>ROW#:4 </a:t>
+                      </a:r>
+                      <a:r>
+                        <a:rPr lang="en-US" sz="1200" b="1" dirty="0">
+                          <a:solidFill>
+                            <a:srgbClr val="000000"/>
+                          </a:solidFill>
+                        </a:rPr>
+                        <a:t>LNE#:7</a:t>
+                      </a:r>
+                      <a:endParaRPr lang="en-US" sz="1200" dirty="0"/>
+                    </a:p>
+                    <a:p>
+                      <a:r>
+                        <a:rPr lang="en-US" sz="1200" b="1" dirty="0">
+                          <a:solidFill>
+                            <a:srgbClr val="000000"/>
+                          </a:solidFill>
+                        </a:rPr>
+                        <a:t>This </a:t>
+                      </a:r>
+                      <a:r>
+                        <a:rPr lang="en-US" sz="1200" b="1" dirty="0">
+                          <a:solidFill>
+                            <a:srgbClr val="000000"/>
+                          </a:solidFill>
+                        </a:rPr>
+                        <a:t>is </a:t>
+                      </a:r>
+                      <a:r>
+                        <a:rPr lang="en-US" sz="1200" b="1" dirty="0">
+                          <a:solidFill>
+                            <a:srgbClr val="000000"/>
+                          </a:solidFill>
+                        </a:rPr>
+                        <a:t>ROW#:4 </a:t>
+                      </a:r>
+                      <a:r>
+                        <a:rPr lang="en-US" sz="1200" b="1" dirty="0">
+                          <a:solidFill>
+                            <a:srgbClr val="000000"/>
+                          </a:solidFill>
+                        </a:rPr>
+                        <a:t>LNE#:8</a:t>
+                      </a:r>
+                      <a:endParaRPr lang="en-US" sz="1200" dirty="0"/>
+                    </a:p>
+                    <a:p>
+                      <a:r>
+                        <a:rPr lang="en-US" sz="1200" b="1" dirty="0">
+                          <a:solidFill>
+                            <a:srgbClr val="000000"/>
+                          </a:solidFill>
+                        </a:rPr>
+                        <a:t>This </a:t>
+                      </a:r>
+                      <a:r>
+                        <a:rPr lang="en-US" sz="1200" b="1" dirty="0">
+                          <a:solidFill>
+                            <a:srgbClr val="000000"/>
+                          </a:solidFill>
+                        </a:rPr>
+                        <a:t>is </a:t>
+                      </a:r>
+                      <a:r>
+                        <a:rPr lang="en-US" sz="1200" b="1" dirty="0">
+                          <a:solidFill>
+                            <a:srgbClr val="000000"/>
+                          </a:solidFill>
+                        </a:rPr>
+                        <a:t>ROW#:4 </a:t>
+                      </a:r>
+                      <a:r>
+                        <a:rPr lang="en-US" sz="1200" b="1" dirty="0">
+                          <a:solidFill>
+                            <a:srgbClr val="000000"/>
+                          </a:solidFill>
+                        </a:rPr>
+                        <a:t>LNE#:9</a:t>
+                      </a:r>
+                      <a:endParaRPr lang="en-US" sz="1200" dirty="0"/>
+                    </a:p>
+                  </a:txBody>
+                  <a:tcPr marL="91440" marR="91440" marT="45720" marB="45720">
+                    <a:lnL w="0" cap="flat" cmpd="sng" algn="ctr">
+                      <a:noFill/>
+                    </a:lnL>
+                    <a:lnR w="0" cap="flat" cmpd="sng" algn="ctr">
+                      <a:noFill/>
+                    </a:lnR>
+                    <a:lnT w="0" cap="flat" cmpd="sng" algn="ctr">
+                      <a:noFill/>
+                    </a:lnT>
+                    <a:lnB w="0" cap="flat" cmpd="sng" algn="ctr">
+                      <a:noFill/>
+                    </a:lnB>
+                  </a:tcPr>
+                </a:tc>
+              </a:tr>
+            </a:tbl>
+          </a:graphicData>
+        </a:graphic>
+      </p:graphicFrame>
+      <p:sp>
+        <p:nvSpPr>
+          <p:cNvPr id="25" name="Slide Number Placeholder 24"/>
+          <p:cNvSpPr>
+            <a:spLocks noGrp="1"/>
+          </p:cNvSpPr>
+          <p:nvPr>
+            <p:ph type="sldNum" sz="quarter" idx="4294967295"/>
+          </p:nvPr>
+        </p:nvSpPr>
+        <p:spPr>
+          <a:xfrm>
+            <a:off x="4572000" y="4629150"/>
+            <a:ext cx="800000" cy="300000"/>
+          </a:xfrm>
+          <a:prstGeom prst="rect">
+            <a:avLst/>
+          </a:prstGeom>
+          <a:extLst>
+            <a:ext uri="{C572A759-6A51-4108-AA02-DFA0A04FC94B}">
+              <ma14:wrappingTextBoxFlag xmlns:ma14="http://schemas.microsoft.com/office/mac/drawingml/2011/main" val="0"/>
+            </a:ext>
+          </a:extLst>
+        </p:spPr>
+        <p:txBody>
+          <a:bodyPr/>
+          <a:lstStyle>
+            <a:lvl1pPr/>
+          </a:lstStyle>
+          <a:p>
+            <a:pPr algn="l"/>
+            <a:fld id="{F7021451-1387-4CA6-816F-3879F97B5CBC}" type="slidenum">
+              <a:rPr b="0" lang="en-US"/>
+              <a:t>3</a:t>
+            </a:fld>
+            <a:endParaRPr lang="en-US"/>
+          </a:p>
+        </p:txBody>
+      </p:sp>
+    </p:spTree>
+  </p:cSld>
+  <p:clrMapOvr>
+    <a:masterClrMapping/>
+  </p:clrMapOvr>
+</p:sld>
+</file>
+
+<file path=ppt/slides/slide4.xml><?xml version="1.0" encoding="utf-8"?>
+<p:sld xmlns:a="http://schemas.openxmlformats.org/drawingml/2006/main" xmlns:r="http://schemas.openxmlformats.org/officeDocument/2006/relationships" xmlns:p="http://schemas.openxmlformats.org/presentationml/2006/main">
+  <p:cSld name="Slide 4">
+    <p:spTree>
+      <p:nvGrpSpPr>
+        <p:cNvPr id="1" name=""/>
+        <p:cNvGrpSpPr/>
+        <p:nvPr/>
+      </p:nvGrpSpPr>
+      <p:grpSpPr>
+        <a:xfrm>
+          <a:off x="0" y="0"/>
+          <a:ext cx="0" cy="0"/>
+          <a:chOff x="0" y="0"/>
+          <a:chExt cx="0" cy="0"/>
+        </a:xfrm>
+      </p:grpSpPr>
+      <p:graphicFrame>
+        <p:nvGraphicFramePr>
+          <p:cNvPr id="5" name="Table 4"/>
+          <p:cNvGraphicFramePr>
+            <a:graphicFrameLocks noGrp="1"/>
+          </p:cNvGraphicFramePr>
+          <p:nvPr>
+            <p:extLst>
+              <p:ext uri="{D42A27DB-BD31-4B8C-83A1-F6EECF244321}">
+                <p14:modId xmlns:p14="http://schemas.microsoft.com/office/powerpoint/2010/main" val="1579011935"/>
+              </p:ext>
+            </p:extLst>
+          </p:nvPr>
+        </p:nvGraphicFramePr>
+        <p:xfrm>
+          <a:off x="914400" y="457200"/>
+          <a:ext cx="8229600" cy="914400"/>
+        </p:xfrm>
+        <a:graphic>
+          <a:graphicData uri="http://schemas.openxmlformats.org/drawingml/2006/table">
+            <a:tbl>
+              <a:tblPr/>
+              <a:tblGrid>
+                <a:gridCol w="2743200"/>
+                <a:gridCol w="2743200"/>
+                <a:gridCol w="2743200"/>
+              </a:tblGrid>
+              <a:tr h="0">
+                <a:tc>
+                  <a:txBody>
+                    <a:bodyPr/>
+                    <a:lstStyle/>
+                    <a:p>
+                      <a:r>
+                        <a:rPr lang="en-US" sz="1200" dirty="0">
+                          <a:solidFill>
+                            <a:srgbClr val="FFFFFF"/>
+                          </a:solidFill>
+                        </a:rPr>
+                        <a:t>TH1</a:t>
+                      </a:r>
+                      <a:endParaRPr lang="en-US" sz="1200" dirty="0"/>
+                    </a:p>
+                  </a:txBody>
+                  <a:tcPr marL="91440" marR="91440" marT="45720" marB="45720" anchor="ctr">
+                    <a:lnL w="0" cap="flat" cmpd="sng" algn="ctr">
+                      <a:noFill/>
+                    </a:lnL>
+                    <a:lnR w="0" cap="flat" cmpd="sng" algn="ctr">
+                      <a:noFill/>
+                    </a:lnR>
+                    <a:lnT w="0" cap="flat" cmpd="sng" algn="ctr">
+                      <a:noFill/>
+                    </a:lnT>
+                    <a:lnB w="0" cap="flat" cmpd="sng" algn="ctr">
+                      <a:noFill/>
+                    </a:lnB>
+                    <a:solidFill>
+                      <a:srgbClr val="0088CC"/>
+                    </a:solidFill>
+                  </a:tcPr>
+                </a:tc>
+                <a:tc>
+                  <a:txBody>
+                    <a:bodyPr/>
+                    <a:lstStyle/>
+                    <a:p>
+                      <a:r>
+                        <a:rPr lang="en-US" sz="1200" dirty="0">
+                          <a:solidFill>
+                            <a:srgbClr val="FFFFFF"/>
+                          </a:solidFill>
+                        </a:rPr>
+                        <a:t>TH2</a:t>
+                      </a:r>
+                      <a:endParaRPr lang="en-US" sz="1200" dirty="0"/>
+                    </a:p>
+                  </a:txBody>
+                  <a:tcPr marL="91440" marR="91440" marT="45720" marB="45720" anchor="ctr">
+                    <a:lnL w="0" cap="flat" cmpd="sng" algn="ctr">
+                      <a:noFill/>
+                    </a:lnL>
+                    <a:lnR w="0" cap="flat" cmpd="sng" algn="ctr">
+                      <a:noFill/>
+                    </a:lnR>
+                    <a:lnT w="0" cap="flat" cmpd="sng" algn="ctr">
+                      <a:noFill/>
+                    </a:lnT>
+                    <a:lnB w="0" cap="flat" cmpd="sng" algn="ctr">
+                      <a:noFill/>
+                    </a:lnB>
+                    <a:solidFill>
+                      <a:srgbClr val="0088CC"/>
+                    </a:solidFill>
+                  </a:tcPr>
+                </a:tc>
+                <a:tc>
+                  <a:txBody>
+                    <a:bodyPr/>
+                    <a:lstStyle/>
+                    <a:p>
+                      <a:r>
+                        <a:rPr lang="en-US" sz="1200" dirty="0">
+                          <a:solidFill>
+                            <a:srgbClr val="FFFFFF"/>
+                          </a:solidFill>
+                        </a:rPr>
+                        <a:t>TH3</a:t>
+                      </a:r>
+                      <a:endParaRPr lang="en-US" sz="1200" dirty="0"/>
+                    </a:p>
+                  </a:txBody>
+                  <a:tcPr marL="91440" marR="91440" marT="45720" marB="45720" anchor="ctr">
+                    <a:lnL w="0" cap="flat" cmpd="sng" algn="ctr">
+                      <a:noFill/>
+                    </a:lnL>
+                    <a:lnR w="0" cap="flat" cmpd="sng" algn="ctr">
+                      <a:noFill/>
+                    </a:lnR>
+                    <a:lnT w="0" cap="flat" cmpd="sng" algn="ctr">
+                      <a:noFill/>
+                    </a:lnT>
+                    <a:lnB w="0" cap="flat" cmpd="sng" algn="ctr">
+                      <a:noFill/>
+                    </a:lnB>
+                    <a:solidFill>
+                      <a:srgbClr val="0088CC"/>
+                    </a:solidFill>
+                  </a:tcPr>
+                </a:tc>
+              </a:tr>
+              <a:tr h="0">
+                <a:tc>
+                  <a:txBody>
+                    <a:bodyPr/>
+                    <a:lstStyle/>
+                    <a:p>
+                      <a:endParaRPr lang="en-US" sz="1200" dirty="0"/>
+                    </a:p>
+                  </a:txBody>
+                  <a:tcPr marL="91440" marR="91440" marT="45720" marB="45720">
+                    <a:lnL w="0" cap="flat" cmpd="sng" algn="ctr">
+                      <a:noFill/>
+                    </a:lnL>
+                    <a:lnR w="0" cap="flat" cmpd="sng" algn="ctr">
+                      <a:noFill/>
+                    </a:lnR>
+                    <a:lnT w="0" cap="flat" cmpd="sng" algn="ctr">
+                      <a:noFill/>
+                    </a:lnT>
+                    <a:lnB w="0" cap="flat" cmpd="sng" algn="ctr">
+                      <a:noFill/>
+                    </a:lnB>
+                  </a:tcPr>
+                </a:tc>
+                <a:tc>
+                  <a:txBody>
+                    <a:bodyPr/>
+                    <a:lstStyle/>
+                    <a:p>
+                      <a:endParaRPr lang="en-US" sz="1200" dirty="0"/>
+                    </a:p>
+                  </a:txBody>
+                  <a:tcPr marL="91440" marR="91440" marT="45720" marB="45720">
+                    <a:lnL w="0" cap="flat" cmpd="sng" algn="ctr">
+                      <a:noFill/>
+                    </a:lnL>
+                    <a:lnR w="0" cap="flat" cmpd="sng" algn="ctr">
+                      <a:noFill/>
+                    </a:lnR>
+                    <a:lnT w="0" cap="flat" cmpd="sng" algn="ctr">
+                      <a:noFill/>
+                    </a:lnT>
+                    <a:lnB w="0" cap="flat" cmpd="sng" algn="ctr">
+                      <a:noFill/>
+                    </a:lnB>
+                  </a:tcPr>
+                </a:tc>
+                <a:tc>
+                  <a:txBody>
+                    <a:bodyPr/>
+                    <a:lstStyle/>
+                    <a:p>
+                      <a:r>
+                        <a:rPr lang="en-US" sz="1200" b="1" dirty="0">
+                          <a:solidFill>
+                            <a:srgbClr val="000000"/>
+                          </a:solidFill>
+                        </a:rPr>
+                        <a:t>Complex-Title</a:t>
+                      </a:r>
+                      <a:endParaRPr lang="en-US" sz="1200" dirty="0"/>
+                    </a:p>
+                    <a:p>
+                      <a:r>
+                        <a:rPr lang="en-US" sz="1200" b="1" dirty="0">
+                          <a:solidFill>
+                            <a:srgbClr val="000000"/>
+                          </a:solidFill>
+                        </a:rPr>
+                        <a:t>This </a:t>
+                      </a:r>
+                      <a:r>
+                        <a:rPr lang="en-US" sz="1200" b="1" dirty="0">
+                          <a:solidFill>
+                            <a:srgbClr val="000000"/>
+                          </a:solidFill>
+                        </a:rPr>
+                        <a:t>is </a:t>
+                      </a:r>
+                      <a:r>
+                        <a:rPr lang="en-US" sz="1200" b="1" dirty="0">
+                          <a:solidFill>
+                            <a:srgbClr val="000000"/>
+                          </a:solidFill>
+                        </a:rPr>
+                        <a:t>ROW#:5 </a:t>
+                      </a:r>
+                      <a:r>
+                        <a:rPr lang="en-US" sz="1200" b="1" dirty="0">
+                          <a:solidFill>
+                            <a:srgbClr val="000000"/>
+                          </a:solidFill>
+                        </a:rPr>
+                        <a:t>LNE#:1</a:t>
+                      </a:r>
+                      <a:endParaRPr lang="en-US" sz="1200" dirty="0"/>
+                    </a:p>
+                    <a:p>
+                      <a:r>
+                        <a:rPr lang="en-US" sz="1200" b="1" dirty="0">
+                          <a:solidFill>
+                            <a:srgbClr val="000000"/>
+                          </a:solidFill>
+                        </a:rPr>
+                        <a:t>This </a:t>
+                      </a:r>
+                      <a:r>
+                        <a:rPr lang="en-US" sz="1200" b="1" dirty="0">
+                          <a:solidFill>
+                            <a:srgbClr val="000000"/>
+                          </a:solidFill>
+                        </a:rPr>
+                        <a:t>is </a:t>
+                      </a:r>
+                      <a:r>
+                        <a:rPr lang="en-US" sz="1200" b="1" dirty="0">
+                          <a:solidFill>
+                            <a:srgbClr val="000000"/>
+                          </a:solidFill>
+                        </a:rPr>
+                        <a:t>ROW#:5 </a:t>
+                      </a:r>
+                      <a:r>
+                        <a:rPr lang="en-US" sz="1200" b="1" dirty="0">
+                          <a:solidFill>
+                            <a:srgbClr val="000000"/>
+                          </a:solidFill>
+                        </a:rPr>
+                        <a:t>LNE#:2</a:t>
+                      </a:r>
+                      <a:endParaRPr lang="en-US" sz="1200" dirty="0"/>
+                    </a:p>
+                    <a:p>
+                      <a:r>
+                        <a:rPr lang="en-US" sz="1200" b="1" dirty="0">
+                          <a:solidFill>
+                            <a:srgbClr val="000000"/>
+                          </a:solidFill>
+                        </a:rPr>
+                        <a:t>This </a:t>
+                      </a:r>
+                      <a:r>
+                        <a:rPr lang="en-US" sz="1200" b="1" dirty="0">
+                          <a:solidFill>
+                            <a:srgbClr val="000000"/>
+                          </a:solidFill>
+                        </a:rPr>
+                        <a:t>is </a:t>
+                      </a:r>
+                      <a:r>
+                        <a:rPr lang="en-US" sz="1200" b="1" dirty="0">
+                          <a:solidFill>
+                            <a:srgbClr val="000000"/>
+                          </a:solidFill>
+                        </a:rPr>
+                        <a:t>ROW#:5 </a:t>
+                      </a:r>
+                      <a:r>
+                        <a:rPr lang="en-US" sz="1200" b="1" dirty="0">
+                          <a:solidFill>
+                            <a:srgbClr val="000000"/>
+                          </a:solidFill>
+                        </a:rPr>
+                        <a:t>LNE#:3</a:t>
+                      </a:r>
+                      <a:endParaRPr lang="en-US" sz="1200" dirty="0"/>
+                    </a:p>
+                    <a:p>
+                      <a:r>
+                        <a:rPr lang="en-US" sz="1200" b="1" dirty="0">
+                          <a:solidFill>
+                            <a:srgbClr val="000000"/>
+                          </a:solidFill>
+                        </a:rPr>
+                        <a:t>This </a:t>
+                      </a:r>
+                      <a:r>
+                        <a:rPr lang="en-US" sz="1200" b="1" dirty="0">
+                          <a:solidFill>
+                            <a:srgbClr val="000000"/>
+                          </a:solidFill>
+                        </a:rPr>
+                        <a:t>is </a:t>
+                      </a:r>
+                      <a:r>
+                        <a:rPr lang="en-US" sz="1200" b="1" dirty="0">
+                          <a:solidFill>
+                            <a:srgbClr val="000000"/>
+                          </a:solidFill>
+                        </a:rPr>
+                        <a:t>ROW#:5 </a:t>
+                      </a:r>
+                      <a:r>
+                        <a:rPr lang="en-US" sz="1200" b="1" dirty="0">
+                          <a:solidFill>
+                            <a:srgbClr val="000000"/>
+                          </a:solidFill>
+                        </a:rPr>
+                        <a:t>LNE#:4</a:t>
+                      </a:r>
+                      <a:endParaRPr lang="en-US" sz="1200" dirty="0"/>
+                    </a:p>
+                    <a:p>
+                      <a:r>
+                        <a:rPr lang="en-US" sz="1200" b="1" dirty="0">
+                          <a:solidFill>
+                            <a:srgbClr val="000000"/>
+                          </a:solidFill>
+                        </a:rPr>
+                        <a:t>This </a:t>
+                      </a:r>
+                      <a:r>
+                        <a:rPr lang="en-US" sz="1200" b="1" dirty="0">
+                          <a:solidFill>
+                            <a:srgbClr val="000000"/>
+                          </a:solidFill>
+                        </a:rPr>
+                        <a:t>is </a:t>
+                      </a:r>
+                      <a:r>
+                        <a:rPr lang="en-US" sz="1200" b="1" dirty="0">
+                          <a:solidFill>
+                            <a:srgbClr val="000000"/>
+                          </a:solidFill>
+                        </a:rPr>
+                        <a:t>ROW#:5 </a:t>
+                      </a:r>
+                      <a:r>
+                        <a:rPr lang="en-US" sz="1200" b="1" dirty="0">
+                          <a:solidFill>
+                            <a:srgbClr val="000000"/>
+                          </a:solidFill>
+                        </a:rPr>
+                        <a:t>LNE#:5</a:t>
+                      </a:r>
+                      <a:endParaRPr lang="en-US" sz="1200" dirty="0"/>
+                    </a:p>
+                    <a:p>
+                      <a:r>
+                        <a:rPr lang="en-US" sz="1200" b="1" dirty="0">
+                          <a:solidFill>
+                            <a:srgbClr val="000000"/>
+                          </a:solidFill>
+                        </a:rPr>
+                        <a:t>This </a:t>
+                      </a:r>
+                      <a:r>
+                        <a:rPr lang="en-US" sz="1200" b="1" dirty="0">
+                          <a:solidFill>
+                            <a:srgbClr val="000000"/>
+                          </a:solidFill>
+                        </a:rPr>
+                        <a:t>is </a:t>
+                      </a:r>
+                      <a:r>
+                        <a:rPr lang="en-US" sz="1200" b="1" dirty="0">
+                          <a:solidFill>
+                            <a:srgbClr val="000000"/>
+                          </a:solidFill>
+                        </a:rPr>
+                        <a:t>ROW#:5 </a:t>
+                      </a:r>
+                      <a:r>
+                        <a:rPr lang="en-US" sz="1200" b="1" dirty="0">
+                          <a:solidFill>
+                            <a:srgbClr val="000000"/>
+                          </a:solidFill>
+                        </a:rPr>
+                        <a:t>LNE#:6</a:t>
+                      </a:r>
+                      <a:endParaRPr lang="en-US" sz="1200" dirty="0"/>
+                    </a:p>
+                    <a:p>
+                      <a:r>
+                        <a:rPr lang="en-US" sz="1200" b="1" dirty="0">
+                          <a:solidFill>
+                            <a:srgbClr val="000000"/>
+                          </a:solidFill>
+                        </a:rPr>
+                        <a:t>This </a:t>
+                      </a:r>
+                      <a:r>
+                        <a:rPr lang="en-US" sz="1200" b="1" dirty="0">
+                          <a:solidFill>
+                            <a:srgbClr val="000000"/>
+                          </a:solidFill>
+                        </a:rPr>
+                        <a:t>is </a:t>
+                      </a:r>
+                      <a:r>
+                        <a:rPr lang="en-US" sz="1200" b="1" dirty="0">
+                          <a:solidFill>
+                            <a:srgbClr val="000000"/>
+                          </a:solidFill>
+                        </a:rPr>
+                        <a:t>ROW#:5 </a:t>
+                      </a:r>
+                      <a:r>
+                        <a:rPr lang="en-US" sz="1200" b="1" dirty="0">
+                          <a:solidFill>
+                            <a:srgbClr val="000000"/>
+                          </a:solidFill>
+                        </a:rPr>
+                        <a:t>LNE#:7</a:t>
+                      </a:r>
+                      <a:endParaRPr lang="en-US" sz="1200" dirty="0"/>
+                    </a:p>
+                    <a:p>
+                      <a:r>
+                        <a:rPr lang="en-US" sz="1200" b="1" dirty="0">
+                          <a:solidFill>
+                            <a:srgbClr val="000000"/>
+                          </a:solidFill>
+                        </a:rPr>
+                        <a:t>This </a:t>
+                      </a:r>
+                      <a:r>
+                        <a:rPr lang="en-US" sz="1200" b="1" dirty="0">
+                          <a:solidFill>
+                            <a:srgbClr val="000000"/>
+                          </a:solidFill>
+                        </a:rPr>
+                        <a:t>is </a:t>
+                      </a:r>
+                      <a:r>
+                        <a:rPr lang="en-US" sz="1200" b="1" dirty="0">
+                          <a:solidFill>
+                            <a:srgbClr val="000000"/>
+                          </a:solidFill>
+                        </a:rPr>
+                        <a:t>ROW#:5 </a:t>
+                      </a:r>
+                      <a:r>
+                        <a:rPr lang="en-US" sz="1200" b="1" dirty="0">
+                          <a:solidFill>
+                            <a:srgbClr val="000000"/>
+                          </a:solidFill>
+                        </a:rPr>
+                        <a:t>LNE#:8</a:t>
+                      </a:r>
+                      <a:endParaRPr lang="en-US" sz="1200" dirty="0"/>
+                    </a:p>
+                    <a:p>
+                      <a:r>
+                        <a:rPr lang="en-US" sz="1200" b="1" dirty="0">
+                          <a:solidFill>
+                            <a:srgbClr val="000000"/>
+                          </a:solidFill>
+                        </a:rPr>
+                        <a:t>This </a:t>
+                      </a:r>
+                      <a:r>
+                        <a:rPr lang="en-US" sz="1200" b="1" dirty="0">
+                          <a:solidFill>
+                            <a:srgbClr val="000000"/>
+                          </a:solidFill>
+                        </a:rPr>
+                        <a:t>is </a:t>
+                      </a:r>
+                      <a:r>
+                        <a:rPr lang="en-US" sz="1200" b="1" dirty="0">
+                          <a:solidFill>
+                            <a:srgbClr val="000000"/>
+                          </a:solidFill>
+                        </a:rPr>
+                        <a:t>ROW#:5 </a:t>
+                      </a:r>
+                      <a:r>
+                        <a:rPr lang="en-US" sz="1200" b="1" dirty="0">
+                          <a:solidFill>
+                            <a:srgbClr val="000000"/>
+                          </a:solidFill>
+                        </a:rPr>
+                        <a:t>LNE#:9</a:t>
+                      </a:r>
+                      <a:endParaRPr lang="en-US" sz="1200" dirty="0"/>
+                    </a:p>
+                  </a:txBody>
+                  <a:tcPr marL="91440" marR="91440" marT="45720" marB="45720">
+                    <a:lnL w="0" cap="flat" cmpd="sng" algn="ctr">
+                      <a:noFill/>
+                    </a:lnL>
+                    <a:lnR w="0" cap="flat" cmpd="sng" algn="ctr">
+                      <a:noFill/>
+                    </a:lnR>
+                    <a:lnT w="0" cap="flat" cmpd="sng" algn="ctr">
+                      <a:noFill/>
+                    </a:lnT>
+                    <a:lnB w="0" cap="flat" cmpd="sng" algn="ctr">
+                      <a:noFill/>
+                    </a:lnB>
+                  </a:tcPr>
+                </a:tc>
+              </a:tr>
+              <a:tr h="0">
+                <a:tc>
+                  <a:txBody>
+                    <a:bodyPr/>
+                    <a:lstStyle/>
+                    <a:p>
+                      <a:endParaRPr lang="en-US" sz="1200" dirty="0"/>
+                    </a:p>
+                  </a:txBody>
+                  <a:tcPr marL="91440" marR="91440" marT="45720" marB="45720">
+                    <a:lnL w="0" cap="flat" cmpd="sng" algn="ctr">
+                      <a:noFill/>
+                    </a:lnL>
+                    <a:lnR w="0" cap="flat" cmpd="sng" algn="ctr">
+                      <a:noFill/>
+                    </a:lnR>
+                    <a:lnT w="0" cap="flat" cmpd="sng" algn="ctr">
+                      <a:noFill/>
+                    </a:lnT>
+                    <a:lnB w="0" cap="flat" cmpd="sng" algn="ctr">
+                      <a:noFill/>
+                    </a:lnB>
+                  </a:tcPr>
+                </a:tc>
+                <a:tc>
+                  <a:txBody>
+                    <a:bodyPr/>
+                    <a:lstStyle/>
+                    <a:p>
+                      <a:endParaRPr lang="en-US" sz="1200" dirty="0"/>
+                    </a:p>
+                  </a:txBody>
+                  <a:tcPr marL="91440" marR="91440" marT="45720" marB="45720">
+                    <a:lnL w="0" cap="flat" cmpd="sng" algn="ctr">
+                      <a:noFill/>
+                    </a:lnL>
+                    <a:lnR w="0" cap="flat" cmpd="sng" algn="ctr">
+                      <a:noFill/>
+                    </a:lnR>
+                    <a:lnT w="0" cap="flat" cmpd="sng" algn="ctr">
+                      <a:noFill/>
+                    </a:lnT>
+                    <a:lnB w="0" cap="flat" cmpd="sng" algn="ctr">
+                      <a:noFill/>
+                    </a:lnB>
+                  </a:tcPr>
+                </a:tc>
+                <a:tc>
+                  <a:txBody>
+                    <a:bodyPr/>
+                    <a:lstStyle/>
+                    <a:p>
+                      <a:r>
+                        <a:rPr lang="en-US" sz="1200" b="1" dirty="0">
+                          <a:solidFill>
+                            <a:srgbClr val="000000"/>
+                          </a:solidFill>
+                        </a:rPr>
+                        <a:t>Complex-Title</a:t>
+                      </a:r>
+                      <a:endParaRPr lang="en-US" sz="1200" dirty="0"/>
+                    </a:p>
+                    <a:p>
+                      <a:r>
+                        <a:rPr lang="en-US" sz="1200" b="1" dirty="0">
+                          <a:solidFill>
+                            <a:srgbClr val="000000"/>
+                          </a:solidFill>
+                        </a:rPr>
+                        <a:t>This </a:t>
+                      </a:r>
+                      <a:r>
+                        <a:rPr lang="en-US" sz="1200" b="1" dirty="0">
+                          <a:solidFill>
+                            <a:srgbClr val="000000"/>
+                          </a:solidFill>
+                        </a:rPr>
+                        <a:t>is </a:t>
+                      </a:r>
+                      <a:r>
+                        <a:rPr lang="en-US" sz="1200" b="1" dirty="0">
+                          <a:solidFill>
+                            <a:srgbClr val="000000"/>
+                          </a:solidFill>
+                        </a:rPr>
+                        <a:t>ROW#:6 </a:t>
+                      </a:r>
+                      <a:r>
+                        <a:rPr lang="en-US" sz="1200" b="1" dirty="0">
+                          <a:solidFill>
+                            <a:srgbClr val="000000"/>
+                          </a:solidFill>
+                        </a:rPr>
+                        <a:t>LNE#:1</a:t>
+                      </a:r>
+                      <a:endParaRPr lang="en-US" sz="1200" dirty="0"/>
+                    </a:p>
+                    <a:p>
+                      <a:r>
+                        <a:rPr lang="en-US" sz="1200" b="1" dirty="0">
+                          <a:solidFill>
+                            <a:srgbClr val="000000"/>
+                          </a:solidFill>
+                        </a:rPr>
+                        <a:t>This </a:t>
+                      </a:r>
+                      <a:r>
+                        <a:rPr lang="en-US" sz="1200" b="1" dirty="0">
+                          <a:solidFill>
+                            <a:srgbClr val="000000"/>
+                          </a:solidFill>
+                        </a:rPr>
+                        <a:t>is </a:t>
+                      </a:r>
+                      <a:r>
+                        <a:rPr lang="en-US" sz="1200" b="1" dirty="0">
+                          <a:solidFill>
+                            <a:srgbClr val="000000"/>
+                          </a:solidFill>
+                        </a:rPr>
+                        <a:t>ROW#:6 </a:t>
+                      </a:r>
+                      <a:r>
+                        <a:rPr lang="en-US" sz="1200" b="1" dirty="0">
+                          <a:solidFill>
+                            <a:srgbClr val="000000"/>
+                          </a:solidFill>
+                        </a:rPr>
+                        <a:t>LNE#:2</a:t>
+                      </a:r>
+                      <a:endParaRPr lang="en-US" sz="1200" dirty="0"/>
+                    </a:p>
+                    <a:p>
+                      <a:r>
+                        <a:rPr lang="en-US" sz="1200" b="1" dirty="0">
+                          <a:solidFill>
+                            <a:srgbClr val="000000"/>
+                          </a:solidFill>
+                        </a:rPr>
+                        <a:t>This </a:t>
+                      </a:r>
+                      <a:r>
+                        <a:rPr lang="en-US" sz="1200" b="1" dirty="0">
+                          <a:solidFill>
+                            <a:srgbClr val="000000"/>
+                          </a:solidFill>
+                        </a:rPr>
+                        <a:t>is </a:t>
+                      </a:r>
+                      <a:r>
+                        <a:rPr lang="en-US" sz="1200" b="1" dirty="0">
+                          <a:solidFill>
+                            <a:srgbClr val="000000"/>
+                          </a:solidFill>
+                        </a:rPr>
+                        <a:t>ROW#:6 </a:t>
+                      </a:r>
+                      <a:r>
+                        <a:rPr lang="en-US" sz="1200" b="1" dirty="0">
+                          <a:solidFill>
+                            <a:srgbClr val="000000"/>
+                          </a:solidFill>
+                        </a:rPr>
+                        <a:t>LNE#:3</a:t>
+                      </a:r>
+                      <a:endParaRPr lang="en-US" sz="1200" dirty="0"/>
+                    </a:p>
+                    <a:p>
+                      <a:r>
+                        <a:rPr lang="en-US" sz="1200" b="1" dirty="0">
+                          <a:solidFill>
+                            <a:srgbClr val="000000"/>
+                          </a:solidFill>
+                        </a:rPr>
+                        <a:t>This </a:t>
+                      </a:r>
+                      <a:r>
+                        <a:rPr lang="en-US" sz="1200" b="1" dirty="0">
+                          <a:solidFill>
+                            <a:srgbClr val="000000"/>
+                          </a:solidFill>
+                        </a:rPr>
+                        <a:t>is </a:t>
+                      </a:r>
+                      <a:r>
+                        <a:rPr lang="en-US" sz="1200" b="1" dirty="0">
+                          <a:solidFill>
+                            <a:srgbClr val="000000"/>
+                          </a:solidFill>
+                        </a:rPr>
+                        <a:t>ROW#:6 </a:t>
+                      </a:r>
+                      <a:r>
+                        <a:rPr lang="en-US" sz="1200" b="1" dirty="0">
+                          <a:solidFill>
+                            <a:srgbClr val="000000"/>
+                          </a:solidFill>
+                        </a:rPr>
+                        <a:t>LNE#:4</a:t>
+                      </a:r>
+                      <a:endParaRPr lang="en-US" sz="1200" dirty="0"/>
+                    </a:p>
+                    <a:p>
+                      <a:r>
+                        <a:rPr lang="en-US" sz="1200" b="1" dirty="0">
+                          <a:solidFill>
+                            <a:srgbClr val="000000"/>
+                          </a:solidFill>
+                        </a:rPr>
+                        <a:t>This </a:t>
+                      </a:r>
+                      <a:r>
+                        <a:rPr lang="en-US" sz="1200" b="1" dirty="0">
+                          <a:solidFill>
+                            <a:srgbClr val="000000"/>
+                          </a:solidFill>
+                        </a:rPr>
+                        <a:t>is </a:t>
+                      </a:r>
+                      <a:r>
+                        <a:rPr lang="en-US" sz="1200" b="1" dirty="0">
+                          <a:solidFill>
+                            <a:srgbClr val="000000"/>
+                          </a:solidFill>
+                        </a:rPr>
+                        <a:t>ROW#:6 </a:t>
+                      </a:r>
+                      <a:r>
+                        <a:rPr lang="en-US" sz="1200" b="1" dirty="0">
+                          <a:solidFill>
+                            <a:srgbClr val="000000"/>
+                          </a:solidFill>
+                        </a:rPr>
+                        <a:t>LNE#:5</a:t>
+                      </a:r>
+                      <a:endParaRPr lang="en-US" sz="1200" dirty="0"/>
+                    </a:p>
+                    <a:p>
+                      <a:r>
+                        <a:rPr lang="en-US" sz="1200" b="1" dirty="0">
+                          <a:solidFill>
+                            <a:srgbClr val="000000"/>
+                          </a:solidFill>
+                        </a:rPr>
+                        <a:t>This </a:t>
+                      </a:r>
+                      <a:r>
+                        <a:rPr lang="en-US" sz="1200" b="1" dirty="0">
+                          <a:solidFill>
+                            <a:srgbClr val="000000"/>
+                          </a:solidFill>
+                        </a:rPr>
+                        <a:t>is </a:t>
+                      </a:r>
+                      <a:r>
+                        <a:rPr lang="en-US" sz="1200" b="1" dirty="0">
+                          <a:solidFill>
+                            <a:srgbClr val="000000"/>
+                          </a:solidFill>
+                        </a:rPr>
+                        <a:t>ROW#:6 </a:t>
+                      </a:r>
+                      <a:r>
+                        <a:rPr lang="en-US" sz="1200" b="1" dirty="0">
+                          <a:solidFill>
+                            <a:srgbClr val="000000"/>
+                          </a:solidFill>
+                        </a:rPr>
+                        <a:t>LNE#:6</a:t>
+                      </a:r>
+                      <a:endParaRPr lang="en-US" sz="1200" dirty="0"/>
+                    </a:p>
+                    <a:p>
+                      <a:r>
+                        <a:rPr lang="en-US" sz="1200" b="1" dirty="0">
+                          <a:solidFill>
+                            <a:srgbClr val="000000"/>
+                          </a:solidFill>
+                        </a:rPr>
+                        <a:t>This </a:t>
+                      </a:r>
+                      <a:r>
+                        <a:rPr lang="en-US" sz="1200" b="1" dirty="0">
+                          <a:solidFill>
+                            <a:srgbClr val="000000"/>
+                          </a:solidFill>
+                        </a:rPr>
+                        <a:t>is </a:t>
+                      </a:r>
+                      <a:r>
+                        <a:rPr lang="en-US" sz="1200" b="1" dirty="0">
+                          <a:solidFill>
+                            <a:srgbClr val="000000"/>
+                          </a:solidFill>
+                        </a:rPr>
+                        <a:t>ROW#:6 </a:t>
+                      </a:r>
+                      <a:r>
+                        <a:rPr lang="en-US" sz="1200" b="1" dirty="0">
+                          <a:solidFill>
+                            <a:srgbClr val="000000"/>
+                          </a:solidFill>
+                        </a:rPr>
+                        <a:t>LNE#:7</a:t>
+                      </a:r>
+                      <a:endParaRPr lang="en-US" sz="1200" dirty="0"/>
+                    </a:p>
+                    <a:p>
+                      <a:r>
+                        <a:rPr lang="en-US" sz="1200" b="1" dirty="0">
+                          <a:solidFill>
+                            <a:srgbClr val="000000"/>
+                          </a:solidFill>
+                        </a:rPr>
+                        <a:t>This </a:t>
+                      </a:r>
+                      <a:r>
+                        <a:rPr lang="en-US" sz="1200" b="1" dirty="0">
+                          <a:solidFill>
+                            <a:srgbClr val="000000"/>
+                          </a:solidFill>
+                        </a:rPr>
+                        <a:t>is </a:t>
+                      </a:r>
+                      <a:r>
+                        <a:rPr lang="en-US" sz="1200" b="1" dirty="0">
+                          <a:solidFill>
+                            <a:srgbClr val="000000"/>
+                          </a:solidFill>
+                        </a:rPr>
+                        <a:t>ROW#:6 </a:t>
+                      </a:r>
+                      <a:r>
+                        <a:rPr lang="en-US" sz="1200" b="1" dirty="0">
+                          <a:solidFill>
+                            <a:srgbClr val="000000"/>
+                          </a:solidFill>
+                        </a:rPr>
+                        <a:t>LNE#:8</a:t>
+                      </a:r>
+                      <a:endParaRPr lang="en-US" sz="1200" dirty="0"/>
+                    </a:p>
+                    <a:p>
+                      <a:r>
+                        <a:rPr lang="en-US" sz="1200" b="1" dirty="0">
+                          <a:solidFill>
+                            <a:srgbClr val="000000"/>
+                          </a:solidFill>
+                        </a:rPr>
+                        <a:t>This </a:t>
+                      </a:r>
+                      <a:r>
+                        <a:rPr lang="en-US" sz="1200" b="1" dirty="0">
+                          <a:solidFill>
+                            <a:srgbClr val="000000"/>
+                          </a:solidFill>
+                        </a:rPr>
+                        <a:t>is </a:t>
+                      </a:r>
+                      <a:r>
+                        <a:rPr lang="en-US" sz="1200" b="1" dirty="0">
+                          <a:solidFill>
+                            <a:srgbClr val="000000"/>
+                          </a:solidFill>
+                        </a:rPr>
+                        <a:t>ROW#:6 </a:t>
+                      </a:r>
+                      <a:r>
+                        <a:rPr lang="en-US" sz="1200" b="1" dirty="0">
+                          <a:solidFill>
+                            <a:srgbClr val="000000"/>
+                          </a:solidFill>
+                        </a:rPr>
+                        <a:t>LNE#:9</a:t>
+                      </a:r>
+                      <a:endParaRPr lang="en-US" sz="1200" dirty="0"/>
+                    </a:p>
+                  </a:txBody>
+                  <a:tcPr marL="91440" marR="91440" marT="45720" marB="45720">
+                    <a:lnL w="0" cap="flat" cmpd="sng" algn="ctr">
+                      <a:noFill/>
+                    </a:lnL>
+                    <a:lnR w="0" cap="flat" cmpd="sng" algn="ctr">
+                      <a:noFill/>
+                    </a:lnR>
+                    <a:lnT w="0" cap="flat" cmpd="sng" algn="ctr">
+                      <a:noFill/>
+                    </a:lnT>
+                    <a:lnB w="0" cap="flat" cmpd="sng" algn="ctr">
+                      <a:noFill/>
+                    </a:lnB>
+                  </a:tcPr>
+                </a:tc>
+              </a:tr>
+              <a:tr h="0">
+                <a:tc>
+                  <a:txBody>
+                    <a:bodyPr/>
+                    <a:lstStyle/>
+                    <a:p>
+                      <a:endParaRPr lang="en-US" sz="1200" dirty="0"/>
+                    </a:p>
+                  </a:txBody>
+                  <a:tcPr marL="91440" marR="91440" marT="45720" marB="45720">
+                    <a:lnL w="0" cap="flat" cmpd="sng" algn="ctr">
+                      <a:noFill/>
+                    </a:lnL>
+                    <a:lnR w="0" cap="flat" cmpd="sng" algn="ctr">
+                      <a:noFill/>
+                    </a:lnR>
+                    <a:lnT w="0" cap="flat" cmpd="sng" algn="ctr">
+                      <a:noFill/>
+                    </a:lnT>
+                    <a:lnB w="0" cap="flat" cmpd="sng" algn="ctr">
+                      <a:noFill/>
+                    </a:lnB>
+                  </a:tcPr>
+                </a:tc>
+                <a:tc>
+                  <a:txBody>
+                    <a:bodyPr/>
+                    <a:lstStyle/>
+                    <a:p>
+                      <a:endParaRPr lang="en-US" sz="1200" dirty="0"/>
+                    </a:p>
+                  </a:txBody>
+                  <a:tcPr marL="91440" marR="91440" marT="45720" marB="45720">
+                    <a:lnL w="0" cap="flat" cmpd="sng" algn="ctr">
+                      <a:noFill/>
+                    </a:lnL>
+                    <a:lnR w="0" cap="flat" cmpd="sng" algn="ctr">
+                      <a:noFill/>
+                    </a:lnR>
+                    <a:lnT w="0" cap="flat" cmpd="sng" algn="ctr">
+                      <a:noFill/>
+                    </a:lnT>
+                    <a:lnB w="0" cap="flat" cmpd="sng" algn="ctr">
+                      <a:noFill/>
+                    </a:lnB>
+                  </a:tcPr>
+                </a:tc>
+                <a:tc>
+                  <a:txBody>
+                    <a:bodyPr/>
+                    <a:lstStyle/>
+                    <a:p>
+                      <a:r>
+                        <a:rPr lang="en-US" sz="1200" b="1" dirty="0">
+                          <a:solidFill>
+                            <a:srgbClr val="000000"/>
+                          </a:solidFill>
+                        </a:rPr>
+                        <a:t>Complex-Title</a:t>
+                      </a:r>
+                      <a:endParaRPr lang="en-US" sz="1200" dirty="0"/>
+                    </a:p>
+                    <a:p>
+                      <a:r>
+                        <a:rPr lang="en-US" sz="1200" b="1" dirty="0">
+                          <a:solidFill>
+                            <a:srgbClr val="000000"/>
+                          </a:solidFill>
+                        </a:rPr>
+                        <a:t>This </a:t>
+                      </a:r>
+                      <a:r>
+                        <a:rPr lang="en-US" sz="1200" b="1" dirty="0">
+                          <a:solidFill>
+                            <a:srgbClr val="000000"/>
+                          </a:solidFill>
+                        </a:rPr>
+                        <a:t>is </a:t>
+                      </a:r>
+                      <a:r>
+                        <a:rPr lang="en-US" sz="1200" b="1" dirty="0">
+                          <a:solidFill>
+                            <a:srgbClr val="000000"/>
+                          </a:solidFill>
+                        </a:rPr>
+                        <a:t>ROW#:7 </a:t>
+                      </a:r>
+                      <a:r>
+                        <a:rPr lang="en-US" sz="1200" b="1" dirty="0">
+                          <a:solidFill>
+                            <a:srgbClr val="000000"/>
+                          </a:solidFill>
+                        </a:rPr>
+                        <a:t>LNE#:1</a:t>
+                      </a:r>
+                      <a:endParaRPr lang="en-US" sz="1200" dirty="0"/>
+                    </a:p>
+                  </a:txBody>
+                  <a:tcPr marL="91440" marR="91440" marT="45720" marB="45720">
+                    <a:lnL w="0" cap="flat" cmpd="sng" algn="ctr">
+                      <a:noFill/>
+                    </a:lnL>
+                    <a:lnR w="0" cap="flat" cmpd="sng" algn="ctr">
+                      <a:noFill/>
+                    </a:lnR>
+                    <a:lnT w="0" cap="flat" cmpd="sng" algn="ctr">
+                      <a:noFill/>
+                    </a:lnT>
+                    <a:lnB w="0" cap="flat" cmpd="sng" algn="ctr">
+                      <a:noFill/>
+                    </a:lnB>
+                  </a:tcPr>
+                </a:tc>
+              </a:tr>
+            </a:tbl>
+          </a:graphicData>
+        </a:graphic>
+      </p:graphicFrame>
+      <p:sp>
+        <p:nvSpPr>
+          <p:cNvPr id="25" name="Slide Number Placeholder 24"/>
+          <p:cNvSpPr>
+            <a:spLocks noGrp="1"/>
+          </p:cNvSpPr>
+          <p:nvPr>
+            <p:ph type="sldNum" sz="quarter" idx="4294967295"/>
+          </p:nvPr>
+        </p:nvSpPr>
+        <p:spPr>
+          <a:xfrm>
+            <a:off x="4572000" y="4629150"/>
+            <a:ext cx="800000" cy="300000"/>
+          </a:xfrm>
+          <a:prstGeom prst="rect">
+            <a:avLst/>
+          </a:prstGeom>
+          <a:extLst>
+            <a:ext uri="{C572A759-6A51-4108-AA02-DFA0A04FC94B}">
+              <ma14:wrappingTextBoxFlag xmlns:ma14="http://schemas.microsoft.com/office/mac/drawingml/2011/main" val="0"/>
+            </a:ext>
+          </a:extLst>
+        </p:spPr>
+        <p:txBody>
+          <a:bodyPr/>
+          <a:lstStyle>
+            <a:lvl1pPr/>
+          </a:lstStyle>
+          <a:p>
+            <a:pPr algn="l"/>
+            <a:fld id="{F7021451-1387-4CA6-816F-3879F97B5CBC}" type="slidenum">
+              <a:rPr b="0" lang="en-US"/>
+              <a:t>4</a:t>
+            </a:fld>
+            <a:endParaRPr lang="en-US"/>
+          </a:p>
+        </p:txBody>
+      </p:sp>
+    </p:spTree>
+  </p:cSld>
+  <p:clrMapOvr>
+    <a:masterClrMapping/>
+  </p:clrMapOvr>
+</p:sld>
+</file>
+
+<file path=ppt/slides/slide5.xml><?xml version="1.0" encoding="utf-8"?>
+<p:sld xmlns:a="http://schemas.openxmlformats.org/drawingml/2006/main" xmlns:r="http://schemas.openxmlformats.org/officeDocument/2006/relationships" xmlns:p="http://schemas.openxmlformats.org/presentationml/2006/main">
+  <p:cSld name="Slide 5">
+    <p:spTree>
+      <p:nvGrpSpPr>
+        <p:cNvPr id="1" name=""/>
+        <p:cNvGrpSpPr/>
+        <p:nvPr/>
+      </p:nvGrpSpPr>
+      <p:grpSpPr>
+        <a:xfrm>
+          <a:off x="0" y="0"/>
+          <a:ext cx="0" cy="0"/>
+          <a:chOff x="0" y="0"/>
+          <a:chExt cx="0" cy="0"/>
+        </a:xfrm>
+      </p:grpSpPr>
+      <p:graphicFrame>
+        <p:nvGraphicFramePr>
+          <p:cNvPr id="6" name="Table 5"/>
+          <p:cNvGraphicFramePr>
+            <a:graphicFrameLocks noGrp="1"/>
+          </p:cNvGraphicFramePr>
+          <p:nvPr>
+            <p:extLst>
+              <p:ext uri="{D42A27DB-BD31-4B8C-83A1-F6EECF244321}">
+                <p14:modId xmlns:p14="http://schemas.microsoft.com/office/powerpoint/2010/main" val="1579011935"/>
+              </p:ext>
+            </p:extLst>
+          </p:nvPr>
+        </p:nvGraphicFramePr>
+        <p:xfrm>
+          <a:off x="914400" y="457200"/>
+          <a:ext cx="8229600" cy="914400"/>
+        </p:xfrm>
+        <a:graphic>
+          <a:graphicData uri="http://schemas.openxmlformats.org/drawingml/2006/table">
+            <a:tbl>
+              <a:tblPr/>
+              <a:tblGrid>
+                <a:gridCol w="2743200"/>
+                <a:gridCol w="2743200"/>
+                <a:gridCol w="2743200"/>
+              </a:tblGrid>
+              <a:tr h="0">
+                <a:tc>
+                  <a:txBody>
+                    <a:bodyPr/>
+                    <a:lstStyle/>
+                    <a:p>
+                      <a:r>
+                        <a:rPr lang="en-US" sz="1200" dirty="0">
+                          <a:solidFill>
+                            <a:srgbClr val="FFFFFF"/>
+                          </a:solidFill>
+                        </a:rPr>
+                        <a:t>TH1</a:t>
+                      </a:r>
+                      <a:endParaRPr lang="en-US" sz="1200" dirty="0"/>
+                    </a:p>
+                  </a:txBody>
+                  <a:tcPr marL="91440" marR="91440" marT="45720" marB="45720" anchor="ctr">
+                    <a:lnL w="0" cap="flat" cmpd="sng" algn="ctr">
+                      <a:noFill/>
+                    </a:lnL>
+                    <a:lnR w="0" cap="flat" cmpd="sng" algn="ctr">
+                      <a:noFill/>
+                    </a:lnR>
+                    <a:lnT w="0" cap="flat" cmpd="sng" algn="ctr">
+                      <a:noFill/>
+                    </a:lnT>
+                    <a:lnB w="0" cap="flat" cmpd="sng" algn="ctr">
+                      <a:noFill/>
+                    </a:lnB>
+                    <a:solidFill>
+                      <a:srgbClr val="0088CC"/>
+                    </a:solidFill>
+                  </a:tcPr>
+                </a:tc>
+                <a:tc>
+                  <a:txBody>
+                    <a:bodyPr/>
+                    <a:lstStyle/>
+                    <a:p>
+                      <a:r>
+                        <a:rPr lang="en-US" sz="1200" dirty="0">
+                          <a:solidFill>
+                            <a:srgbClr val="FFFFFF"/>
+                          </a:solidFill>
+                        </a:rPr>
+                        <a:t>TH2</a:t>
+                      </a:r>
+                      <a:endParaRPr lang="en-US" sz="1200" dirty="0"/>
+                    </a:p>
+                  </a:txBody>
+                  <a:tcPr marL="91440" marR="91440" marT="45720" marB="45720" anchor="ctr">
+                    <a:lnL w="0" cap="flat" cmpd="sng" algn="ctr">
+                      <a:noFill/>
+                    </a:lnL>
+                    <a:lnR w="0" cap="flat" cmpd="sng" algn="ctr">
+                      <a:noFill/>
+                    </a:lnR>
+                    <a:lnT w="0" cap="flat" cmpd="sng" algn="ctr">
+                      <a:noFill/>
+                    </a:lnT>
+                    <a:lnB w="0" cap="flat" cmpd="sng" algn="ctr">
+                      <a:noFill/>
+                    </a:lnB>
+                    <a:solidFill>
+                      <a:srgbClr val="0088CC"/>
+                    </a:solidFill>
+                  </a:tcPr>
+                </a:tc>
+                <a:tc>
+                  <a:txBody>
+                    <a:bodyPr/>
+                    <a:lstStyle/>
+                    <a:p>
+                      <a:r>
+                        <a:rPr lang="en-US" sz="1200" dirty="0">
+                          <a:solidFill>
+                            <a:srgbClr val="FFFFFF"/>
+                          </a:solidFill>
+                        </a:rPr>
+                        <a:t>TH3</a:t>
+                      </a:r>
+                      <a:endParaRPr lang="en-US" sz="1200" dirty="0"/>
+                    </a:p>
+                  </a:txBody>
+                  <a:tcPr marL="91440" marR="91440" marT="45720" marB="45720" anchor="ctr">
+                    <a:lnL w="0" cap="flat" cmpd="sng" algn="ctr">
+                      <a:noFill/>
+                    </a:lnL>
+                    <a:lnR w="0" cap="flat" cmpd="sng" algn="ctr">
+                      <a:noFill/>
+                    </a:lnR>
+                    <a:lnT w="0" cap="flat" cmpd="sng" algn="ctr">
+                      <a:noFill/>
+                    </a:lnT>
+                    <a:lnB w="0" cap="flat" cmpd="sng" algn="ctr">
+                      <a:noFill/>
+                    </a:lnB>
+                    <a:solidFill>
+                      <a:srgbClr val="0088CC"/>
+                    </a:solidFill>
+                  </a:tcPr>
+                </a:tc>
+              </a:tr>
+              <a:tr h="0">
+                <a:tc>
+                  <a:txBody>
+                    <a:bodyPr/>
+                    <a:lstStyle/>
+                    <a:p>
+                      <a:endParaRPr lang="en-US" sz="1200" dirty="0"/>
+                    </a:p>
+                  </a:txBody>
+                  <a:tcPr marL="91440" marR="91440" marT="45720" marB="45720">
+                    <a:lnL w="0" cap="flat" cmpd="sng" algn="ctr">
+                      <a:noFill/>
+                    </a:lnL>
+                    <a:lnR w="0" cap="flat" cmpd="sng" algn="ctr">
+                      <a:noFill/>
+                    </a:lnR>
+                    <a:lnT w="0" cap="flat" cmpd="sng" algn="ctr">
+                      <a:noFill/>
+                    </a:lnT>
+                    <a:lnB w="0" cap="flat" cmpd="sng" algn="ctr">
+                      <a:noFill/>
+                    </a:lnB>
+                  </a:tcPr>
+                </a:tc>
+                <a:tc>
+                  <a:txBody>
+                    <a:bodyPr/>
+                    <a:lstStyle/>
+                    <a:p>
+                      <a:endParaRPr lang="en-US" sz="1200" dirty="0"/>
+                    </a:p>
+                  </a:txBody>
+                  <a:tcPr marL="91440" marR="91440" marT="45720" marB="45720">
+                    <a:lnL w="0" cap="flat" cmpd="sng" algn="ctr">
+                      <a:noFill/>
+                    </a:lnL>
+                    <a:lnR w="0" cap="flat" cmpd="sng" algn="ctr">
+                      <a:noFill/>
+                    </a:lnR>
+                    <a:lnT w="0" cap="flat" cmpd="sng" algn="ctr">
+                      <a:noFill/>
+                    </a:lnT>
+                    <a:lnB w="0" cap="flat" cmpd="sng" algn="ctr">
+                      <a:noFill/>
+                    </a:lnB>
+                  </a:tcPr>
+                </a:tc>
+                <a:tc>
+                  <a:txBody>
+                    <a:bodyPr/>
+                    <a:lstStyle/>
+                    <a:p>
+                      <a:r>
+                        <a:rPr lang="en-US" sz="1200" b="1" dirty="0">
+                          <a:solidFill>
+                            <a:srgbClr val="000000"/>
+                          </a:solidFill>
+                        </a:rPr>
+                        <a:t>This </a:t>
+                      </a:r>
+                      <a:r>
+                        <a:rPr lang="en-US" sz="1200" b="1" dirty="0">
+                          <a:solidFill>
+                            <a:srgbClr val="000000"/>
+                          </a:solidFill>
+                        </a:rPr>
+                        <a:t>is </a:t>
+                      </a:r>
+                      <a:r>
+                        <a:rPr lang="en-US" sz="1200" b="1" dirty="0">
+                          <a:solidFill>
+                            <a:srgbClr val="000000"/>
+                          </a:solidFill>
+                        </a:rPr>
+                        <a:t>ROW#:7 </a:t>
+                      </a:r>
+                      <a:r>
+                        <a:rPr lang="en-US" sz="1200" b="1" dirty="0">
+                          <a:solidFill>
+                            <a:srgbClr val="000000"/>
+                          </a:solidFill>
+                        </a:rPr>
+                        <a:t>LNE#:2</a:t>
+                      </a:r>
+                      <a:endParaRPr lang="en-US" sz="1200" dirty="0"/>
+                    </a:p>
+                    <a:p>
+                      <a:r>
+                        <a:rPr lang="en-US" sz="1200" b="1" dirty="0">
+                          <a:solidFill>
+                            <a:srgbClr val="000000"/>
+                          </a:solidFill>
+                        </a:rPr>
+                        <a:t>This </a:t>
+                      </a:r>
+                      <a:r>
+                        <a:rPr lang="en-US" sz="1200" b="1" dirty="0">
+                          <a:solidFill>
+                            <a:srgbClr val="000000"/>
+                          </a:solidFill>
+                        </a:rPr>
+                        <a:t>is </a:t>
+                      </a:r>
+                      <a:r>
+                        <a:rPr lang="en-US" sz="1200" b="1" dirty="0">
+                          <a:solidFill>
+                            <a:srgbClr val="000000"/>
+                          </a:solidFill>
+                        </a:rPr>
+                        <a:t>ROW#:7 </a:t>
+                      </a:r>
+                      <a:r>
+                        <a:rPr lang="en-US" sz="1200" b="1" dirty="0">
+                          <a:solidFill>
+                            <a:srgbClr val="000000"/>
+                          </a:solidFill>
+                        </a:rPr>
+                        <a:t>LNE#:3</a:t>
+                      </a:r>
+                      <a:endParaRPr lang="en-US" sz="1200" dirty="0"/>
+                    </a:p>
+                    <a:p>
+                      <a:r>
+                        <a:rPr lang="en-US" sz="1200" b="1" dirty="0">
+                          <a:solidFill>
+                            <a:srgbClr val="000000"/>
+                          </a:solidFill>
+                        </a:rPr>
+                        <a:t>This </a:t>
+                      </a:r>
+                      <a:r>
+                        <a:rPr lang="en-US" sz="1200" b="1" dirty="0">
+                          <a:solidFill>
+                            <a:srgbClr val="000000"/>
+                          </a:solidFill>
+                        </a:rPr>
+                        <a:t>is </a:t>
+                      </a:r>
+                      <a:r>
+                        <a:rPr lang="en-US" sz="1200" b="1" dirty="0">
+                          <a:solidFill>
+                            <a:srgbClr val="000000"/>
+                          </a:solidFill>
+                        </a:rPr>
+                        <a:t>ROW#:7 </a:t>
+                      </a:r>
+                      <a:r>
+                        <a:rPr lang="en-US" sz="1200" b="1" dirty="0">
+                          <a:solidFill>
+                            <a:srgbClr val="000000"/>
+                          </a:solidFill>
+                        </a:rPr>
+                        <a:t>LNE#:4</a:t>
+                      </a:r>
+                      <a:endParaRPr lang="en-US" sz="1200" dirty="0"/>
+                    </a:p>
+                    <a:p>
+                      <a:r>
+                        <a:rPr lang="en-US" sz="1200" b="1" dirty="0">
+                          <a:solidFill>
+                            <a:srgbClr val="000000"/>
+                          </a:solidFill>
+                        </a:rPr>
+                        <a:t>This </a:t>
+                      </a:r>
+                      <a:r>
+                        <a:rPr lang="en-US" sz="1200" b="1" dirty="0">
+                          <a:solidFill>
+                            <a:srgbClr val="000000"/>
+                          </a:solidFill>
+                        </a:rPr>
+                        <a:t>is </a:t>
+                      </a:r>
+                      <a:r>
+                        <a:rPr lang="en-US" sz="1200" b="1" dirty="0">
+                          <a:solidFill>
+                            <a:srgbClr val="000000"/>
+                          </a:solidFill>
+                        </a:rPr>
+                        <a:t>ROW#:7 </a:t>
+                      </a:r>
+                      <a:r>
+                        <a:rPr lang="en-US" sz="1200" b="1" dirty="0">
+                          <a:solidFill>
+                            <a:srgbClr val="000000"/>
+                          </a:solidFill>
+                        </a:rPr>
+                        <a:t>LNE#:5</a:t>
+                      </a:r>
+                      <a:endParaRPr lang="en-US" sz="1200" dirty="0"/>
+                    </a:p>
+                    <a:p>
+                      <a:r>
+                        <a:rPr lang="en-US" sz="1200" b="1" dirty="0">
+                          <a:solidFill>
+                            <a:srgbClr val="000000"/>
+                          </a:solidFill>
+                        </a:rPr>
+                        <a:t>This </a:t>
+                      </a:r>
+                      <a:r>
+                        <a:rPr lang="en-US" sz="1200" b="1" dirty="0">
+                          <a:solidFill>
+                            <a:srgbClr val="000000"/>
+                          </a:solidFill>
+                        </a:rPr>
+                        <a:t>is </a:t>
+                      </a:r>
+                      <a:r>
+                        <a:rPr lang="en-US" sz="1200" b="1" dirty="0">
+                          <a:solidFill>
+                            <a:srgbClr val="000000"/>
+                          </a:solidFill>
+                        </a:rPr>
+                        <a:t>ROW#:7 </a:t>
+                      </a:r>
+                      <a:r>
+                        <a:rPr lang="en-US" sz="1200" b="1" dirty="0">
+                          <a:solidFill>
+                            <a:srgbClr val="000000"/>
+                          </a:solidFill>
+                        </a:rPr>
+                        <a:t>LNE#:6</a:t>
+                      </a:r>
+                      <a:endParaRPr lang="en-US" sz="1200" dirty="0"/>
+                    </a:p>
+                    <a:p>
+                      <a:r>
+                        <a:rPr lang="en-US" sz="1200" b="1" dirty="0">
+                          <a:solidFill>
+                            <a:srgbClr val="000000"/>
+                          </a:solidFill>
+                        </a:rPr>
+                        <a:t>This </a:t>
+                      </a:r>
+                      <a:r>
+                        <a:rPr lang="en-US" sz="1200" b="1" dirty="0">
+                          <a:solidFill>
+                            <a:srgbClr val="000000"/>
+                          </a:solidFill>
+                        </a:rPr>
+                        <a:t>is </a:t>
+                      </a:r>
+                      <a:r>
+                        <a:rPr lang="en-US" sz="1200" b="1" dirty="0">
+                          <a:solidFill>
+                            <a:srgbClr val="000000"/>
+                          </a:solidFill>
+                        </a:rPr>
+                        <a:t>ROW#:7 </a:t>
+                      </a:r>
+                      <a:r>
+                        <a:rPr lang="en-US" sz="1200" b="1" dirty="0">
+                          <a:solidFill>
+                            <a:srgbClr val="000000"/>
+                          </a:solidFill>
+                        </a:rPr>
+                        <a:t>LNE#:7</a:t>
+                      </a:r>
+                      <a:endParaRPr lang="en-US" sz="1200" dirty="0"/>
+                    </a:p>
+                    <a:p>
+                      <a:r>
+                        <a:rPr lang="en-US" sz="1200" b="1" dirty="0">
+                          <a:solidFill>
+                            <a:srgbClr val="000000"/>
+                          </a:solidFill>
+                        </a:rPr>
+                        <a:t>This </a:t>
+                      </a:r>
+                      <a:r>
+                        <a:rPr lang="en-US" sz="1200" b="1" dirty="0">
+                          <a:solidFill>
+                            <a:srgbClr val="000000"/>
+                          </a:solidFill>
+                        </a:rPr>
+                        <a:t>is </a:t>
+                      </a:r>
+                      <a:r>
+                        <a:rPr lang="en-US" sz="1200" b="1" dirty="0">
+                          <a:solidFill>
+                            <a:srgbClr val="000000"/>
+                          </a:solidFill>
+                        </a:rPr>
+                        <a:t>ROW#:7 </a:t>
+                      </a:r>
+                      <a:r>
+                        <a:rPr lang="en-US" sz="1200" b="1" dirty="0">
+                          <a:solidFill>
+                            <a:srgbClr val="000000"/>
+                          </a:solidFill>
+                        </a:rPr>
+                        <a:t>LNE#:8</a:t>
+                      </a:r>
+                      <a:endParaRPr lang="en-US" sz="1200" dirty="0"/>
+                    </a:p>
+                    <a:p>
+                      <a:r>
+                        <a:rPr lang="en-US" sz="1200" b="1" dirty="0">
+                          <a:solidFill>
+                            <a:srgbClr val="000000"/>
+                          </a:solidFill>
+                        </a:rPr>
+                        <a:t>This </a:t>
+                      </a:r>
+                      <a:r>
+                        <a:rPr lang="en-US" sz="1200" b="1" dirty="0">
+                          <a:solidFill>
+                            <a:srgbClr val="000000"/>
+                          </a:solidFill>
+                        </a:rPr>
+                        <a:t>is </a:t>
+                      </a:r>
+                      <a:r>
+                        <a:rPr lang="en-US" sz="1200" b="1" dirty="0">
+                          <a:solidFill>
+                            <a:srgbClr val="000000"/>
+                          </a:solidFill>
+                        </a:rPr>
+                        <a:t>ROW#:7 </a:t>
+                      </a:r>
+                      <a:r>
+                        <a:rPr lang="en-US" sz="1200" b="1" dirty="0">
+                          <a:solidFill>
+                            <a:srgbClr val="000000"/>
+                          </a:solidFill>
+                        </a:rPr>
+                        <a:t>LNE#:9</a:t>
+                      </a:r>
+                      <a:endParaRPr lang="en-US" sz="1200" dirty="0"/>
+                    </a:p>
+                  </a:txBody>
+                  <a:tcPr marL="91440" marR="91440" marT="45720" marB="45720">
+                    <a:lnL w="0" cap="flat" cmpd="sng" algn="ctr">
+                      <a:noFill/>
+                    </a:lnL>
+                    <a:lnR w="0" cap="flat" cmpd="sng" algn="ctr">
+                      <a:noFill/>
+                    </a:lnR>
+                    <a:lnT w="0" cap="flat" cmpd="sng" algn="ctr">
+                      <a:noFill/>
+                    </a:lnT>
+                    <a:lnB w="0" cap="flat" cmpd="sng" algn="ctr">
+                      <a:noFill/>
+                    </a:lnB>
+                  </a:tcPr>
+                </a:tc>
+              </a:tr>
+              <a:tr h="0">
+                <a:tc>
+                  <a:txBody>
+                    <a:bodyPr/>
+                    <a:lstStyle/>
+                    <a:p>
+                      <a:endParaRPr lang="en-US" sz="1200" dirty="0"/>
+                    </a:p>
+                  </a:txBody>
+                  <a:tcPr marL="91440" marR="91440" marT="45720" marB="45720">
+                    <a:lnL w="0" cap="flat" cmpd="sng" algn="ctr">
+                      <a:noFill/>
+                    </a:lnL>
+                    <a:lnR w="0" cap="flat" cmpd="sng" algn="ctr">
+                      <a:noFill/>
+                    </a:lnR>
+                    <a:lnT w="0" cap="flat" cmpd="sng" algn="ctr">
+                      <a:noFill/>
+                    </a:lnT>
+                    <a:lnB w="0" cap="flat" cmpd="sng" algn="ctr">
+                      <a:noFill/>
+                    </a:lnB>
+                  </a:tcPr>
+                </a:tc>
+                <a:tc>
+                  <a:txBody>
+                    <a:bodyPr/>
+                    <a:lstStyle/>
+                    <a:p>
+                      <a:endParaRPr lang="en-US" sz="1200" dirty="0"/>
+                    </a:p>
+                  </a:txBody>
+                  <a:tcPr marL="91440" marR="91440" marT="45720" marB="45720">
+                    <a:lnL w="0" cap="flat" cmpd="sng" algn="ctr">
+                      <a:noFill/>
+                    </a:lnL>
+                    <a:lnR w="0" cap="flat" cmpd="sng" algn="ctr">
+                      <a:noFill/>
+                    </a:lnR>
+                    <a:lnT w="0" cap="flat" cmpd="sng" algn="ctr">
+                      <a:noFill/>
+                    </a:lnT>
+                    <a:lnB w="0" cap="flat" cmpd="sng" algn="ctr">
+                      <a:noFill/>
+                    </a:lnB>
+                  </a:tcPr>
+                </a:tc>
+                <a:tc>
+                  <a:txBody>
+                    <a:bodyPr/>
+                    <a:lstStyle/>
+                    <a:p>
+                      <a:r>
+                        <a:rPr lang="en-US" sz="1200" b="1" dirty="0">
+                          <a:solidFill>
+                            <a:srgbClr val="000000"/>
+                          </a:solidFill>
+                        </a:rPr>
+                        <a:t>Complex-Title</a:t>
+                      </a:r>
+                      <a:endParaRPr lang="en-US" sz="1200" dirty="0"/>
+                    </a:p>
+                    <a:p>
+                      <a:r>
+                        <a:rPr lang="en-US" sz="1200" b="1" dirty="0">
+                          <a:solidFill>
+                            <a:srgbClr val="000000"/>
+                          </a:solidFill>
+                        </a:rPr>
+                        <a:t>This </a:t>
+                      </a:r>
+                      <a:r>
+                        <a:rPr lang="en-US" sz="1200" b="1" dirty="0">
+                          <a:solidFill>
+                            <a:srgbClr val="000000"/>
+                          </a:solidFill>
+                        </a:rPr>
+                        <a:t>is </a:t>
+                      </a:r>
+                      <a:r>
+                        <a:rPr lang="en-US" sz="1200" b="1" dirty="0">
+                          <a:solidFill>
+                            <a:srgbClr val="000000"/>
+                          </a:solidFill>
+                        </a:rPr>
+                        <a:t>ROW#:8 </a:t>
+                      </a:r>
+                      <a:r>
+                        <a:rPr lang="en-US" sz="1200" b="1" dirty="0">
+                          <a:solidFill>
+                            <a:srgbClr val="000000"/>
+                          </a:solidFill>
+                        </a:rPr>
+                        <a:t>LNE#:1</a:t>
+                      </a:r>
+                      <a:endParaRPr lang="en-US" sz="1200" dirty="0"/>
+                    </a:p>
+                    <a:p>
+                      <a:r>
+                        <a:rPr lang="en-US" sz="1200" b="1" dirty="0">
+                          <a:solidFill>
+                            <a:srgbClr val="000000"/>
+                          </a:solidFill>
+                        </a:rPr>
+                        <a:t>This </a:t>
+                      </a:r>
+                      <a:r>
+                        <a:rPr lang="en-US" sz="1200" b="1" dirty="0">
+                          <a:solidFill>
+                            <a:srgbClr val="000000"/>
+                          </a:solidFill>
+                        </a:rPr>
+                        <a:t>is </a:t>
+                      </a:r>
+                      <a:r>
+                        <a:rPr lang="en-US" sz="1200" b="1" dirty="0">
+                          <a:solidFill>
+                            <a:srgbClr val="000000"/>
+                          </a:solidFill>
+                        </a:rPr>
+                        <a:t>ROW#:8 </a:t>
+                      </a:r>
+                      <a:r>
+                        <a:rPr lang="en-US" sz="1200" b="1" dirty="0">
+                          <a:solidFill>
+                            <a:srgbClr val="000000"/>
+                          </a:solidFill>
+                        </a:rPr>
+                        <a:t>LNE#:2</a:t>
+                      </a:r>
+                      <a:endParaRPr lang="en-US" sz="1200" dirty="0"/>
+                    </a:p>
+                    <a:p>
+                      <a:r>
+                        <a:rPr lang="en-US" sz="1200" b="1" dirty="0">
+                          <a:solidFill>
+                            <a:srgbClr val="000000"/>
+                          </a:solidFill>
+                        </a:rPr>
+                        <a:t>This </a:t>
+                      </a:r>
+                      <a:r>
+                        <a:rPr lang="en-US" sz="1200" b="1" dirty="0">
+                          <a:solidFill>
+                            <a:srgbClr val="000000"/>
+                          </a:solidFill>
+                        </a:rPr>
+                        <a:t>is </a:t>
+                      </a:r>
+                      <a:r>
+                        <a:rPr lang="en-US" sz="1200" b="1" dirty="0">
+                          <a:solidFill>
+                            <a:srgbClr val="000000"/>
+                          </a:solidFill>
+                        </a:rPr>
+                        <a:t>ROW#:8 </a:t>
+                      </a:r>
+                      <a:r>
+                        <a:rPr lang="en-US" sz="1200" b="1" dirty="0">
+                          <a:solidFill>
+                            <a:srgbClr val="000000"/>
+                          </a:solidFill>
+                        </a:rPr>
+                        <a:t>LNE#:3</a:t>
+                      </a:r>
+                      <a:endParaRPr lang="en-US" sz="1200" dirty="0"/>
+                    </a:p>
+                    <a:p>
+                      <a:r>
+                        <a:rPr lang="en-US" sz="1200" b="1" dirty="0">
+                          <a:solidFill>
+                            <a:srgbClr val="000000"/>
+                          </a:solidFill>
+                        </a:rPr>
+                        <a:t>This </a:t>
+                      </a:r>
+                      <a:r>
+                        <a:rPr lang="en-US" sz="1200" b="1" dirty="0">
+                          <a:solidFill>
+                            <a:srgbClr val="000000"/>
+                          </a:solidFill>
+                        </a:rPr>
+                        <a:t>is </a:t>
+                      </a:r>
+                      <a:r>
+                        <a:rPr lang="en-US" sz="1200" b="1" dirty="0">
+                          <a:solidFill>
+                            <a:srgbClr val="000000"/>
+                          </a:solidFill>
+                        </a:rPr>
+                        <a:t>ROW#:8 </a:t>
+                      </a:r>
+                      <a:r>
+                        <a:rPr lang="en-US" sz="1200" b="1" dirty="0">
+                          <a:solidFill>
+                            <a:srgbClr val="000000"/>
+                          </a:solidFill>
+                        </a:rPr>
+                        <a:t>LNE#:4</a:t>
+                      </a:r>
+                      <a:endParaRPr lang="en-US" sz="1200" dirty="0"/>
+                    </a:p>
+                    <a:p>
+                      <a:r>
+                        <a:rPr lang="en-US" sz="1200" b="1" dirty="0">
+                          <a:solidFill>
+                            <a:srgbClr val="000000"/>
+                          </a:solidFill>
+                        </a:rPr>
+                        <a:t>This </a:t>
+                      </a:r>
+                      <a:r>
+                        <a:rPr lang="en-US" sz="1200" b="1" dirty="0">
+                          <a:solidFill>
+                            <a:srgbClr val="000000"/>
+                          </a:solidFill>
+                        </a:rPr>
+                        <a:t>is </a:t>
+                      </a:r>
+                      <a:r>
+                        <a:rPr lang="en-US" sz="1200" b="1" dirty="0">
+                          <a:solidFill>
+                            <a:srgbClr val="000000"/>
+                          </a:solidFill>
+                        </a:rPr>
+                        <a:t>ROW#:8 </a:t>
+                      </a:r>
+                      <a:r>
+                        <a:rPr lang="en-US" sz="1200" b="1" dirty="0">
+                          <a:solidFill>
+                            <a:srgbClr val="000000"/>
+                          </a:solidFill>
+                        </a:rPr>
+                        <a:t>LNE#:5</a:t>
+                      </a:r>
+                      <a:endParaRPr lang="en-US" sz="1200" dirty="0"/>
+                    </a:p>
+                    <a:p>
+                      <a:r>
+                        <a:rPr lang="en-US" sz="1200" b="1" dirty="0">
+                          <a:solidFill>
+                            <a:srgbClr val="000000"/>
+                          </a:solidFill>
+                        </a:rPr>
+                        <a:t>This </a:t>
+                      </a:r>
+                      <a:r>
+                        <a:rPr lang="en-US" sz="1200" b="1" dirty="0">
+                          <a:solidFill>
+                            <a:srgbClr val="000000"/>
+                          </a:solidFill>
+                        </a:rPr>
+                        <a:t>is </a:t>
+                      </a:r>
+                      <a:r>
+                        <a:rPr lang="en-US" sz="1200" b="1" dirty="0">
+                          <a:solidFill>
+                            <a:srgbClr val="000000"/>
+                          </a:solidFill>
+                        </a:rPr>
+                        <a:t>ROW#:8 </a:t>
+                      </a:r>
+                      <a:r>
+                        <a:rPr lang="en-US" sz="1200" b="1" dirty="0">
+                          <a:solidFill>
+                            <a:srgbClr val="000000"/>
+                          </a:solidFill>
+                        </a:rPr>
+                        <a:t>LNE#:6</a:t>
+                      </a:r>
+                      <a:endParaRPr lang="en-US" sz="1200" dirty="0"/>
+                    </a:p>
+                    <a:p>
+                      <a:r>
+                        <a:rPr lang="en-US" sz="1200" b="1" dirty="0">
+                          <a:solidFill>
+                            <a:srgbClr val="000000"/>
+                          </a:solidFill>
+                        </a:rPr>
+                        <a:t>This </a:t>
+                      </a:r>
+                      <a:r>
+                        <a:rPr lang="en-US" sz="1200" b="1" dirty="0">
+                          <a:solidFill>
+                            <a:srgbClr val="000000"/>
+                          </a:solidFill>
+                        </a:rPr>
+                        <a:t>is </a:t>
+                      </a:r>
+                      <a:r>
+                        <a:rPr lang="en-US" sz="1200" b="1" dirty="0">
+                          <a:solidFill>
+                            <a:srgbClr val="000000"/>
+                          </a:solidFill>
+                        </a:rPr>
+                        <a:t>ROW#:8 </a:t>
+                      </a:r>
+                      <a:r>
+                        <a:rPr lang="en-US" sz="1200" b="1" dirty="0">
+                          <a:solidFill>
+                            <a:srgbClr val="000000"/>
+                          </a:solidFill>
+                        </a:rPr>
+                        <a:t>LNE#:7</a:t>
+                      </a:r>
+                      <a:endParaRPr lang="en-US" sz="1200" dirty="0"/>
+                    </a:p>
+                    <a:p>
+                      <a:r>
+                        <a:rPr lang="en-US" sz="1200" b="1" dirty="0">
+                          <a:solidFill>
+                            <a:srgbClr val="000000"/>
+                          </a:solidFill>
+                        </a:rPr>
+                        <a:t>This </a:t>
+                      </a:r>
+                      <a:r>
+                        <a:rPr lang="en-US" sz="1200" b="1" dirty="0">
+                          <a:solidFill>
+                            <a:srgbClr val="000000"/>
+                          </a:solidFill>
+                        </a:rPr>
+                        <a:t>is </a:t>
+                      </a:r>
+                      <a:r>
+                        <a:rPr lang="en-US" sz="1200" b="1" dirty="0">
+                          <a:solidFill>
+                            <a:srgbClr val="000000"/>
+                          </a:solidFill>
+                        </a:rPr>
+                        <a:t>ROW#:8 </a:t>
+                      </a:r>
+                      <a:r>
+                        <a:rPr lang="en-US" sz="1200" b="1" dirty="0">
+                          <a:solidFill>
+                            <a:srgbClr val="000000"/>
+                          </a:solidFill>
+                        </a:rPr>
+                        <a:t>LNE#:8</a:t>
+                      </a:r>
+                      <a:endParaRPr lang="en-US" sz="1200" dirty="0"/>
+                    </a:p>
+                    <a:p>
+                      <a:r>
+                        <a:rPr lang="en-US" sz="1200" b="1" dirty="0">
+                          <a:solidFill>
+                            <a:srgbClr val="000000"/>
+                          </a:solidFill>
+                        </a:rPr>
+                        <a:t>This </a:t>
+                      </a:r>
+                      <a:r>
+                        <a:rPr lang="en-US" sz="1200" b="1" dirty="0">
+                          <a:solidFill>
+                            <a:srgbClr val="000000"/>
+                          </a:solidFill>
+                        </a:rPr>
+                        <a:t>is </a:t>
+                      </a:r>
+                      <a:r>
+                        <a:rPr lang="en-US" sz="1200" b="1" dirty="0">
+                          <a:solidFill>
+                            <a:srgbClr val="000000"/>
+                          </a:solidFill>
+                        </a:rPr>
+                        <a:t>ROW#:8 </a:t>
+                      </a:r>
+                      <a:r>
+                        <a:rPr lang="en-US" sz="1200" b="1" dirty="0">
+                          <a:solidFill>
+                            <a:srgbClr val="000000"/>
+                          </a:solidFill>
+                        </a:rPr>
+                        <a:t>LNE#:9</a:t>
+                      </a:r>
+                      <a:endParaRPr lang="en-US" sz="1200" dirty="0"/>
+                    </a:p>
+                  </a:txBody>
+                  <a:tcPr marL="91440" marR="91440" marT="45720" marB="45720">
+                    <a:lnL w="0" cap="flat" cmpd="sng" algn="ctr">
+                      <a:noFill/>
+                    </a:lnL>
+                    <a:lnR w="0" cap="flat" cmpd="sng" algn="ctr">
+                      <a:noFill/>
+                    </a:lnR>
+                    <a:lnT w="0" cap="flat" cmpd="sng" algn="ctr">
+                      <a:noFill/>
+                    </a:lnT>
+                    <a:lnB w="0" cap="flat" cmpd="sng" algn="ctr">
+                      <a:noFill/>
+                    </a:lnB>
+                  </a:tcPr>
+                </a:tc>
+              </a:tr>
+              <a:tr h="0">
+                <a:tc>
+                  <a:txBody>
+                    <a:bodyPr/>
+                    <a:lstStyle/>
+                    <a:p>
+                      <a:endParaRPr lang="en-US" sz="1200" dirty="0"/>
+                    </a:p>
+                  </a:txBody>
+                  <a:tcPr marL="91440" marR="91440" marT="45720" marB="45720">
+                    <a:lnL w="0" cap="flat" cmpd="sng" algn="ctr">
+                      <a:noFill/>
+                    </a:lnL>
+                    <a:lnR w="0" cap="flat" cmpd="sng" algn="ctr">
+                      <a:noFill/>
+                    </a:lnR>
+                    <a:lnT w="0" cap="flat" cmpd="sng" algn="ctr">
+                      <a:noFill/>
+                    </a:lnT>
+                    <a:lnB w="0" cap="flat" cmpd="sng" algn="ctr">
+                      <a:noFill/>
+                    </a:lnB>
+                  </a:tcPr>
+                </a:tc>
+                <a:tc>
+                  <a:txBody>
+                    <a:bodyPr/>
+                    <a:lstStyle/>
+                    <a:p>
+                      <a:endParaRPr lang="en-US" sz="1200" dirty="0"/>
+                    </a:p>
+                  </a:txBody>
+                  <a:tcPr marL="91440" marR="91440" marT="45720" marB="45720">
+                    <a:lnL w="0" cap="flat" cmpd="sng" algn="ctr">
+                      <a:noFill/>
+                    </a:lnL>
+                    <a:lnR w="0" cap="flat" cmpd="sng" algn="ctr">
+                      <a:noFill/>
+                    </a:lnR>
+                    <a:lnT w="0" cap="flat" cmpd="sng" algn="ctr">
+                      <a:noFill/>
+                    </a:lnT>
+                    <a:lnB w="0" cap="flat" cmpd="sng" algn="ctr">
+                      <a:noFill/>
+                    </a:lnB>
+                  </a:tcPr>
+                </a:tc>
+                <a:tc>
+                  <a:txBody>
+                    <a:bodyPr/>
+                    <a:lstStyle/>
+                    <a:p>
+                      <a:r>
+                        <a:rPr lang="en-US" sz="1200" b="1" dirty="0">
+                          <a:solidFill>
+                            <a:srgbClr val="000000"/>
+                          </a:solidFill>
+                        </a:rPr>
+                        <a:t>Complex-Title</a:t>
+                      </a:r>
+                      <a:endParaRPr lang="en-US" sz="1200" dirty="0"/>
+                    </a:p>
+                    <a:p>
+                      <a:r>
+                        <a:rPr lang="en-US" sz="1200" b="1" dirty="0">
+                          <a:solidFill>
+                            <a:srgbClr val="000000"/>
+                          </a:solidFill>
+                        </a:rPr>
+                        <a:t>This </a:t>
+                      </a:r>
+                      <a:r>
+                        <a:rPr lang="en-US" sz="1200" b="1" dirty="0">
+                          <a:solidFill>
+                            <a:srgbClr val="000000"/>
+                          </a:solidFill>
+                        </a:rPr>
+                        <a:t>is </a:t>
+                      </a:r>
+                      <a:r>
+                        <a:rPr lang="en-US" sz="1200" b="1" dirty="0">
+                          <a:solidFill>
+                            <a:srgbClr val="000000"/>
+                          </a:solidFill>
+                        </a:rPr>
+                        <a:t>ROW#:9 </a:t>
+                      </a:r>
+                      <a:r>
+                        <a:rPr lang="en-US" sz="1200" b="1" dirty="0">
+                          <a:solidFill>
+                            <a:srgbClr val="000000"/>
+                          </a:solidFill>
+                        </a:rPr>
+                        <a:t>LNE#:1</a:t>
+                      </a:r>
+                      <a:endParaRPr lang="en-US" sz="1200" dirty="0"/>
+                    </a:p>
+                    <a:p>
+                      <a:r>
+                        <a:rPr lang="en-US" sz="1200" b="1" dirty="0">
+                          <a:solidFill>
+                            <a:srgbClr val="000000"/>
+                          </a:solidFill>
+                        </a:rPr>
+                        <a:t>This </a:t>
+                      </a:r>
+                      <a:r>
+                        <a:rPr lang="en-US" sz="1200" b="1" dirty="0">
+                          <a:solidFill>
+                            <a:srgbClr val="000000"/>
+                          </a:solidFill>
+                        </a:rPr>
+                        <a:t>is </a:t>
+                      </a:r>
+                      <a:r>
+                        <a:rPr lang="en-US" sz="1200" b="1" dirty="0">
+                          <a:solidFill>
+                            <a:srgbClr val="000000"/>
+                          </a:solidFill>
+                        </a:rPr>
+                        <a:t>ROW#:9 </a:t>
+                      </a:r>
+                      <a:r>
+                        <a:rPr lang="en-US" sz="1200" b="1" dirty="0">
+                          <a:solidFill>
+                            <a:srgbClr val="000000"/>
+                          </a:solidFill>
+                        </a:rPr>
+                        <a:t>LNE#:2</a:t>
+                      </a:r>
+                      <a:endParaRPr lang="en-US" sz="1200" dirty="0"/>
+                    </a:p>
+                    <a:p>
+                      <a:r>
+                        <a:rPr lang="en-US" sz="1200" b="1" dirty="0">
+                          <a:solidFill>
+                            <a:srgbClr val="000000"/>
+                          </a:solidFill>
+                        </a:rPr>
+                        <a:t>This </a:t>
+                      </a:r>
+                      <a:r>
+                        <a:rPr lang="en-US" sz="1200" b="1" dirty="0">
+                          <a:solidFill>
+                            <a:srgbClr val="000000"/>
+                          </a:solidFill>
+                        </a:rPr>
+                        <a:t>is </a:t>
+                      </a:r>
+                      <a:r>
+                        <a:rPr lang="en-US" sz="1200" b="1" dirty="0">
+                          <a:solidFill>
+                            <a:srgbClr val="000000"/>
+                          </a:solidFill>
+                        </a:rPr>
+                        <a:t>ROW#:9 </a:t>
+                      </a:r>
+                      <a:r>
+                        <a:rPr lang="en-US" sz="1200" b="1" dirty="0">
+                          <a:solidFill>
+                            <a:srgbClr val="000000"/>
+                          </a:solidFill>
+                        </a:rPr>
+                        <a:t>LNE#:3</a:t>
+                      </a:r>
+                      <a:endParaRPr lang="en-US" sz="1200" dirty="0"/>
+                    </a:p>
+                  </a:txBody>
+                  <a:tcPr marL="91440" marR="91440" marT="45720" marB="45720">
+                    <a:lnL w="0" cap="flat" cmpd="sng" algn="ctr">
+                      <a:noFill/>
+                    </a:lnL>
+                    <a:lnR w="0" cap="flat" cmpd="sng" algn="ctr">
+                      <a:noFill/>
+                    </a:lnR>
+                    <a:lnT w="0" cap="flat" cmpd="sng" algn="ctr">
+                      <a:noFill/>
+                    </a:lnT>
+                    <a:lnB w="0" cap="flat" cmpd="sng" algn="ctr">
+                      <a:noFill/>
+                    </a:lnB>
+                  </a:tcPr>
+                </a:tc>
+              </a:tr>
+            </a:tbl>
+          </a:graphicData>
+        </a:graphic>
+      </p:graphicFrame>
+      <p:sp>
+        <p:nvSpPr>
+          <p:cNvPr id="25" name="Slide Number Placeholder 24"/>
+          <p:cNvSpPr>
+            <a:spLocks noGrp="1"/>
+          </p:cNvSpPr>
+          <p:nvPr>
+            <p:ph type="sldNum" sz="quarter" idx="4294967295"/>
+          </p:nvPr>
+        </p:nvSpPr>
+        <p:spPr>
+          <a:xfrm>
+            <a:off x="4572000" y="4629150"/>
+            <a:ext cx="800000" cy="300000"/>
+          </a:xfrm>
+          <a:prstGeom prst="rect">
+            <a:avLst/>
+          </a:prstGeom>
+          <a:extLst>
+            <a:ext uri="{C572A759-6A51-4108-AA02-DFA0A04FC94B}">
+              <ma14:wrappingTextBoxFlag xmlns:ma14="http://schemas.microsoft.com/office/mac/drawingml/2011/main" val="0"/>
+            </a:ext>
+          </a:extLst>
+        </p:spPr>
+        <p:txBody>
+          <a:bodyPr/>
+          <a:lstStyle>
+            <a:lvl1pPr/>
+          </a:lstStyle>
+          <a:p>
+            <a:pPr algn="l"/>
+            <a:fld id="{F7021451-1387-4CA6-816F-3879F97B5CBC}" type="slidenum">
+              <a:rPr b="0" lang="en-US"/>
+              <a:t>5</a:t>
+            </a:fld>
+            <a:endParaRPr lang="en-US"/>
+          </a:p>
+        </p:txBody>
+      </p:sp>
+    </p:spTree>
+  </p:cSld>
+  <p:clrMapOvr>
+    <a:masterClrMapping/>
+  </p:clrMapOvr>
+</p:sld>
+</file>
+
+<file path=ppt/slides/slide6.xml><?xml version="1.0" encoding="utf-8"?>
+<p:sld xmlns:a="http://schemas.openxmlformats.org/drawingml/2006/main" xmlns:r="http://schemas.openxmlformats.org/officeDocument/2006/relationships" xmlns:p="http://schemas.openxmlformats.org/presentationml/2006/main">
+  <p:cSld name="Slide 6">
+    <p:spTree>
+      <p:nvGrpSpPr>
+        <p:cNvPr id="1" name=""/>
+        <p:cNvGrpSpPr/>
+        <p:nvPr/>
+      </p:nvGrpSpPr>
+      <p:grpSpPr>
+        <a:xfrm>
+          <a:off x="0" y="0"/>
+          <a:ext cx="0" cy="0"/>
+          <a:chOff x="0" y="0"/>
+          <a:chExt cx="0" cy="0"/>
+        </a:xfrm>
+      </p:grpSpPr>
+      <p:graphicFrame>
+        <p:nvGraphicFramePr>
+          <p:cNvPr id="7" name="Table 6"/>
+          <p:cNvGraphicFramePr>
+            <a:graphicFrameLocks noGrp="1"/>
+          </p:cNvGraphicFramePr>
+          <p:nvPr>
+            <p:extLst>
+              <p:ext uri="{D42A27DB-BD31-4B8C-83A1-F6EECF244321}">
+                <p14:modId xmlns:p14="http://schemas.microsoft.com/office/powerpoint/2010/main" val="1579011935"/>
+              </p:ext>
+            </p:extLst>
+          </p:nvPr>
+        </p:nvGraphicFramePr>
+        <p:xfrm>
+          <a:off x="914400" y="457200"/>
+          <a:ext cx="8229600" cy="914400"/>
+        </p:xfrm>
+        <a:graphic>
+          <a:graphicData uri="http://schemas.openxmlformats.org/drawingml/2006/table">
+            <a:tbl>
+              <a:tblPr/>
+              <a:tblGrid>
+                <a:gridCol w="2743200"/>
+                <a:gridCol w="2743200"/>
+                <a:gridCol w="2743200"/>
+              </a:tblGrid>
+              <a:tr h="0">
+                <a:tc>
+                  <a:txBody>
+                    <a:bodyPr/>
+                    <a:lstStyle/>
+                    <a:p>
+                      <a:r>
+                        <a:rPr lang="en-US" sz="1200" dirty="0">
+                          <a:solidFill>
+                            <a:srgbClr val="FFFFFF"/>
+                          </a:solidFill>
+                        </a:rPr>
+                        <a:t>TH1</a:t>
+                      </a:r>
+                      <a:endParaRPr lang="en-US" sz="1200" dirty="0"/>
+                    </a:p>
+                  </a:txBody>
+                  <a:tcPr marL="91440" marR="91440" marT="45720" marB="45720" anchor="ctr">
+                    <a:lnL w="0" cap="flat" cmpd="sng" algn="ctr">
+                      <a:noFill/>
+                    </a:lnL>
+                    <a:lnR w="0" cap="flat" cmpd="sng" algn="ctr">
+                      <a:noFill/>
+                    </a:lnR>
+                    <a:lnT w="0" cap="flat" cmpd="sng" algn="ctr">
+                      <a:noFill/>
+                    </a:lnT>
+                    <a:lnB w="0" cap="flat" cmpd="sng" algn="ctr">
+                      <a:noFill/>
+                    </a:lnB>
+                    <a:solidFill>
+                      <a:srgbClr val="0088CC"/>
+                    </a:solidFill>
+                  </a:tcPr>
+                </a:tc>
+                <a:tc>
+                  <a:txBody>
+                    <a:bodyPr/>
+                    <a:lstStyle/>
+                    <a:p>
+                      <a:r>
+                        <a:rPr lang="en-US" sz="1200" dirty="0">
+                          <a:solidFill>
+                            <a:srgbClr val="FFFFFF"/>
+                          </a:solidFill>
+                        </a:rPr>
+                        <a:t>TH2</a:t>
+                      </a:r>
+                      <a:endParaRPr lang="en-US" sz="1200" dirty="0"/>
+                    </a:p>
+                  </a:txBody>
+                  <a:tcPr marL="91440" marR="91440" marT="45720" marB="45720" anchor="ctr">
+                    <a:lnL w="0" cap="flat" cmpd="sng" algn="ctr">
+                      <a:noFill/>
+                    </a:lnL>
+                    <a:lnR w="0" cap="flat" cmpd="sng" algn="ctr">
+                      <a:noFill/>
+                    </a:lnR>
+                    <a:lnT w="0" cap="flat" cmpd="sng" algn="ctr">
+                      <a:noFill/>
+                    </a:lnT>
+                    <a:lnB w="0" cap="flat" cmpd="sng" algn="ctr">
+                      <a:noFill/>
+                    </a:lnB>
+                    <a:solidFill>
+                      <a:srgbClr val="0088CC"/>
+                    </a:solidFill>
+                  </a:tcPr>
+                </a:tc>
+                <a:tc>
+                  <a:txBody>
+                    <a:bodyPr/>
+                    <a:lstStyle/>
+                    <a:p>
+                      <a:r>
+                        <a:rPr lang="en-US" sz="1200" dirty="0">
+                          <a:solidFill>
+                            <a:srgbClr val="FFFFFF"/>
+                          </a:solidFill>
+                        </a:rPr>
+                        <a:t>TH3</a:t>
+                      </a:r>
+                      <a:endParaRPr lang="en-US" sz="1200" dirty="0"/>
+                    </a:p>
+                  </a:txBody>
+                  <a:tcPr marL="91440" marR="91440" marT="45720" marB="45720" anchor="ctr">
+                    <a:lnL w="0" cap="flat" cmpd="sng" algn="ctr">
+                      <a:noFill/>
+                    </a:lnL>
+                    <a:lnR w="0" cap="flat" cmpd="sng" algn="ctr">
+                      <a:noFill/>
+                    </a:lnR>
+                    <a:lnT w="0" cap="flat" cmpd="sng" algn="ctr">
+                      <a:noFill/>
+                    </a:lnT>
+                    <a:lnB w="0" cap="flat" cmpd="sng" algn="ctr">
+                      <a:noFill/>
+                    </a:lnB>
+                    <a:solidFill>
+                      <a:srgbClr val="0088CC"/>
+                    </a:solidFill>
+                  </a:tcPr>
+                </a:tc>
+              </a:tr>
+              <a:tr h="0">
+                <a:tc>
+                  <a:txBody>
+                    <a:bodyPr/>
+                    <a:lstStyle/>
+                    <a:p>
+                      <a:endParaRPr lang="en-US" sz="1200" dirty="0"/>
+                    </a:p>
+                  </a:txBody>
+                  <a:tcPr marL="91440" marR="91440" marT="45720" marB="45720">
+                    <a:lnL w="0" cap="flat" cmpd="sng" algn="ctr">
+                      <a:noFill/>
+                    </a:lnL>
+                    <a:lnR w="0" cap="flat" cmpd="sng" algn="ctr">
+                      <a:noFill/>
+                    </a:lnR>
+                    <a:lnT w="0" cap="flat" cmpd="sng" algn="ctr">
+                      <a:noFill/>
+                    </a:lnT>
+                    <a:lnB w="0" cap="flat" cmpd="sng" algn="ctr">
+                      <a:noFill/>
+                    </a:lnB>
+                  </a:tcPr>
+                </a:tc>
+                <a:tc>
+                  <a:txBody>
+                    <a:bodyPr/>
+                    <a:lstStyle/>
+                    <a:p>
+                      <a:endParaRPr lang="en-US" sz="1200" dirty="0"/>
+                    </a:p>
+                  </a:txBody>
+                  <a:tcPr marL="91440" marR="91440" marT="45720" marB="45720">
+                    <a:lnL w="0" cap="flat" cmpd="sng" algn="ctr">
+                      <a:noFill/>
+                    </a:lnL>
+                    <a:lnR w="0" cap="flat" cmpd="sng" algn="ctr">
+                      <a:noFill/>
+                    </a:lnR>
+                    <a:lnT w="0" cap="flat" cmpd="sng" algn="ctr">
+                      <a:noFill/>
+                    </a:lnT>
+                    <a:lnB w="0" cap="flat" cmpd="sng" algn="ctr">
+                      <a:noFill/>
+                    </a:lnB>
+                  </a:tcPr>
+                </a:tc>
+                <a:tc>
+                  <a:txBody>
+                    <a:bodyPr/>
+                    <a:lstStyle/>
+                    <a:p>
+                      <a:r>
+                        <a:rPr lang="en-US" sz="1200" b="1" dirty="0">
+                          <a:solidFill>
+                            <a:srgbClr val="000000"/>
+                          </a:solidFill>
+                        </a:rPr>
+                        <a:t>This </a:t>
+                      </a:r>
+                      <a:r>
+                        <a:rPr lang="en-US" sz="1200" b="1" dirty="0">
+                          <a:solidFill>
+                            <a:srgbClr val="000000"/>
+                          </a:solidFill>
+                        </a:rPr>
+                        <a:t>is </a:t>
+                      </a:r>
+                      <a:r>
+                        <a:rPr lang="en-US" sz="1200" b="1" dirty="0">
+                          <a:solidFill>
+                            <a:srgbClr val="000000"/>
+                          </a:solidFill>
+                        </a:rPr>
+                        <a:t>ROW#:9 </a:t>
+                      </a:r>
+                      <a:r>
+                        <a:rPr lang="en-US" sz="1200" b="1" dirty="0">
+                          <a:solidFill>
+                            <a:srgbClr val="000000"/>
+                          </a:solidFill>
+                        </a:rPr>
+                        <a:t>LNE#:4</a:t>
+                      </a:r>
+                      <a:endParaRPr lang="en-US" sz="1200" dirty="0"/>
+                    </a:p>
+                    <a:p>
+                      <a:r>
+                        <a:rPr lang="en-US" sz="1200" b="1" dirty="0">
+                          <a:solidFill>
+                            <a:srgbClr val="000000"/>
+                          </a:solidFill>
+                        </a:rPr>
+                        <a:t>This </a:t>
+                      </a:r>
+                      <a:r>
+                        <a:rPr lang="en-US" sz="1200" b="1" dirty="0">
+                          <a:solidFill>
+                            <a:srgbClr val="000000"/>
+                          </a:solidFill>
+                        </a:rPr>
+                        <a:t>is </a:t>
+                      </a:r>
+                      <a:r>
+                        <a:rPr lang="en-US" sz="1200" b="1" dirty="0">
+                          <a:solidFill>
+                            <a:srgbClr val="000000"/>
+                          </a:solidFill>
+                        </a:rPr>
+                        <a:t>ROW#:9 </a:t>
+                      </a:r>
+                      <a:r>
+                        <a:rPr lang="en-US" sz="1200" b="1" dirty="0">
+                          <a:solidFill>
+                            <a:srgbClr val="000000"/>
+                          </a:solidFill>
+                        </a:rPr>
+                        <a:t>LNE#:5</a:t>
+                      </a:r>
+                      <a:endParaRPr lang="en-US" sz="1200" dirty="0"/>
+                    </a:p>
+                    <a:p>
+                      <a:r>
+                        <a:rPr lang="en-US" sz="1200" b="1" dirty="0">
+                          <a:solidFill>
+                            <a:srgbClr val="000000"/>
+                          </a:solidFill>
+                        </a:rPr>
+                        <a:t>This </a:t>
+                      </a:r>
+                      <a:r>
+                        <a:rPr lang="en-US" sz="1200" b="1" dirty="0">
+                          <a:solidFill>
+                            <a:srgbClr val="000000"/>
+                          </a:solidFill>
+                        </a:rPr>
+                        <a:t>is </a:t>
+                      </a:r>
+                      <a:r>
+                        <a:rPr lang="en-US" sz="1200" b="1" dirty="0">
+                          <a:solidFill>
+                            <a:srgbClr val="000000"/>
+                          </a:solidFill>
+                        </a:rPr>
+                        <a:t>ROW#:9 </a:t>
+                      </a:r>
+                      <a:r>
+                        <a:rPr lang="en-US" sz="1200" b="1" dirty="0">
+                          <a:solidFill>
+                            <a:srgbClr val="000000"/>
+                          </a:solidFill>
+                        </a:rPr>
+                        <a:t>LNE#:6</a:t>
+                      </a:r>
+                      <a:endParaRPr lang="en-US" sz="1200" dirty="0"/>
+                    </a:p>
+                    <a:p>
+                      <a:r>
+                        <a:rPr lang="en-US" sz="1200" b="1" dirty="0">
+                          <a:solidFill>
+                            <a:srgbClr val="000000"/>
+                          </a:solidFill>
+                        </a:rPr>
+                        <a:t>This </a:t>
+                      </a:r>
+                      <a:r>
+                        <a:rPr lang="en-US" sz="1200" b="1" dirty="0">
+                          <a:solidFill>
+                            <a:srgbClr val="000000"/>
+                          </a:solidFill>
+                        </a:rPr>
+                        <a:t>is </a:t>
+                      </a:r>
+                      <a:r>
+                        <a:rPr lang="en-US" sz="1200" b="1" dirty="0">
+                          <a:solidFill>
+                            <a:srgbClr val="000000"/>
+                          </a:solidFill>
+                        </a:rPr>
+                        <a:t>ROW#:9 </a:t>
+                      </a:r>
+                      <a:r>
+                        <a:rPr lang="en-US" sz="1200" b="1" dirty="0">
+                          <a:solidFill>
+                            <a:srgbClr val="000000"/>
+                          </a:solidFill>
+                        </a:rPr>
+                        <a:t>LNE#:7</a:t>
+                      </a:r>
+                      <a:endParaRPr lang="en-US" sz="1200" dirty="0"/>
+                    </a:p>
+                    <a:p>
+                      <a:r>
+                        <a:rPr lang="en-US" sz="1200" b="1" dirty="0">
+                          <a:solidFill>
+                            <a:srgbClr val="000000"/>
+                          </a:solidFill>
+                        </a:rPr>
+                        <a:t>This </a:t>
+                      </a:r>
+                      <a:r>
+                        <a:rPr lang="en-US" sz="1200" b="1" dirty="0">
+                          <a:solidFill>
+                            <a:srgbClr val="000000"/>
+                          </a:solidFill>
+                        </a:rPr>
+                        <a:t>is </a:t>
+                      </a:r>
+                      <a:r>
+                        <a:rPr lang="en-US" sz="1200" b="1" dirty="0">
+                          <a:solidFill>
+                            <a:srgbClr val="000000"/>
+                          </a:solidFill>
+                        </a:rPr>
+                        <a:t>ROW#:9 </a:t>
+                      </a:r>
+                      <a:r>
+                        <a:rPr lang="en-US" sz="1200" b="1" dirty="0">
+                          <a:solidFill>
+                            <a:srgbClr val="000000"/>
+                          </a:solidFill>
+                        </a:rPr>
+                        <a:t>LNE#:8</a:t>
+                      </a:r>
+                      <a:endParaRPr lang="en-US" sz="1200" dirty="0"/>
+                    </a:p>
+                    <a:p>
+                      <a:r>
+                        <a:rPr lang="en-US" sz="1200" b="1" dirty="0">
+                          <a:solidFill>
+                            <a:srgbClr val="000000"/>
+                          </a:solidFill>
+                        </a:rPr>
+                        <a:t>This </a:t>
+                      </a:r>
+                      <a:r>
+                        <a:rPr lang="en-US" sz="1200" b="1" dirty="0">
+                          <a:solidFill>
+                            <a:srgbClr val="000000"/>
+                          </a:solidFill>
+                        </a:rPr>
+                        <a:t>is </a:t>
+                      </a:r>
+                      <a:r>
+                        <a:rPr lang="en-US" sz="1200" b="1" dirty="0">
+                          <a:solidFill>
+                            <a:srgbClr val="000000"/>
+                          </a:solidFill>
+                        </a:rPr>
+                        <a:t>ROW#:9 </a:t>
+                      </a:r>
+                      <a:r>
+                        <a:rPr lang="en-US" sz="1200" b="1" dirty="0">
+                          <a:solidFill>
+                            <a:srgbClr val="000000"/>
+                          </a:solidFill>
+                        </a:rPr>
+                        <a:t>LNE#:9</a:t>
+                      </a:r>
+                      <a:endParaRPr lang="en-US" sz="1200" dirty="0"/>
+                    </a:p>
+                  </a:txBody>
+                  <a:tcPr marL="91440" marR="91440" marT="45720" marB="45720">
+                    <a:lnL w="0" cap="flat" cmpd="sng" algn="ctr">
+                      <a:noFill/>
+                    </a:lnL>
+                    <a:lnR w="0" cap="flat" cmpd="sng" algn="ctr">
+                      <a:noFill/>
+                    </a:lnR>
+                    <a:lnT w="0" cap="flat" cmpd="sng" algn="ctr">
+                      <a:noFill/>
+                    </a:lnT>
+                    <a:lnB w="0" cap="flat" cmpd="sng" algn="ctr">
+                      <a:noFill/>
+                    </a:lnB>
+                  </a:tcPr>
+                </a:tc>
+              </a:tr>
+            </a:tbl>
+          </a:graphicData>
+        </a:graphic>
+      </p:graphicFrame>
+      <p:sp>
+        <p:nvSpPr>
+          <p:cNvPr id="25" name="Slide Number Placeholder 24"/>
+          <p:cNvSpPr>
+            <a:spLocks noGrp="1"/>
+          </p:cNvSpPr>
+          <p:nvPr>
+            <p:ph type="sldNum" sz="quarter" idx="4294967295"/>
+          </p:nvPr>
+        </p:nvSpPr>
+        <p:spPr>
+          <a:xfrm>
+            <a:off x="4572000" y="4629150"/>
+            <a:ext cx="800000" cy="300000"/>
+          </a:xfrm>
+          <a:prstGeom prst="rect">
+            <a:avLst/>
+          </a:prstGeom>
+          <a:extLst>
+            <a:ext uri="{C572A759-6A51-4108-AA02-DFA0A04FC94B}">
+              <ma14:wrappingTextBoxFlag xmlns:ma14="http://schemas.microsoft.com/office/mac/drawingml/2011/main" val="0"/>
+            </a:ext>
+          </a:extLst>
+        </p:spPr>
+        <p:txBody>
+          <a:bodyPr/>
+          <a:lstStyle>
+            <a:lvl1pPr/>
+          </a:lstStyle>
+          <a:p>
+            <a:pPr algn="l"/>
+            <a:fld id="{F7021451-1387-4CA6-816F-3879F97B5CBC}" type="slidenum">
+              <a:rPr b="0" lang="en-US"/>
+              <a:t>6</a:t>
+            </a:fld>
+            <a:endParaRPr lang="en-US"/>
+          </a:p>
+        </p:txBody>
+      </p:sp>
+    </p:spTree>
+  </p:cSld>
+  <p:clrMapOvr>
+    <a:masterClrMapping/>
+  </p:clrMapOvr>
+</p:sld>
+</file>
+
+<file path=ppt/slides/slide7.xml><?xml version="1.0" encoding="utf-8"?>
+<p:sld xmlns:a="http://schemas.openxmlformats.org/drawingml/2006/main" xmlns:r="http://schemas.openxmlformats.org/officeDocument/2006/relationships" xmlns:p="http://schemas.openxmlformats.org/presentationml/2006/main">
+  <p:cSld name="Slide 7">
+    <p:spTree>
+      <p:nvGrpSpPr>
+        <p:cNvPr id="1" name=""/>
+        <p:cNvGrpSpPr/>
+        <p:nvPr/>
+      </p:nvGrpSpPr>
+      <p:grpSpPr>
+        <a:xfrm>
+          <a:off x="0" y="0"/>
+          <a:ext cx="0" cy="0"/>
+          <a:chOff x="0" y="0"/>
+          <a:chExt cx="0" cy="0"/>
+        </a:xfrm>
+      </p:grpSpPr>
+      <p:graphicFrame>
+        <p:nvGraphicFramePr>
+          <p:cNvPr id="2" name="Chart 1" descr=""/>
+          <p:cNvGraphicFramePr/>
+          <p:nvPr/>
+        </p:nvGraphicFramePr>
+        <p:xfrm>
+          <a:off x="914400" y="914400"/>
+          <a:ext cx="7315200" cy="3657600"/>
+        </p:xfrm>
+        <a:graphic xmlns:a="http://schemas.openxmlformats.org/drawingml/2006/main">
+          <a:graphicData uri="http://schemas.openxmlformats.org/drawingml/2006/chart">
+            <c:chart xmlns:c="http://schemas.openxmlformats.org/drawingml/2006/chart" r:id="rId1"/>
+          </a:graphicData>
+        </a:graphic>
+      </p:graphicFrame>
+      <p:sp>
+        <p:nvSpPr>
+          <p:cNvPr id="25" name="Slide Number Placeholder 24"/>
+          <p:cNvSpPr>
+            <a:spLocks noGrp="1"/>
+          </p:cNvSpPr>
+          <p:nvPr>
+            <p:ph type="sldNum" sz="quarter" idx="4294967295"/>
+          </p:nvPr>
+        </p:nvSpPr>
+        <p:spPr>
+          <a:xfrm>
+            <a:off x="4572000" y="4629150"/>
+            <a:ext cx="800000" cy="300000"/>
+          </a:xfrm>
+          <a:prstGeom prst="rect">
+            <a:avLst/>
+          </a:prstGeom>
+          <a:extLst>
+            <a:ext uri="{C572A759-6A51-4108-AA02-DFA0A04FC94B}">
+              <ma14:wrappingTextBoxFlag xmlns:ma14="http://schemas.microsoft.com/office/mac/drawingml/2011/main" val="0"/>
+            </a:ext>
+          </a:extLst>
+        </p:spPr>
+        <p:txBody>
+          <a:bodyPr/>
+          <a:lstStyle>
+            <a:lvl1pPr/>
+          </a:lstStyle>
+          <a:p>
+            <a:pPr algn="l"/>
+            <a:fld id="{F7021451-1387-4CA6-816F-3879F97B5CBC}" type="slidenum">
+              <a:rPr b="0" lang="en-US"/>
+              <a:t>7</a:t>
             </a:fld>
             <a:endParaRPr lang="en-US"/>
           </a:p>
